--- a/presentation/Presentation.pptx
+++ b/presentation/Presentation.pptx
@@ -5,7 +5,7 @@
     <p:sldMasterId id="2147483726" r:id="rId1"/>
   </p:sldMasterIdLst>
   <p:notesMasterIdLst>
-    <p:notesMasterId r:id="rId10"/>
+    <p:notesMasterId r:id="rId14"/>
   </p:notesMasterIdLst>
   <p:sldIdLst>
     <p:sldId id="256" r:id="rId2"/>
@@ -16,6 +16,10 @@
     <p:sldId id="275" r:id="rId7"/>
     <p:sldId id="276" r:id="rId8"/>
     <p:sldId id="277" r:id="rId9"/>
+    <p:sldId id="278" r:id="rId10"/>
+    <p:sldId id="279" r:id="rId11"/>
+    <p:sldId id="281" r:id="rId12"/>
+    <p:sldId id="282" r:id="rId13"/>
   </p:sldIdLst>
   <p:sldSz cx="12192000" cy="6858000"/>
   <p:notesSz cx="6858000" cy="9144000"/>
@@ -4236,7 +4240,7 @@
           <a:p>
             <a:fld id="{97E985E7-753F-4824-9C50-E9B9BE2834CE}" type="datetimeFigureOut">
               <a:rPr lang="fr-FR" smtClean="0"/>
-              <a:t>07/03/2022</a:t>
+              <a:t>08/03/2022</a:t>
             </a:fld>
             <a:endParaRPr lang="fr-FR"/>
           </a:p>
@@ -4734,7 +4738,7 @@
           <a:p>
             <a:fld id="{246CB39B-5F4C-4A7E-9BE3-AAFD45576D16}" type="datetime2">
               <a:rPr lang="en-US" smtClean="0"/>
-              <a:t>Monday, March 7, 2022</a:t>
+              <a:t>Tuesday, March 8, 2022</a:t>
             </a:fld>
             <a:endParaRPr lang="en-US"/>
           </a:p>
@@ -5145,7 +5149,7 @@
           <a:p>
             <a:fld id="{246CB39B-5F4C-4A7E-9BE3-AAFD45576D16}" type="datetime2">
               <a:rPr lang="en-US" smtClean="0"/>
-              <a:t>Monday, March 7, 2022</a:t>
+              <a:t>Tuesday, March 8, 2022</a:t>
             </a:fld>
             <a:endParaRPr lang="en-US"/>
           </a:p>
@@ -5358,7 +5362,7 @@
           <a:p>
             <a:fld id="{246CB39B-5F4C-4A7E-9BE3-AAFD45576D16}" type="datetime2">
               <a:rPr lang="en-US" smtClean="0"/>
-              <a:t>Monday, March 7, 2022</a:t>
+              <a:t>Tuesday, March 8, 2022</a:t>
             </a:fld>
             <a:endParaRPr lang="en-US"/>
           </a:p>
@@ -5575,7 +5579,7 @@
           <a:p>
             <a:fld id="{246CB39B-5F4C-4A7E-9BE3-AAFD45576D16}" type="datetime2">
               <a:rPr lang="en-US" smtClean="0"/>
-              <a:t>Monday, March 7, 2022</a:t>
+              <a:t>Tuesday, March 8, 2022</a:t>
             </a:fld>
             <a:endParaRPr lang="en-US"/>
           </a:p>
@@ -6011,7 +6015,7 @@
           <a:p>
             <a:fld id="{246CB39B-5F4C-4A7E-9BE3-AAFD45576D16}" type="datetime2">
               <a:rPr lang="en-US" smtClean="0"/>
-              <a:t>Monday, March 7, 2022</a:t>
+              <a:t>Tuesday, March 8, 2022</a:t>
             </a:fld>
             <a:endParaRPr lang="en-US"/>
           </a:p>
@@ -6281,7 +6285,7 @@
           <a:p>
             <a:fld id="{246CB39B-5F4C-4A7E-9BE3-AAFD45576D16}" type="datetime2">
               <a:rPr lang="en-US" smtClean="0"/>
-              <a:t>Monday, March 7, 2022</a:t>
+              <a:t>Tuesday, March 8, 2022</a:t>
             </a:fld>
             <a:endParaRPr lang="en-US"/>
           </a:p>
@@ -6698,7 +6702,7 @@
           <a:p>
             <a:fld id="{246CB39B-5F4C-4A7E-9BE3-AAFD45576D16}" type="datetime2">
               <a:rPr lang="en-US" smtClean="0"/>
-              <a:t>Monday, March 7, 2022</a:t>
+              <a:t>Tuesday, March 8, 2022</a:t>
             </a:fld>
             <a:endParaRPr lang="en-US"/>
           </a:p>
@@ -6844,7 +6848,7 @@
           <a:p>
             <a:fld id="{246CB39B-5F4C-4A7E-9BE3-AAFD45576D16}" type="datetime2">
               <a:rPr lang="en-US" smtClean="0"/>
-              <a:t>Monday, March 7, 2022</a:t>
+              <a:t>Tuesday, March 8, 2022</a:t>
             </a:fld>
             <a:endParaRPr lang="en-US"/>
           </a:p>
@@ -6962,7 +6966,7 @@
           <a:p>
             <a:fld id="{246CB39B-5F4C-4A7E-9BE3-AAFD45576D16}" type="datetime2">
               <a:rPr lang="en-US" smtClean="0"/>
-              <a:t>Monday, March 7, 2022</a:t>
+              <a:t>Tuesday, March 8, 2022</a:t>
             </a:fld>
             <a:endParaRPr lang="en-US"/>
           </a:p>
@@ -7278,7 +7282,7 @@
           <a:p>
             <a:fld id="{246CB39B-5F4C-4A7E-9BE3-AAFD45576D16}" type="datetime2">
               <a:rPr lang="en-US" smtClean="0"/>
-              <a:t>Monday, March 7, 2022</a:t>
+              <a:t>Tuesday, March 8, 2022</a:t>
             </a:fld>
             <a:endParaRPr lang="en-US"/>
           </a:p>
@@ -7571,7 +7575,7 @@
           <a:p>
             <a:fld id="{246CB39B-5F4C-4A7E-9BE3-AAFD45576D16}" type="datetime2">
               <a:rPr lang="en-US" smtClean="0"/>
-              <a:t>Monday, March 7, 2022</a:t>
+              <a:t>Tuesday, March 8, 2022</a:t>
             </a:fld>
             <a:endParaRPr lang="en-US"/>
           </a:p>
@@ -7817,7 +7821,7 @@
           <a:p>
             <a:fld id="{246CB39B-5F4C-4A7E-9BE3-AAFD45576D16}" type="datetime2">
               <a:rPr lang="en-US" smtClean="0"/>
-              <a:t>Monday, March 7, 2022</a:t>
+              <a:t>Tuesday, March 8, 2022</a:t>
             </a:fld>
             <a:endParaRPr lang="en-US"/>
           </a:p>
@@ -8308,6 +8312,2118 @@
 </p:sld>
 </file>
 
+<file path=ppt/slides/slide10.xml><?xml version="1.0" encoding="utf-8"?>
+<p:sld xmlns:a="http://schemas.openxmlformats.org/drawingml/2006/main" xmlns:r="http://schemas.openxmlformats.org/officeDocument/2006/relationships" xmlns:p="http://schemas.openxmlformats.org/presentationml/2006/main">
+  <p:cSld>
+    <p:spTree>
+      <p:nvGrpSpPr>
+        <p:cNvPr id="1" name=""/>
+        <p:cNvGrpSpPr/>
+        <p:nvPr/>
+      </p:nvGrpSpPr>
+      <p:grpSpPr>
+        <a:xfrm>
+          <a:off x="0" y="0"/>
+          <a:ext cx="0" cy="0"/>
+          <a:chOff x="0" y="0"/>
+          <a:chExt cx="0" cy="0"/>
+        </a:xfrm>
+      </p:grpSpPr>
+      <p:sp>
+        <p:nvSpPr>
+          <p:cNvPr id="2" name="Titre 1">
+            <a:extLst>
+              <a:ext uri="{FF2B5EF4-FFF2-40B4-BE49-F238E27FC236}">
+                <a16:creationId xmlns:a16="http://schemas.microsoft.com/office/drawing/2014/main" id="{BC12CAD9-5A1E-5F43-8F0C-0F0EC7B01398}"/>
+              </a:ext>
+            </a:extLst>
+          </p:cNvPr>
+          <p:cNvSpPr>
+            <a:spLocks noGrp="1"/>
+          </p:cNvSpPr>
+          <p:nvPr>
+            <p:ph type="title"/>
+          </p:nvPr>
+        </p:nvSpPr>
+        <p:spPr/>
+        <p:txBody>
+          <a:bodyPr/>
+          <a:lstStyle/>
+          <a:p>
+            <a:r>
+              <a:rPr lang="fr-FR" dirty="0"/>
+              <a:t>2-b\ Stabilité : faire varier q</a:t>
+            </a:r>
+          </a:p>
+        </p:txBody>
+      </p:sp>
+      <p:sp>
+        <p:nvSpPr>
+          <p:cNvPr id="3" name="Espace réservé du contenu 2">
+            <a:extLst>
+              <a:ext uri="{FF2B5EF4-FFF2-40B4-BE49-F238E27FC236}">
+                <a16:creationId xmlns:a16="http://schemas.microsoft.com/office/drawing/2014/main" id="{C6DE6045-02BC-2348-8AFB-0966E75EE185}"/>
+              </a:ext>
+            </a:extLst>
+          </p:cNvPr>
+          <p:cNvSpPr>
+            <a:spLocks noGrp="1"/>
+          </p:cNvSpPr>
+          <p:nvPr>
+            <p:ph idx="1"/>
+          </p:nvPr>
+        </p:nvSpPr>
+        <p:spPr>
+          <a:xfrm>
+            <a:off x="838200" y="1825625"/>
+            <a:ext cx="5257800" cy="4139240"/>
+          </a:xfrm>
+        </p:spPr>
+        <p:txBody>
+          <a:bodyPr/>
+          <a:lstStyle/>
+          <a:p>
+            <a:r>
+              <a:rPr lang="fr-FR" dirty="0"/>
+              <a:t> </a:t>
+            </a:r>
+            <a:r>
+              <a:rPr lang="fr-FR" dirty="0" err="1"/>
+              <a:t>When</a:t>
+            </a:r>
+            <a:r>
+              <a:rPr lang="fr-FR" dirty="0"/>
+              <a:t>                            , </a:t>
+            </a:r>
+            <a:r>
+              <a:rPr lang="fr-FR" dirty="0" err="1"/>
+              <a:t>it’s</a:t>
+            </a:r>
+            <a:r>
+              <a:rPr lang="fr-FR" dirty="0"/>
+              <a:t> </a:t>
+            </a:r>
+            <a:r>
+              <a:rPr lang="fr-FR" dirty="0" err="1"/>
+              <a:t>easier</a:t>
+            </a:r>
+            <a:r>
+              <a:rPr lang="fr-FR" dirty="0"/>
+              <a:t> at first to </a:t>
+            </a:r>
+            <a:r>
+              <a:rPr lang="fr-FR" dirty="0" err="1"/>
+              <a:t>find</a:t>
+            </a:r>
+            <a:r>
+              <a:rPr lang="fr-FR" dirty="0"/>
+              <a:t> the </a:t>
+            </a:r>
+            <a:r>
+              <a:rPr lang="fr-FR" dirty="0" err="1"/>
+              <a:t>different</a:t>
+            </a:r>
+            <a:r>
+              <a:rPr lang="fr-FR" dirty="0"/>
+              <a:t> </a:t>
+            </a:r>
+            <a:r>
+              <a:rPr lang="fr-FR" dirty="0" err="1"/>
+              <a:t>community</a:t>
+            </a:r>
+            <a:endParaRPr lang="fr-FR" dirty="0"/>
+          </a:p>
+          <a:p>
+            <a:r>
+              <a:rPr lang="fr-FR" dirty="0" err="1"/>
+              <a:t>However</a:t>
+            </a:r>
+            <a:r>
+              <a:rPr lang="fr-FR" dirty="0"/>
+              <a:t>, </a:t>
+            </a:r>
+            <a:r>
+              <a:rPr lang="fr-FR" dirty="0" err="1"/>
+              <a:t>when</a:t>
+            </a:r>
+            <a:r>
+              <a:rPr lang="fr-FR" dirty="0"/>
+              <a:t>                    </a:t>
+            </a:r>
+            <a:r>
+              <a:rPr lang="fr-FR" dirty="0" err="1"/>
+              <a:t>is</a:t>
+            </a:r>
+            <a:r>
+              <a:rPr lang="fr-FR" dirty="0"/>
+              <a:t> </a:t>
+            </a:r>
+            <a:r>
+              <a:rPr lang="fr-FR" dirty="0" err="1"/>
+              <a:t>big</a:t>
+            </a:r>
+            <a:r>
+              <a:rPr lang="fr-FR" dirty="0"/>
+              <a:t>, the model </a:t>
+            </a:r>
+            <a:r>
+              <a:rPr lang="fr-FR" dirty="0" err="1"/>
+              <a:t>starts</a:t>
+            </a:r>
+            <a:r>
+              <a:rPr lang="fr-FR" dirty="0"/>
+              <a:t> to </a:t>
+            </a:r>
+            <a:r>
+              <a:rPr lang="fr-FR" dirty="0" err="1"/>
+              <a:t>lose</a:t>
+            </a:r>
+            <a:r>
+              <a:rPr lang="fr-FR" dirty="0"/>
+              <a:t> </a:t>
+            </a:r>
+            <a:r>
+              <a:rPr lang="fr-FR" dirty="0" err="1"/>
+              <a:t>accuracy</a:t>
+            </a:r>
+            <a:r>
+              <a:rPr lang="fr-FR" dirty="0"/>
+              <a:t>.</a:t>
+            </a:r>
+          </a:p>
+          <a:p>
+            <a:r>
+              <a:rPr lang="fr-FR" dirty="0"/>
+              <a:t>The 20 </a:t>
+            </a:r>
+            <a:r>
+              <a:rPr lang="fr-FR" dirty="0" err="1"/>
+              <a:t>epochs</a:t>
+            </a:r>
+            <a:r>
+              <a:rPr lang="fr-FR" dirty="0"/>
+              <a:t> model </a:t>
+            </a:r>
+            <a:r>
+              <a:rPr lang="fr-FR" dirty="0" err="1"/>
+              <a:t>seems</a:t>
+            </a:r>
+            <a:r>
+              <a:rPr lang="fr-FR" dirty="0"/>
+              <a:t> to </a:t>
+            </a:r>
+            <a:r>
+              <a:rPr lang="fr-FR" dirty="0" err="1"/>
+              <a:t>generalize</a:t>
+            </a:r>
+            <a:r>
+              <a:rPr lang="fr-FR" dirty="0"/>
+              <a:t> </a:t>
+            </a:r>
+            <a:r>
+              <a:rPr lang="fr-FR" dirty="0" err="1"/>
+              <a:t>better</a:t>
+            </a:r>
+            <a:r>
+              <a:rPr lang="fr-FR" dirty="0"/>
+              <a:t> </a:t>
+            </a:r>
+            <a:r>
+              <a:rPr lang="fr-FR" dirty="0" err="1"/>
+              <a:t>than</a:t>
+            </a:r>
+            <a:r>
+              <a:rPr lang="fr-FR" dirty="0"/>
+              <a:t> the 80 </a:t>
+            </a:r>
+            <a:r>
+              <a:rPr lang="fr-FR" dirty="0" err="1"/>
+              <a:t>epochs</a:t>
+            </a:r>
+            <a:r>
+              <a:rPr lang="fr-FR" dirty="0"/>
+              <a:t> one.</a:t>
+            </a:r>
+          </a:p>
+          <a:p>
+            <a:endParaRPr lang="fr-FR" dirty="0"/>
+          </a:p>
+          <a:p>
+            <a:endParaRPr lang="fr-FR" dirty="0"/>
+          </a:p>
+        </p:txBody>
+      </p:sp>
+      <p:graphicFrame>
+        <p:nvGraphicFramePr>
+          <p:cNvPr id="4" name="Tableau 4">
+            <a:extLst>
+              <a:ext uri="{FF2B5EF4-FFF2-40B4-BE49-F238E27FC236}">
+                <a16:creationId xmlns:a16="http://schemas.microsoft.com/office/drawing/2014/main" id="{1A187869-5B97-DD49-AF02-EE3E88FBFE72}"/>
+              </a:ext>
+            </a:extLst>
+          </p:cNvPr>
+          <p:cNvGraphicFramePr>
+            <a:graphicFrameLocks noGrp="1"/>
+          </p:cNvGraphicFramePr>
+          <p:nvPr>
+            <p:extLst>
+              <p:ext uri="{D42A27DB-BD31-4B8C-83A1-F6EECF244321}">
+                <p14:modId xmlns:p14="http://schemas.microsoft.com/office/powerpoint/2010/main" val="981982065"/>
+              </p:ext>
+            </p:extLst>
+          </p:nvPr>
+        </p:nvGraphicFramePr>
+        <p:xfrm>
+          <a:off x="6209414" y="1690688"/>
+          <a:ext cx="5497032" cy="1840130"/>
+        </p:xfrm>
+        <a:graphic>
+          <a:graphicData uri="http://schemas.openxmlformats.org/drawingml/2006/table">
+            <a:tbl>
+              <a:tblPr firstRow="1" bandRow="1">
+                <a:tableStyleId>{F5AB1C69-6EDB-4FF4-983F-18BD219EF322}</a:tableStyleId>
+              </a:tblPr>
+              <a:tblGrid>
+                <a:gridCol w="1832344">
+                  <a:extLst>
+                    <a:ext uri="{9D8B030D-6E8A-4147-A177-3AD203B41FA5}">
+                      <a16:colId xmlns:a16="http://schemas.microsoft.com/office/drawing/2014/main" val="4020513725"/>
+                    </a:ext>
+                  </a:extLst>
+                </a:gridCol>
+                <a:gridCol w="1832344">
+                  <a:extLst>
+                    <a:ext uri="{9D8B030D-6E8A-4147-A177-3AD203B41FA5}">
+                      <a16:colId xmlns:a16="http://schemas.microsoft.com/office/drawing/2014/main" val="2222928987"/>
+                    </a:ext>
+                  </a:extLst>
+                </a:gridCol>
+                <a:gridCol w="1832344">
+                  <a:extLst>
+                    <a:ext uri="{9D8B030D-6E8A-4147-A177-3AD203B41FA5}">
+                      <a16:colId xmlns:a16="http://schemas.microsoft.com/office/drawing/2014/main" val="990616228"/>
+                    </a:ext>
+                  </a:extLst>
+                </a:gridCol>
+              </a:tblGrid>
+              <a:tr h="310465">
+                <a:tc>
+                  <a:txBody>
+                    <a:bodyPr/>
+                    <a:lstStyle/>
+                    <a:p>
+                      <a:pPr algn="ctr">
+                        <a:lnSpc>
+                          <a:spcPct val="100000"/>
+                        </a:lnSpc>
+                      </a:pPr>
+                      <a:r>
+                        <a:rPr lang="en-US" sz="1400" b="0" strike="noStrike" spc="-1" dirty="0">
+                          <a:solidFill>
+                            <a:srgbClr val="000000"/>
+                          </a:solidFill>
+                          <a:uFill>
+                            <a:solidFill>
+                              <a:srgbClr val="FFFFFF"/>
+                            </a:solidFill>
+                          </a:uFill>
+                        </a:rPr>
+                        <a:t>Extra-link probability q</a:t>
+                      </a:r>
+                      <a:endParaRPr lang="en-US" sz="1400" b="0" strike="noStrike" spc="-1" dirty="0">
+                        <a:solidFill>
+                          <a:srgbClr val="000000"/>
+                        </a:solidFill>
+                        <a:uFill>
+                          <a:solidFill>
+                            <a:srgbClr val="FFFFFF"/>
+                          </a:solidFill>
+                        </a:uFill>
+                        <a:latin typeface="Arial"/>
+                      </a:endParaRPr>
+                    </a:p>
+                  </a:txBody>
+                  <a:tcPr/>
+                </a:tc>
+                <a:tc>
+                  <a:txBody>
+                    <a:bodyPr/>
+                    <a:lstStyle/>
+                    <a:p>
+                      <a:pPr algn="ctr">
+                        <a:lnSpc>
+                          <a:spcPct val="100000"/>
+                        </a:lnSpc>
+                      </a:pPr>
+                      <a:r>
+                        <a:rPr lang="en-US" sz="1400" b="0" strike="noStrike" spc="-1" dirty="0">
+                          <a:solidFill>
+                            <a:srgbClr val="000000"/>
+                          </a:solidFill>
+                          <a:uFill>
+                            <a:solidFill>
+                              <a:srgbClr val="FFFFFF"/>
+                            </a:solidFill>
+                          </a:uFill>
+                        </a:rPr>
+                        <a:t>Model 20 epochs</a:t>
+                      </a:r>
+                      <a:endParaRPr lang="en-US" sz="1400" b="0" strike="noStrike" spc="-1" dirty="0">
+                        <a:solidFill>
+                          <a:srgbClr val="000000"/>
+                        </a:solidFill>
+                        <a:uFill>
+                          <a:solidFill>
+                            <a:srgbClr val="FFFFFF"/>
+                          </a:solidFill>
+                        </a:uFill>
+                        <a:latin typeface="Arial"/>
+                      </a:endParaRPr>
+                    </a:p>
+                  </a:txBody>
+                  <a:tcPr/>
+                </a:tc>
+                <a:tc>
+                  <a:txBody>
+                    <a:bodyPr/>
+                    <a:lstStyle/>
+                    <a:p>
+                      <a:pPr algn="ctr">
+                        <a:lnSpc>
+                          <a:spcPct val="100000"/>
+                        </a:lnSpc>
+                      </a:pPr>
+                      <a:r>
+                        <a:rPr lang="en-US" sz="1400" b="0" strike="noStrike" spc="-1">
+                          <a:solidFill>
+                            <a:srgbClr val="000000"/>
+                          </a:solidFill>
+                          <a:uFill>
+                            <a:solidFill>
+                              <a:srgbClr val="FFFFFF"/>
+                            </a:solidFill>
+                          </a:uFill>
+                        </a:rPr>
+                        <a:t>Model 80 epochs</a:t>
+                      </a:r>
+                      <a:endParaRPr lang="en-US" sz="1400" b="0" strike="noStrike" spc="-1">
+                        <a:solidFill>
+                          <a:srgbClr val="000000"/>
+                        </a:solidFill>
+                        <a:uFill>
+                          <a:solidFill>
+                            <a:srgbClr val="FFFFFF"/>
+                          </a:solidFill>
+                        </a:uFill>
+                        <a:latin typeface="Arial"/>
+                      </a:endParaRPr>
+                    </a:p>
+                  </a:txBody>
+                  <a:tcPr/>
+                </a:tc>
+                <a:extLst>
+                  <a:ext uri="{0D108BD9-81ED-4DB2-BD59-A6C34878D82A}">
+                    <a16:rowId xmlns:a16="http://schemas.microsoft.com/office/drawing/2014/main" val="1262750295"/>
+                  </a:ext>
+                </a:extLst>
+              </a:tr>
+              <a:tr h="222196">
+                <a:tc>
+                  <a:txBody>
+                    <a:bodyPr/>
+                    <a:lstStyle/>
+                    <a:p>
+                      <a:pPr algn="ctr">
+                        <a:lnSpc>
+                          <a:spcPct val="100000"/>
+                        </a:lnSpc>
+                      </a:pPr>
+                      <a:r>
+                        <a:rPr lang="en-US" sz="1400" b="0" strike="noStrike" spc="-1" dirty="0">
+                          <a:solidFill>
+                            <a:srgbClr val="000000"/>
+                          </a:solidFill>
+                          <a:uFill>
+                            <a:solidFill>
+                              <a:srgbClr val="FFFFFF"/>
+                            </a:solidFill>
+                          </a:uFill>
+                        </a:rPr>
+                        <a:t>0.15</a:t>
+                      </a:r>
+                      <a:endParaRPr lang="en-US" sz="1400" b="0" strike="noStrike" spc="-1" dirty="0">
+                        <a:solidFill>
+                          <a:srgbClr val="000000"/>
+                        </a:solidFill>
+                        <a:uFill>
+                          <a:solidFill>
+                            <a:srgbClr val="FFFFFF"/>
+                          </a:solidFill>
+                        </a:uFill>
+                        <a:latin typeface="Arial"/>
+                      </a:endParaRPr>
+                    </a:p>
+                  </a:txBody>
+                  <a:tcPr/>
+                </a:tc>
+                <a:tc>
+                  <a:txBody>
+                    <a:bodyPr/>
+                    <a:lstStyle/>
+                    <a:p>
+                      <a:pPr algn="ctr">
+                        <a:lnSpc>
+                          <a:spcPct val="100000"/>
+                        </a:lnSpc>
+                      </a:pPr>
+                      <a:r>
+                        <a:rPr lang="en-US" sz="1400" b="0" strike="noStrike" spc="-1">
+                          <a:solidFill>
+                            <a:srgbClr val="000000"/>
+                          </a:solidFill>
+                          <a:uFill>
+                            <a:solidFill>
+                              <a:srgbClr val="FFFFFF"/>
+                            </a:solidFill>
+                          </a:uFill>
+                        </a:rPr>
+                        <a:t>77.0046</a:t>
+                      </a:r>
+                      <a:endParaRPr lang="en-US" sz="1400" b="0" strike="noStrike" spc="-1">
+                        <a:solidFill>
+                          <a:srgbClr val="000000"/>
+                        </a:solidFill>
+                        <a:uFill>
+                          <a:solidFill>
+                            <a:srgbClr val="FFFFFF"/>
+                          </a:solidFill>
+                        </a:uFill>
+                        <a:latin typeface="Arial"/>
+                      </a:endParaRPr>
+                    </a:p>
+                  </a:txBody>
+                  <a:tcPr/>
+                </a:tc>
+                <a:tc>
+                  <a:txBody>
+                    <a:bodyPr/>
+                    <a:lstStyle/>
+                    <a:p>
+                      <a:pPr algn="ctr">
+                        <a:lnSpc>
+                          <a:spcPct val="100000"/>
+                        </a:lnSpc>
+                      </a:pPr>
+                      <a:r>
+                        <a:rPr lang="en-US" sz="1400" b="0" strike="noStrike" spc="-1">
+                          <a:solidFill>
+                            <a:srgbClr val="000000"/>
+                          </a:solidFill>
+                          <a:uFill>
+                            <a:solidFill>
+                              <a:srgbClr val="FFFFFF"/>
+                            </a:solidFill>
+                          </a:uFill>
+                        </a:rPr>
+                        <a:t>69.1981</a:t>
+                      </a:r>
+                      <a:endParaRPr lang="en-US" sz="1400" b="0" strike="noStrike" spc="-1">
+                        <a:solidFill>
+                          <a:srgbClr val="000000"/>
+                        </a:solidFill>
+                        <a:uFill>
+                          <a:solidFill>
+                            <a:srgbClr val="FFFFFF"/>
+                          </a:solidFill>
+                        </a:uFill>
+                        <a:latin typeface="Arial"/>
+                      </a:endParaRPr>
+                    </a:p>
+                  </a:txBody>
+                  <a:tcPr/>
+                </a:tc>
+                <a:extLst>
+                  <a:ext uri="{0D108BD9-81ED-4DB2-BD59-A6C34878D82A}">
+                    <a16:rowId xmlns:a16="http://schemas.microsoft.com/office/drawing/2014/main" val="2183973536"/>
+                  </a:ext>
+                </a:extLst>
+              </a:tr>
+              <a:tr h="222196">
+                <a:tc>
+                  <a:txBody>
+                    <a:bodyPr/>
+                    <a:lstStyle/>
+                    <a:p>
+                      <a:pPr algn="ctr">
+                        <a:lnSpc>
+                          <a:spcPct val="100000"/>
+                        </a:lnSpc>
+                      </a:pPr>
+                      <a:r>
+                        <a:rPr lang="en-US" sz="1400" b="0" strike="noStrike" spc="-1" dirty="0">
+                          <a:solidFill>
+                            <a:srgbClr val="000000"/>
+                          </a:solidFill>
+                          <a:uFill>
+                            <a:solidFill>
+                              <a:srgbClr val="FFFFFF"/>
+                            </a:solidFill>
+                          </a:uFill>
+                        </a:rPr>
+                        <a:t>0.25</a:t>
+                      </a:r>
+                      <a:endParaRPr lang="en-US" sz="1400" b="0" strike="noStrike" spc="-1" dirty="0">
+                        <a:solidFill>
+                          <a:srgbClr val="000000"/>
+                        </a:solidFill>
+                        <a:uFill>
+                          <a:solidFill>
+                            <a:srgbClr val="FFFFFF"/>
+                          </a:solidFill>
+                        </a:uFill>
+                        <a:latin typeface="Arial"/>
+                      </a:endParaRPr>
+                    </a:p>
+                  </a:txBody>
+                  <a:tcPr/>
+                </a:tc>
+                <a:tc>
+                  <a:txBody>
+                    <a:bodyPr/>
+                    <a:lstStyle/>
+                    <a:p>
+                      <a:pPr algn="ctr">
+                        <a:lnSpc>
+                          <a:spcPct val="100000"/>
+                        </a:lnSpc>
+                      </a:pPr>
+                      <a:r>
+                        <a:rPr lang="en-US" sz="1400" b="0" strike="noStrike" spc="-1" dirty="0">
+                          <a:solidFill>
+                            <a:srgbClr val="000000"/>
+                          </a:solidFill>
+                          <a:uFill>
+                            <a:solidFill>
+                              <a:srgbClr val="FFFFFF"/>
+                            </a:solidFill>
+                          </a:uFill>
+                        </a:rPr>
+                        <a:t>93.2172</a:t>
+                      </a:r>
+                      <a:endParaRPr lang="en-US" sz="1400" b="0" strike="noStrike" spc="-1" dirty="0">
+                        <a:solidFill>
+                          <a:srgbClr val="000000"/>
+                        </a:solidFill>
+                        <a:uFill>
+                          <a:solidFill>
+                            <a:srgbClr val="FFFFFF"/>
+                          </a:solidFill>
+                        </a:uFill>
+                        <a:latin typeface="Arial"/>
+                      </a:endParaRPr>
+                    </a:p>
+                  </a:txBody>
+                  <a:tcPr/>
+                </a:tc>
+                <a:tc>
+                  <a:txBody>
+                    <a:bodyPr/>
+                    <a:lstStyle/>
+                    <a:p>
+                      <a:pPr algn="ctr">
+                        <a:lnSpc>
+                          <a:spcPct val="100000"/>
+                        </a:lnSpc>
+                      </a:pPr>
+                      <a:r>
+                        <a:rPr lang="en-US" sz="1400" b="0" strike="noStrike" spc="-1">
+                          <a:solidFill>
+                            <a:srgbClr val="000000"/>
+                          </a:solidFill>
+                          <a:uFill>
+                            <a:solidFill>
+                              <a:srgbClr val="FFFFFF"/>
+                            </a:solidFill>
+                          </a:uFill>
+                        </a:rPr>
+                        <a:t>92.2461</a:t>
+                      </a:r>
+                      <a:endParaRPr lang="en-US" sz="1400" b="0" strike="noStrike" spc="-1">
+                        <a:solidFill>
+                          <a:srgbClr val="000000"/>
+                        </a:solidFill>
+                        <a:uFill>
+                          <a:solidFill>
+                            <a:srgbClr val="FFFFFF"/>
+                          </a:solidFill>
+                        </a:uFill>
+                        <a:latin typeface="Arial"/>
+                      </a:endParaRPr>
+                    </a:p>
+                  </a:txBody>
+                  <a:tcPr/>
+                </a:tc>
+                <a:extLst>
+                  <a:ext uri="{0D108BD9-81ED-4DB2-BD59-A6C34878D82A}">
+                    <a16:rowId xmlns:a16="http://schemas.microsoft.com/office/drawing/2014/main" val="2273790400"/>
+                  </a:ext>
+                </a:extLst>
+              </a:tr>
+              <a:tr h="310465">
+                <a:tc>
+                  <a:txBody>
+                    <a:bodyPr/>
+                    <a:lstStyle/>
+                    <a:p>
+                      <a:pPr algn="ctr">
+                        <a:lnSpc>
+                          <a:spcPct val="100000"/>
+                        </a:lnSpc>
+                      </a:pPr>
+                      <a:r>
+                        <a:rPr lang="en-US" sz="1400" b="0" strike="noStrike" spc="-1">
+                          <a:solidFill>
+                            <a:srgbClr val="000000"/>
+                          </a:solidFill>
+                          <a:uFill>
+                            <a:solidFill>
+                              <a:srgbClr val="FFFFFF"/>
+                            </a:solidFill>
+                          </a:uFill>
+                        </a:rPr>
+                        <a:t>0.35 (original model)</a:t>
+                      </a:r>
+                      <a:endParaRPr lang="en-US" sz="1400" b="0" strike="noStrike" spc="-1">
+                        <a:solidFill>
+                          <a:srgbClr val="000000"/>
+                        </a:solidFill>
+                        <a:uFill>
+                          <a:solidFill>
+                            <a:srgbClr val="FFFFFF"/>
+                          </a:solidFill>
+                        </a:uFill>
+                        <a:latin typeface="Arial"/>
+                      </a:endParaRPr>
+                    </a:p>
+                  </a:txBody>
+                  <a:tcPr/>
+                </a:tc>
+                <a:tc>
+                  <a:txBody>
+                    <a:bodyPr/>
+                    <a:lstStyle/>
+                    <a:p>
+                      <a:pPr algn="ctr">
+                        <a:lnSpc>
+                          <a:spcPct val="100000"/>
+                        </a:lnSpc>
+                      </a:pPr>
+                      <a:r>
+                        <a:rPr lang="en-US" sz="1400" b="0" strike="noStrike" spc="-1" dirty="0">
+                          <a:solidFill>
+                            <a:srgbClr val="000000"/>
+                          </a:solidFill>
+                          <a:uFill>
+                            <a:solidFill>
+                              <a:srgbClr val="FFFFFF"/>
+                            </a:solidFill>
+                          </a:uFill>
+                        </a:rPr>
+                        <a:t>83.2934</a:t>
+                      </a:r>
+                      <a:endParaRPr lang="en-US" sz="1400" b="0" strike="noStrike" spc="-1" dirty="0">
+                        <a:solidFill>
+                          <a:srgbClr val="000000"/>
+                        </a:solidFill>
+                        <a:uFill>
+                          <a:solidFill>
+                            <a:srgbClr val="FFFFFF"/>
+                          </a:solidFill>
+                        </a:uFill>
+                        <a:latin typeface="Arial"/>
+                      </a:endParaRPr>
+                    </a:p>
+                  </a:txBody>
+                  <a:tcPr/>
+                </a:tc>
+                <a:tc>
+                  <a:txBody>
+                    <a:bodyPr/>
+                    <a:lstStyle/>
+                    <a:p>
+                      <a:pPr algn="ctr">
+                        <a:lnSpc>
+                          <a:spcPct val="100000"/>
+                        </a:lnSpc>
+                      </a:pPr>
+                      <a:r>
+                        <a:rPr lang="en-US" sz="1400" b="0" strike="noStrike" spc="-1">
+                          <a:solidFill>
+                            <a:srgbClr val="000000"/>
+                          </a:solidFill>
+                          <a:uFill>
+                            <a:solidFill>
+                              <a:srgbClr val="FFFFFF"/>
+                            </a:solidFill>
+                          </a:uFill>
+                        </a:rPr>
+                        <a:t>84.7762</a:t>
+                      </a:r>
+                      <a:endParaRPr lang="en-US" sz="1400" b="0" strike="noStrike" spc="-1">
+                        <a:solidFill>
+                          <a:srgbClr val="000000"/>
+                        </a:solidFill>
+                        <a:uFill>
+                          <a:solidFill>
+                            <a:srgbClr val="FFFFFF"/>
+                          </a:solidFill>
+                        </a:uFill>
+                        <a:latin typeface="Arial"/>
+                      </a:endParaRPr>
+                    </a:p>
+                  </a:txBody>
+                  <a:tcPr/>
+                </a:tc>
+                <a:extLst>
+                  <a:ext uri="{0D108BD9-81ED-4DB2-BD59-A6C34878D82A}">
+                    <a16:rowId xmlns:a16="http://schemas.microsoft.com/office/drawing/2014/main" val="122061462"/>
+                  </a:ext>
+                </a:extLst>
+              </a:tr>
+              <a:tr h="222196">
+                <a:tc>
+                  <a:txBody>
+                    <a:bodyPr/>
+                    <a:lstStyle/>
+                    <a:p>
+                      <a:pPr algn="ctr">
+                        <a:lnSpc>
+                          <a:spcPct val="100000"/>
+                        </a:lnSpc>
+                      </a:pPr>
+                      <a:r>
+                        <a:rPr lang="en-US" sz="1400" b="0" strike="noStrike" spc="-1">
+                          <a:solidFill>
+                            <a:srgbClr val="000000"/>
+                          </a:solidFill>
+                          <a:uFill>
+                            <a:solidFill>
+                              <a:srgbClr val="FFFFFF"/>
+                            </a:solidFill>
+                          </a:uFill>
+                        </a:rPr>
+                        <a:t>0.45</a:t>
+                      </a:r>
+                      <a:endParaRPr lang="en-US" sz="1400" b="0" strike="noStrike" spc="-1">
+                        <a:solidFill>
+                          <a:srgbClr val="000000"/>
+                        </a:solidFill>
+                        <a:uFill>
+                          <a:solidFill>
+                            <a:srgbClr val="FFFFFF"/>
+                          </a:solidFill>
+                        </a:uFill>
+                        <a:latin typeface="Arial"/>
+                      </a:endParaRPr>
+                    </a:p>
+                  </a:txBody>
+                  <a:tcPr/>
+                </a:tc>
+                <a:tc>
+                  <a:txBody>
+                    <a:bodyPr/>
+                    <a:lstStyle/>
+                    <a:p>
+                      <a:pPr algn="ctr">
+                        <a:lnSpc>
+                          <a:spcPct val="100000"/>
+                        </a:lnSpc>
+                      </a:pPr>
+                      <a:r>
+                        <a:rPr lang="en-US" sz="1400" b="0" strike="noStrike" spc="-1" dirty="0">
+                          <a:solidFill>
+                            <a:srgbClr val="000000"/>
+                          </a:solidFill>
+                          <a:uFill>
+                            <a:solidFill>
+                              <a:srgbClr val="FFFFFF"/>
+                            </a:solidFill>
+                          </a:uFill>
+                        </a:rPr>
+                        <a:t>52.1648</a:t>
+                      </a:r>
+                      <a:endParaRPr lang="en-US" sz="1400" b="0" strike="noStrike" spc="-1" dirty="0">
+                        <a:solidFill>
+                          <a:srgbClr val="000000"/>
+                        </a:solidFill>
+                        <a:uFill>
+                          <a:solidFill>
+                            <a:srgbClr val="FFFFFF"/>
+                          </a:solidFill>
+                        </a:uFill>
+                        <a:latin typeface="Arial"/>
+                      </a:endParaRPr>
+                    </a:p>
+                  </a:txBody>
+                  <a:tcPr/>
+                </a:tc>
+                <a:tc>
+                  <a:txBody>
+                    <a:bodyPr/>
+                    <a:lstStyle/>
+                    <a:p>
+                      <a:pPr algn="ctr">
+                        <a:lnSpc>
+                          <a:spcPct val="100000"/>
+                        </a:lnSpc>
+                      </a:pPr>
+                      <a:r>
+                        <a:rPr lang="en-US" sz="1400" b="0" strike="noStrike" spc="-1" dirty="0">
+                          <a:solidFill>
+                            <a:srgbClr val="000000"/>
+                          </a:solidFill>
+                          <a:uFill>
+                            <a:solidFill>
+                              <a:srgbClr val="FFFFFF"/>
+                            </a:solidFill>
+                          </a:uFill>
+                        </a:rPr>
+                        <a:t>51.5637</a:t>
+                      </a:r>
+                      <a:endParaRPr lang="en-US" sz="1400" b="0" strike="noStrike" spc="-1" dirty="0">
+                        <a:solidFill>
+                          <a:srgbClr val="000000"/>
+                        </a:solidFill>
+                        <a:uFill>
+                          <a:solidFill>
+                            <a:srgbClr val="FFFFFF"/>
+                          </a:solidFill>
+                        </a:uFill>
+                        <a:latin typeface="Arial"/>
+                      </a:endParaRPr>
+                    </a:p>
+                  </a:txBody>
+                  <a:tcPr/>
+                </a:tc>
+                <a:extLst>
+                  <a:ext uri="{0D108BD9-81ED-4DB2-BD59-A6C34878D82A}">
+                    <a16:rowId xmlns:a16="http://schemas.microsoft.com/office/drawing/2014/main" val="1162902066"/>
+                  </a:ext>
+                </a:extLst>
+              </a:tr>
+              <a:tr h="222196">
+                <a:tc>
+                  <a:txBody>
+                    <a:bodyPr/>
+                    <a:lstStyle/>
+                    <a:p>
+                      <a:pPr algn="ctr">
+                        <a:lnSpc>
+                          <a:spcPct val="100000"/>
+                        </a:lnSpc>
+                      </a:pPr>
+                      <a:r>
+                        <a:rPr lang="en-US" sz="1400" b="0" strike="noStrike" spc="-1">
+                          <a:solidFill>
+                            <a:srgbClr val="000000"/>
+                          </a:solidFill>
+                          <a:uFill>
+                            <a:solidFill>
+                              <a:srgbClr val="FFFFFF"/>
+                            </a:solidFill>
+                          </a:uFill>
+                        </a:rPr>
+                        <a:t>0.55</a:t>
+                      </a:r>
+                      <a:endParaRPr lang="en-US" sz="1400" b="0" strike="noStrike" spc="-1">
+                        <a:solidFill>
+                          <a:srgbClr val="000000"/>
+                        </a:solidFill>
+                        <a:uFill>
+                          <a:solidFill>
+                            <a:srgbClr val="FFFFFF"/>
+                          </a:solidFill>
+                        </a:uFill>
+                        <a:latin typeface="Arial"/>
+                      </a:endParaRPr>
+                    </a:p>
+                  </a:txBody>
+                  <a:tcPr/>
+                </a:tc>
+                <a:tc>
+                  <a:txBody>
+                    <a:bodyPr/>
+                    <a:lstStyle/>
+                    <a:p>
+                      <a:pPr algn="ctr">
+                        <a:lnSpc>
+                          <a:spcPct val="100000"/>
+                        </a:lnSpc>
+                      </a:pPr>
+                      <a:r>
+                        <a:rPr lang="en-US" sz="1400" b="0" strike="noStrike" spc="-1">
+                          <a:solidFill>
+                            <a:srgbClr val="000000"/>
+                          </a:solidFill>
+                          <a:uFill>
+                            <a:solidFill>
+                              <a:srgbClr val="FFFFFF"/>
+                            </a:solidFill>
+                          </a:uFill>
+                        </a:rPr>
+                        <a:t>42.0210</a:t>
+                      </a:r>
+                      <a:endParaRPr lang="en-US" sz="1400" b="0" strike="noStrike" spc="-1">
+                        <a:solidFill>
+                          <a:srgbClr val="000000"/>
+                        </a:solidFill>
+                        <a:uFill>
+                          <a:solidFill>
+                            <a:srgbClr val="FFFFFF"/>
+                          </a:solidFill>
+                        </a:uFill>
+                        <a:latin typeface="Arial"/>
+                      </a:endParaRPr>
+                    </a:p>
+                  </a:txBody>
+                  <a:tcPr/>
+                </a:tc>
+                <a:tc>
+                  <a:txBody>
+                    <a:bodyPr/>
+                    <a:lstStyle/>
+                    <a:p>
+                      <a:pPr algn="ctr">
+                        <a:lnSpc>
+                          <a:spcPct val="100000"/>
+                        </a:lnSpc>
+                      </a:pPr>
+                      <a:r>
+                        <a:rPr lang="en-US" sz="1400" b="0" strike="noStrike" spc="-1" dirty="0">
+                          <a:solidFill>
+                            <a:srgbClr val="000000"/>
+                          </a:solidFill>
+                          <a:uFill>
+                            <a:solidFill>
+                              <a:srgbClr val="FFFFFF"/>
+                            </a:solidFill>
+                          </a:uFill>
+                        </a:rPr>
+                        <a:t>41.8587</a:t>
+                      </a:r>
+                      <a:endParaRPr lang="en-US" sz="1400" b="0" strike="noStrike" spc="-1" dirty="0">
+                        <a:solidFill>
+                          <a:srgbClr val="000000"/>
+                        </a:solidFill>
+                        <a:uFill>
+                          <a:solidFill>
+                            <a:srgbClr val="FFFFFF"/>
+                          </a:solidFill>
+                        </a:uFill>
+                        <a:latin typeface="Arial"/>
+                      </a:endParaRPr>
+                    </a:p>
+                  </a:txBody>
+                  <a:tcPr/>
+                </a:tc>
+                <a:extLst>
+                  <a:ext uri="{0D108BD9-81ED-4DB2-BD59-A6C34878D82A}">
+                    <a16:rowId xmlns:a16="http://schemas.microsoft.com/office/drawing/2014/main" val="2520401637"/>
+                  </a:ext>
+                </a:extLst>
+              </a:tr>
+            </a:tbl>
+          </a:graphicData>
+        </a:graphic>
+      </p:graphicFrame>
+      <p:grpSp>
+        <p:nvGrpSpPr>
+          <p:cNvPr id="19" name="Groupe 18">
+            <a:extLst>
+              <a:ext uri="{FF2B5EF4-FFF2-40B4-BE49-F238E27FC236}">
+                <a16:creationId xmlns:a16="http://schemas.microsoft.com/office/drawing/2014/main" id="{FA036502-238A-B243-BA0D-A8E8E444B4C8}"/>
+              </a:ext>
+            </a:extLst>
+          </p:cNvPr>
+          <p:cNvGrpSpPr/>
+          <p:nvPr/>
+        </p:nvGrpSpPr>
+        <p:grpSpPr>
+          <a:xfrm>
+            <a:off x="5986131" y="3879273"/>
+            <a:ext cx="5684555" cy="2447517"/>
+            <a:chOff x="5986131" y="3879273"/>
+            <a:chExt cx="5684555" cy="2447517"/>
+          </a:xfrm>
+        </p:grpSpPr>
+        <p:pic>
+          <p:nvPicPr>
+            <p:cNvPr id="6" name="Image 5">
+              <a:extLst>
+                <a:ext uri="{FF2B5EF4-FFF2-40B4-BE49-F238E27FC236}">
+                  <a16:creationId xmlns:a16="http://schemas.microsoft.com/office/drawing/2014/main" id="{E1601112-F34F-084F-9801-A6E84B5BD03C}"/>
+                </a:ext>
+              </a:extLst>
+            </p:cNvPr>
+            <p:cNvPicPr>
+              <a:picLocks noChangeAspect="1"/>
+            </p:cNvPicPr>
+            <p:nvPr/>
+          </p:nvPicPr>
+          <p:blipFill>
+            <a:blip r:embed="rId2"/>
+            <a:stretch>
+              <a:fillRect/>
+            </a:stretch>
+          </p:blipFill>
+          <p:spPr>
+            <a:xfrm>
+              <a:off x="5986131" y="3879273"/>
+              <a:ext cx="5684555" cy="2447517"/>
+            </a:xfrm>
+            <a:prstGeom prst="rect">
+              <a:avLst/>
+            </a:prstGeom>
+          </p:spPr>
+        </p:pic>
+        <p:cxnSp>
+          <p:nvCxnSpPr>
+            <p:cNvPr id="10" name="Connecteur droit 9">
+              <a:extLst>
+                <a:ext uri="{FF2B5EF4-FFF2-40B4-BE49-F238E27FC236}">
+                  <a16:creationId xmlns:a16="http://schemas.microsoft.com/office/drawing/2014/main" id="{781186DD-C4C6-ED4C-8BE9-DEF09727A83F}"/>
+                </a:ext>
+              </a:extLst>
+            </p:cNvPr>
+            <p:cNvCxnSpPr>
+              <a:cxnSpLocks/>
+            </p:cNvCxnSpPr>
+            <p:nvPr/>
+          </p:nvCxnSpPr>
+          <p:spPr>
+            <a:xfrm>
+              <a:off x="6412886" y="5700485"/>
+              <a:ext cx="4818468" cy="0"/>
+            </a:xfrm>
+            <a:prstGeom prst="line">
+              <a:avLst/>
+            </a:prstGeom>
+            <a:ln>
+              <a:solidFill>
+                <a:srgbClr val="FF0000"/>
+              </a:solidFill>
+            </a:ln>
+          </p:spPr>
+          <p:style>
+            <a:lnRef idx="1">
+              <a:schemeClr val="accent1"/>
+            </a:lnRef>
+            <a:fillRef idx="0">
+              <a:schemeClr val="accent1"/>
+            </a:fillRef>
+            <a:effectRef idx="0">
+              <a:schemeClr val="accent1"/>
+            </a:effectRef>
+            <a:fontRef idx="minor">
+              <a:schemeClr val="tx1"/>
+            </a:fontRef>
+          </p:style>
+        </p:cxnSp>
+        <p:cxnSp>
+          <p:nvCxnSpPr>
+            <p:cNvPr id="12" name="Connecteur droit 11">
+              <a:extLst>
+                <a:ext uri="{FF2B5EF4-FFF2-40B4-BE49-F238E27FC236}">
+                  <a16:creationId xmlns:a16="http://schemas.microsoft.com/office/drawing/2014/main" id="{15B793F1-70E5-B34F-9A15-C85032598F1B}"/>
+                </a:ext>
+              </a:extLst>
+            </p:cNvPr>
+            <p:cNvCxnSpPr>
+              <a:cxnSpLocks/>
+            </p:cNvCxnSpPr>
+            <p:nvPr/>
+          </p:nvCxnSpPr>
+          <p:spPr>
+            <a:xfrm flipV="1">
+              <a:off x="8829214" y="3985523"/>
+              <a:ext cx="0" cy="2105465"/>
+            </a:xfrm>
+            <a:prstGeom prst="line">
+              <a:avLst/>
+            </a:prstGeom>
+            <a:ln>
+              <a:solidFill>
+                <a:srgbClr val="FF0000"/>
+              </a:solidFill>
+            </a:ln>
+          </p:spPr>
+          <p:style>
+            <a:lnRef idx="1">
+              <a:schemeClr val="accent1"/>
+            </a:lnRef>
+            <a:fillRef idx="0">
+              <a:schemeClr val="accent1"/>
+            </a:fillRef>
+            <a:effectRef idx="0">
+              <a:schemeClr val="accent1"/>
+            </a:effectRef>
+            <a:fontRef idx="minor">
+              <a:schemeClr val="tx1"/>
+            </a:fontRef>
+          </p:style>
+        </p:cxnSp>
+      </p:grpSp>
+      <p:pic>
+        <p:nvPicPr>
+          <p:cNvPr id="2050" name="Picture 2">
+            <a:extLst>
+              <a:ext uri="{FF2B5EF4-FFF2-40B4-BE49-F238E27FC236}">
+                <a16:creationId xmlns:a16="http://schemas.microsoft.com/office/drawing/2014/main" id="{6F3A4E2B-038D-0D48-A979-CD0A3A794B12}"/>
+              </a:ext>
+            </a:extLst>
+          </p:cNvPr>
+          <p:cNvPicPr>
+            <a:picLocks noChangeAspect="1" noChangeArrowheads="1"/>
+          </p:cNvPicPr>
+          <p:nvPr/>
+        </p:nvPicPr>
+        <p:blipFill>
+          <a:blip r:embed="rId3">
+            <a:extLst>
+              <a:ext uri="{28A0092B-C50C-407E-A947-70E740481C1C}">
+                <a14:useLocalDpi xmlns:a14="http://schemas.microsoft.com/office/drawing/2010/main" val="0"/>
+              </a:ext>
+            </a:extLst>
+          </a:blip>
+          <a:srcRect/>
+          <a:stretch>
+            <a:fillRect/>
+          </a:stretch>
+        </p:blipFill>
+        <p:spPr bwMode="auto">
+          <a:xfrm>
+            <a:off x="3494810" y="3172115"/>
+            <a:ext cx="1407254" cy="312305"/>
+          </a:xfrm>
+          <a:prstGeom prst="rect">
+            <a:avLst/>
+          </a:prstGeom>
+          <a:noFill/>
+          <a:extLst>
+            <a:ext uri="{909E8E84-426E-40DD-AFC4-6F175D3DCCD1}">
+              <a14:hiddenFill xmlns:a14="http://schemas.microsoft.com/office/drawing/2010/main">
+                <a:solidFill>
+                  <a:srgbClr val="FFFFFF"/>
+                </a:solidFill>
+              </a14:hiddenFill>
+            </a:ext>
+          </a:extLst>
+        </p:spPr>
+      </p:pic>
+      <p:pic>
+        <p:nvPicPr>
+          <p:cNvPr id="2052" name="Picture 4">
+            <a:extLst>
+              <a:ext uri="{FF2B5EF4-FFF2-40B4-BE49-F238E27FC236}">
+                <a16:creationId xmlns:a16="http://schemas.microsoft.com/office/drawing/2014/main" id="{7BEAFA25-EB81-474C-8AC2-0BD0270222CF}"/>
+              </a:ext>
+            </a:extLst>
+          </p:cNvPr>
+          <p:cNvPicPr>
+            <a:picLocks noChangeAspect="1" noChangeArrowheads="1"/>
+          </p:cNvPicPr>
+          <p:nvPr/>
+        </p:nvPicPr>
+        <p:blipFill>
+          <a:blip r:embed="rId4">
+            <a:extLst>
+              <a:ext uri="{28A0092B-C50C-407E-A947-70E740481C1C}">
+                <a14:useLocalDpi xmlns:a14="http://schemas.microsoft.com/office/drawing/2010/main" val="0"/>
+              </a:ext>
+            </a:extLst>
+          </a:blip>
+          <a:srcRect/>
+          <a:stretch>
+            <a:fillRect/>
+          </a:stretch>
+        </p:blipFill>
+        <p:spPr bwMode="auto">
+          <a:xfrm>
+            <a:off x="2169324" y="1906116"/>
+            <a:ext cx="2042968" cy="321868"/>
+          </a:xfrm>
+          <a:prstGeom prst="rect">
+            <a:avLst/>
+          </a:prstGeom>
+          <a:noFill/>
+          <a:extLst>
+            <a:ext uri="{909E8E84-426E-40DD-AFC4-6F175D3DCCD1}">
+              <a14:hiddenFill xmlns:a14="http://schemas.microsoft.com/office/drawing/2010/main">
+                <a:solidFill>
+                  <a:srgbClr val="FFFFFF"/>
+                </a:solidFill>
+              </a14:hiddenFill>
+            </a:ext>
+          </a:extLst>
+        </p:spPr>
+      </p:pic>
+    </p:spTree>
+    <p:extLst>
+      <p:ext uri="{BB962C8B-B14F-4D97-AF65-F5344CB8AC3E}">
+        <p14:creationId xmlns:p14="http://schemas.microsoft.com/office/powerpoint/2010/main" val="3627299299"/>
+      </p:ext>
+    </p:extLst>
+  </p:cSld>
+  <p:clrMapOvr>
+    <a:masterClrMapping/>
+  </p:clrMapOvr>
+</p:sld>
+</file>
+
+<file path=ppt/slides/slide11.xml><?xml version="1.0" encoding="utf-8"?>
+<p:sld xmlns:a="http://schemas.openxmlformats.org/drawingml/2006/main" xmlns:r="http://schemas.openxmlformats.org/officeDocument/2006/relationships" xmlns:p="http://schemas.openxmlformats.org/presentationml/2006/main">
+  <p:cSld>
+    <p:spTree>
+      <p:nvGrpSpPr>
+        <p:cNvPr id="1" name=""/>
+        <p:cNvGrpSpPr/>
+        <p:nvPr/>
+      </p:nvGrpSpPr>
+      <p:grpSpPr>
+        <a:xfrm>
+          <a:off x="0" y="0"/>
+          <a:ext cx="0" cy="0"/>
+          <a:chOff x="0" y="0"/>
+          <a:chExt cx="0" cy="0"/>
+        </a:xfrm>
+      </p:grpSpPr>
+      <p:sp>
+        <p:nvSpPr>
+          <p:cNvPr id="2" name="Titre 1">
+            <a:extLst>
+              <a:ext uri="{FF2B5EF4-FFF2-40B4-BE49-F238E27FC236}">
+                <a16:creationId xmlns:a16="http://schemas.microsoft.com/office/drawing/2014/main" id="{BC12CAD9-5A1E-5F43-8F0C-0F0EC7B01398}"/>
+              </a:ext>
+            </a:extLst>
+          </p:cNvPr>
+          <p:cNvSpPr>
+            <a:spLocks noGrp="1"/>
+          </p:cNvSpPr>
+          <p:nvPr>
+            <p:ph type="title"/>
+          </p:nvPr>
+        </p:nvSpPr>
+        <p:spPr/>
+        <p:txBody>
+          <a:bodyPr/>
+          <a:lstStyle/>
+          <a:p>
+            <a:r>
+              <a:rPr lang="fr-FR" dirty="0"/>
+              <a:t>2-c\ </a:t>
+            </a:r>
+            <a:r>
+              <a:rPr lang="fr-FR" dirty="0" err="1"/>
+              <a:t>Stability</a:t>
+            </a:r>
+            <a:r>
+              <a:rPr lang="fr-FR" dirty="0"/>
+              <a:t>: size of the dataset</a:t>
+            </a:r>
+          </a:p>
+        </p:txBody>
+      </p:sp>
+      <p:sp>
+        <p:nvSpPr>
+          <p:cNvPr id="3" name="Espace réservé du contenu 2">
+            <a:extLst>
+              <a:ext uri="{FF2B5EF4-FFF2-40B4-BE49-F238E27FC236}">
+                <a16:creationId xmlns:a16="http://schemas.microsoft.com/office/drawing/2014/main" id="{C6DE6045-02BC-2348-8AFB-0966E75EE185}"/>
+              </a:ext>
+            </a:extLst>
+          </p:cNvPr>
+          <p:cNvSpPr>
+            <a:spLocks noGrp="1"/>
+          </p:cNvSpPr>
+          <p:nvPr>
+            <p:ph idx="1"/>
+          </p:nvPr>
+        </p:nvSpPr>
+        <p:spPr>
+          <a:xfrm>
+            <a:off x="838200" y="1825625"/>
+            <a:ext cx="11197856" cy="4139240"/>
+          </a:xfrm>
+        </p:spPr>
+        <p:txBody>
+          <a:bodyPr/>
+          <a:lstStyle/>
+          <a:p>
+            <a:r>
+              <a:rPr lang="fr-FR" dirty="0"/>
+              <a:t>As </a:t>
+            </a:r>
+            <a:r>
+              <a:rPr lang="fr-FR" dirty="0" err="1"/>
+              <a:t>we</a:t>
+            </a:r>
+            <a:r>
+              <a:rPr lang="fr-FR" dirty="0"/>
+              <a:t> </a:t>
+            </a:r>
+            <a:r>
+              <a:rPr lang="fr-FR" dirty="0" err="1"/>
+              <a:t>could</a:t>
+            </a:r>
+            <a:r>
+              <a:rPr lang="fr-FR" dirty="0"/>
+              <a:t> </a:t>
+            </a:r>
+            <a:r>
+              <a:rPr lang="fr-FR" dirty="0" err="1"/>
+              <a:t>expect</a:t>
+            </a:r>
+            <a:r>
+              <a:rPr lang="fr-FR" dirty="0"/>
+              <a:t>, the </a:t>
+            </a:r>
+            <a:r>
+              <a:rPr lang="fr-FR" dirty="0" err="1"/>
+              <a:t>bigger</a:t>
+            </a:r>
+            <a:r>
+              <a:rPr lang="fr-FR" dirty="0"/>
+              <a:t> the graph, the harder </a:t>
+            </a:r>
+            <a:r>
+              <a:rPr lang="fr-FR" dirty="0" err="1"/>
+              <a:t>it</a:t>
+            </a:r>
+            <a:r>
+              <a:rPr lang="fr-FR" dirty="0"/>
+              <a:t> </a:t>
+            </a:r>
+            <a:r>
+              <a:rPr lang="fr-FR" dirty="0" err="1"/>
+              <a:t>is</a:t>
+            </a:r>
+            <a:r>
+              <a:rPr lang="fr-FR" dirty="0"/>
+              <a:t> for the model</a:t>
+            </a:r>
+          </a:p>
+          <a:p>
+            <a:r>
+              <a:rPr lang="fr-FR" dirty="0"/>
+              <a:t>The 20 </a:t>
+            </a:r>
+            <a:r>
+              <a:rPr lang="fr-FR" dirty="0" err="1"/>
+              <a:t>epochs</a:t>
+            </a:r>
+            <a:r>
+              <a:rPr lang="fr-FR" dirty="0"/>
+              <a:t> model </a:t>
+            </a:r>
+            <a:r>
+              <a:rPr lang="fr-FR" dirty="0" err="1"/>
+              <a:t>seems</a:t>
+            </a:r>
+            <a:r>
+              <a:rPr lang="fr-FR" dirty="0"/>
+              <a:t> to </a:t>
+            </a:r>
+            <a:r>
+              <a:rPr lang="fr-FR" dirty="0" err="1"/>
+              <a:t>generalize</a:t>
+            </a:r>
+            <a:r>
+              <a:rPr lang="fr-FR" dirty="0"/>
+              <a:t> </a:t>
+            </a:r>
+            <a:r>
+              <a:rPr lang="fr-FR" dirty="0" err="1"/>
+              <a:t>better</a:t>
+            </a:r>
+            <a:r>
+              <a:rPr lang="fr-FR" dirty="0"/>
+              <a:t> </a:t>
+            </a:r>
+            <a:r>
+              <a:rPr lang="fr-FR" dirty="0" err="1"/>
+              <a:t>than</a:t>
+            </a:r>
+            <a:r>
+              <a:rPr lang="fr-FR" dirty="0"/>
+              <a:t> the 80 </a:t>
+            </a:r>
+            <a:r>
+              <a:rPr lang="fr-FR" dirty="0" err="1"/>
+              <a:t>epochs</a:t>
+            </a:r>
+            <a:r>
+              <a:rPr lang="fr-FR" dirty="0"/>
+              <a:t> one</a:t>
+            </a:r>
+          </a:p>
+          <a:p>
+            <a:endParaRPr lang="fr-FR" dirty="0"/>
+          </a:p>
+        </p:txBody>
+      </p:sp>
+      <p:graphicFrame>
+        <p:nvGraphicFramePr>
+          <p:cNvPr id="4" name="Tableau 4">
+            <a:extLst>
+              <a:ext uri="{FF2B5EF4-FFF2-40B4-BE49-F238E27FC236}">
+                <a16:creationId xmlns:a16="http://schemas.microsoft.com/office/drawing/2014/main" id="{1A187869-5B97-DD49-AF02-EE3E88FBFE72}"/>
+              </a:ext>
+            </a:extLst>
+          </p:cNvPr>
+          <p:cNvGraphicFramePr>
+            <a:graphicFrameLocks noGrp="1"/>
+          </p:cNvGraphicFramePr>
+          <p:nvPr>
+            <p:extLst>
+              <p:ext uri="{D42A27DB-BD31-4B8C-83A1-F6EECF244321}">
+                <p14:modId xmlns:p14="http://schemas.microsoft.com/office/powerpoint/2010/main" val="1441678896"/>
+              </p:ext>
+            </p:extLst>
+          </p:nvPr>
+        </p:nvGraphicFramePr>
+        <p:xfrm>
+          <a:off x="1859812" y="4231870"/>
+          <a:ext cx="9154632" cy="1230530"/>
+        </p:xfrm>
+        <a:graphic>
+          <a:graphicData uri="http://schemas.openxmlformats.org/drawingml/2006/table">
+            <a:tbl>
+              <a:tblPr firstRow="1" bandRow="1">
+                <a:tableStyleId>{F5AB1C69-6EDB-4FF4-983F-18BD219EF322}</a:tableStyleId>
+              </a:tblPr>
+              <a:tblGrid>
+                <a:gridCol w="3051544">
+                  <a:extLst>
+                    <a:ext uri="{9D8B030D-6E8A-4147-A177-3AD203B41FA5}">
+                      <a16:colId xmlns:a16="http://schemas.microsoft.com/office/drawing/2014/main" val="4020513725"/>
+                    </a:ext>
+                  </a:extLst>
+                </a:gridCol>
+                <a:gridCol w="3051544">
+                  <a:extLst>
+                    <a:ext uri="{9D8B030D-6E8A-4147-A177-3AD203B41FA5}">
+                      <a16:colId xmlns:a16="http://schemas.microsoft.com/office/drawing/2014/main" val="2222928987"/>
+                    </a:ext>
+                  </a:extLst>
+                </a:gridCol>
+                <a:gridCol w="3051544">
+                  <a:extLst>
+                    <a:ext uri="{9D8B030D-6E8A-4147-A177-3AD203B41FA5}">
+                      <a16:colId xmlns:a16="http://schemas.microsoft.com/office/drawing/2014/main" val="990616228"/>
+                    </a:ext>
+                  </a:extLst>
+                </a:gridCol>
+              </a:tblGrid>
+              <a:tr h="310465">
+                <a:tc>
+                  <a:txBody>
+                    <a:bodyPr/>
+                    <a:lstStyle/>
+                    <a:p>
+                      <a:pPr algn="ctr">
+                        <a:lnSpc>
+                          <a:spcPct val="100000"/>
+                        </a:lnSpc>
+                      </a:pPr>
+                      <a:r>
+                        <a:rPr lang="en-US" sz="1400" b="0" strike="noStrike" spc="-1" dirty="0">
+                          <a:solidFill>
+                            <a:srgbClr val="000000"/>
+                          </a:solidFill>
+                          <a:uFill>
+                            <a:solidFill>
+                              <a:srgbClr val="FFFFFF"/>
+                            </a:solidFill>
+                          </a:uFill>
+                          <a:latin typeface="Arial"/>
+                          <a:ea typeface="Microsoft YaHei"/>
+                        </a:rPr>
+                        <a:t>Community sizes</a:t>
+                      </a:r>
+                      <a:endParaRPr lang="en-US" sz="1400" b="0" strike="noStrike" spc="-1" dirty="0">
+                        <a:solidFill>
+                          <a:srgbClr val="000000"/>
+                        </a:solidFill>
+                        <a:uFill>
+                          <a:solidFill>
+                            <a:srgbClr val="FFFFFF"/>
+                          </a:solidFill>
+                        </a:uFill>
+                        <a:latin typeface="Arial"/>
+                      </a:endParaRPr>
+                    </a:p>
+                  </a:txBody>
+                  <a:tcPr/>
+                </a:tc>
+                <a:tc>
+                  <a:txBody>
+                    <a:bodyPr/>
+                    <a:lstStyle/>
+                    <a:p>
+                      <a:pPr algn="ctr">
+                        <a:lnSpc>
+                          <a:spcPct val="100000"/>
+                        </a:lnSpc>
+                      </a:pPr>
+                      <a:r>
+                        <a:rPr lang="en-US" sz="1400" b="0" strike="noStrike" spc="-1">
+                          <a:solidFill>
+                            <a:srgbClr val="000000"/>
+                          </a:solidFill>
+                          <a:uFill>
+                            <a:solidFill>
+                              <a:srgbClr val="FFFFFF"/>
+                            </a:solidFill>
+                          </a:uFill>
+                          <a:latin typeface="Arial"/>
+                          <a:ea typeface="Microsoft YaHei"/>
+                        </a:rPr>
+                        <a:t>Model 20 epochs</a:t>
+                      </a:r>
+                      <a:endParaRPr lang="en-US" sz="1400" b="0" strike="noStrike" spc="-1">
+                        <a:solidFill>
+                          <a:srgbClr val="000000"/>
+                        </a:solidFill>
+                        <a:uFill>
+                          <a:solidFill>
+                            <a:srgbClr val="FFFFFF"/>
+                          </a:solidFill>
+                        </a:uFill>
+                        <a:latin typeface="Arial"/>
+                      </a:endParaRPr>
+                    </a:p>
+                  </a:txBody>
+                  <a:tcPr/>
+                </a:tc>
+                <a:tc>
+                  <a:txBody>
+                    <a:bodyPr/>
+                    <a:lstStyle/>
+                    <a:p>
+                      <a:pPr algn="ctr">
+                        <a:lnSpc>
+                          <a:spcPct val="100000"/>
+                        </a:lnSpc>
+                      </a:pPr>
+                      <a:r>
+                        <a:rPr lang="en-US" sz="1400" b="0" strike="noStrike" spc="-1">
+                          <a:solidFill>
+                            <a:srgbClr val="000000"/>
+                          </a:solidFill>
+                          <a:uFill>
+                            <a:solidFill>
+                              <a:srgbClr val="FFFFFF"/>
+                            </a:solidFill>
+                          </a:uFill>
+                          <a:latin typeface="Arial"/>
+                          <a:ea typeface="Microsoft YaHei"/>
+                        </a:rPr>
+                        <a:t>Model 80 epochs</a:t>
+                      </a:r>
+                      <a:endParaRPr lang="en-US" sz="1400" b="0" strike="noStrike" spc="-1">
+                        <a:solidFill>
+                          <a:srgbClr val="000000"/>
+                        </a:solidFill>
+                        <a:uFill>
+                          <a:solidFill>
+                            <a:srgbClr val="FFFFFF"/>
+                          </a:solidFill>
+                        </a:uFill>
+                        <a:latin typeface="Arial"/>
+                      </a:endParaRPr>
+                    </a:p>
+                  </a:txBody>
+                  <a:tcPr/>
+                </a:tc>
+                <a:extLst>
+                  <a:ext uri="{0D108BD9-81ED-4DB2-BD59-A6C34878D82A}">
+                    <a16:rowId xmlns:a16="http://schemas.microsoft.com/office/drawing/2014/main" val="1262750295"/>
+                  </a:ext>
+                </a:extLst>
+              </a:tr>
+              <a:tr h="222196">
+                <a:tc>
+                  <a:txBody>
+                    <a:bodyPr/>
+                    <a:lstStyle/>
+                    <a:p>
+                      <a:pPr algn="ctr">
+                        <a:lnSpc>
+                          <a:spcPct val="100000"/>
+                        </a:lnSpc>
+                      </a:pPr>
+                      <a:r>
+                        <a:rPr lang="en-US" sz="1400" b="0" strike="noStrike" spc="-1">
+                          <a:solidFill>
+                            <a:srgbClr val="000000"/>
+                          </a:solidFill>
+                          <a:uFill>
+                            <a:solidFill>
+                              <a:srgbClr val="FFFFFF"/>
+                            </a:solidFill>
+                          </a:uFill>
+                          <a:latin typeface="Arial"/>
+                          <a:ea typeface="Microsoft YaHei"/>
+                        </a:rPr>
+                        <a:t>Uniform between 5 and 35</a:t>
+                      </a:r>
+                      <a:endParaRPr lang="en-US" sz="1400" b="0" strike="noStrike" spc="-1">
+                        <a:solidFill>
+                          <a:srgbClr val="000000"/>
+                        </a:solidFill>
+                        <a:uFill>
+                          <a:solidFill>
+                            <a:srgbClr val="FFFFFF"/>
+                          </a:solidFill>
+                        </a:uFill>
+                        <a:latin typeface="Arial"/>
+                      </a:endParaRPr>
+                    </a:p>
+                  </a:txBody>
+                  <a:tcPr/>
+                </a:tc>
+                <a:tc>
+                  <a:txBody>
+                    <a:bodyPr/>
+                    <a:lstStyle/>
+                    <a:p>
+                      <a:pPr algn="ctr">
+                        <a:lnSpc>
+                          <a:spcPct val="100000"/>
+                        </a:lnSpc>
+                      </a:pPr>
+                      <a:r>
+                        <a:rPr lang="en-US" sz="1400" b="0" strike="noStrike" spc="-1" dirty="0">
+                          <a:solidFill>
+                            <a:srgbClr val="000000"/>
+                          </a:solidFill>
+                          <a:uFill>
+                            <a:solidFill>
+                              <a:srgbClr val="FFFFFF"/>
+                            </a:solidFill>
+                          </a:uFill>
+                          <a:latin typeface="Arial"/>
+                          <a:ea typeface="Microsoft YaHei"/>
+                        </a:rPr>
+                        <a:t>83.2934</a:t>
+                      </a:r>
+                      <a:endParaRPr lang="en-US" sz="1400" b="0" strike="noStrike" spc="-1" dirty="0">
+                        <a:solidFill>
+                          <a:srgbClr val="000000"/>
+                        </a:solidFill>
+                        <a:uFill>
+                          <a:solidFill>
+                            <a:srgbClr val="FFFFFF"/>
+                          </a:solidFill>
+                        </a:uFill>
+                        <a:latin typeface="Arial"/>
+                      </a:endParaRPr>
+                    </a:p>
+                  </a:txBody>
+                  <a:tcPr/>
+                </a:tc>
+                <a:tc>
+                  <a:txBody>
+                    <a:bodyPr/>
+                    <a:lstStyle/>
+                    <a:p>
+                      <a:pPr algn="ctr">
+                        <a:lnSpc>
+                          <a:spcPct val="100000"/>
+                        </a:lnSpc>
+                      </a:pPr>
+                      <a:r>
+                        <a:rPr lang="en-US" sz="1400" b="0" strike="noStrike" spc="-1">
+                          <a:solidFill>
+                            <a:srgbClr val="000000"/>
+                          </a:solidFill>
+                          <a:uFill>
+                            <a:solidFill>
+                              <a:srgbClr val="FFFFFF"/>
+                            </a:solidFill>
+                          </a:uFill>
+                          <a:latin typeface="Arial"/>
+                          <a:ea typeface="Microsoft YaHei"/>
+                        </a:rPr>
+                        <a:t>84.7762</a:t>
+                      </a:r>
+                      <a:endParaRPr lang="en-US" sz="1400" b="0" strike="noStrike" spc="-1">
+                        <a:solidFill>
+                          <a:srgbClr val="000000"/>
+                        </a:solidFill>
+                        <a:uFill>
+                          <a:solidFill>
+                            <a:srgbClr val="FFFFFF"/>
+                          </a:solidFill>
+                        </a:uFill>
+                        <a:latin typeface="Arial"/>
+                      </a:endParaRPr>
+                    </a:p>
+                  </a:txBody>
+                  <a:tcPr/>
+                </a:tc>
+                <a:extLst>
+                  <a:ext uri="{0D108BD9-81ED-4DB2-BD59-A6C34878D82A}">
+                    <a16:rowId xmlns:a16="http://schemas.microsoft.com/office/drawing/2014/main" val="2183973536"/>
+                  </a:ext>
+                </a:extLst>
+              </a:tr>
+              <a:tr h="222196">
+                <a:tc>
+                  <a:txBody>
+                    <a:bodyPr/>
+                    <a:lstStyle/>
+                    <a:p>
+                      <a:pPr algn="ctr">
+                        <a:lnSpc>
+                          <a:spcPct val="100000"/>
+                        </a:lnSpc>
+                      </a:pPr>
+                      <a:r>
+                        <a:rPr lang="en-US" sz="1400" b="0" strike="noStrike" spc="-1">
+                          <a:solidFill>
+                            <a:srgbClr val="000000"/>
+                          </a:solidFill>
+                          <a:uFill>
+                            <a:solidFill>
+                              <a:srgbClr val="FFFFFF"/>
+                            </a:solidFill>
+                          </a:uFill>
+                          <a:latin typeface="Arial"/>
+                          <a:ea typeface="Microsoft YaHei"/>
+                        </a:rPr>
+                        <a:t>Uniform between 35 and 65</a:t>
+                      </a:r>
+                      <a:endParaRPr lang="en-US" sz="1400" b="0" strike="noStrike" spc="-1">
+                        <a:solidFill>
+                          <a:srgbClr val="000000"/>
+                        </a:solidFill>
+                        <a:uFill>
+                          <a:solidFill>
+                            <a:srgbClr val="FFFFFF"/>
+                          </a:solidFill>
+                        </a:uFill>
+                        <a:latin typeface="Arial"/>
+                      </a:endParaRPr>
+                    </a:p>
+                  </a:txBody>
+                  <a:tcPr/>
+                </a:tc>
+                <a:tc>
+                  <a:txBody>
+                    <a:bodyPr/>
+                    <a:lstStyle/>
+                    <a:p>
+                      <a:pPr algn="ctr">
+                        <a:lnSpc>
+                          <a:spcPct val="100000"/>
+                        </a:lnSpc>
+                      </a:pPr>
+                      <a:r>
+                        <a:rPr lang="en-US" sz="1400" b="0" strike="noStrike" spc="-1" dirty="0">
+                          <a:solidFill>
+                            <a:srgbClr val="000000"/>
+                          </a:solidFill>
+                          <a:uFill>
+                            <a:solidFill>
+                              <a:srgbClr val="FFFFFF"/>
+                            </a:solidFill>
+                          </a:uFill>
+                          <a:latin typeface="Arial"/>
+                          <a:ea typeface="Microsoft YaHei"/>
+                        </a:rPr>
+                        <a:t>68.4562</a:t>
+                      </a:r>
+                      <a:endParaRPr lang="en-US" sz="1400" b="0" strike="noStrike" spc="-1" dirty="0">
+                        <a:solidFill>
+                          <a:srgbClr val="000000"/>
+                        </a:solidFill>
+                        <a:uFill>
+                          <a:solidFill>
+                            <a:srgbClr val="FFFFFF"/>
+                          </a:solidFill>
+                        </a:uFill>
+                        <a:latin typeface="Arial"/>
+                      </a:endParaRPr>
+                    </a:p>
+                  </a:txBody>
+                  <a:tcPr/>
+                </a:tc>
+                <a:tc>
+                  <a:txBody>
+                    <a:bodyPr/>
+                    <a:lstStyle/>
+                    <a:p>
+                      <a:pPr algn="ctr">
+                        <a:lnSpc>
+                          <a:spcPct val="100000"/>
+                        </a:lnSpc>
+                      </a:pPr>
+                      <a:r>
+                        <a:rPr lang="en-US" sz="1400" b="0" strike="noStrike" spc="-1" dirty="0">
+                          <a:solidFill>
+                            <a:srgbClr val="000000"/>
+                          </a:solidFill>
+                          <a:uFill>
+                            <a:solidFill>
+                              <a:srgbClr val="FFFFFF"/>
+                            </a:solidFill>
+                          </a:uFill>
+                          <a:latin typeface="Arial"/>
+                          <a:ea typeface="Microsoft YaHei"/>
+                        </a:rPr>
+                        <a:t>65.9456</a:t>
+                      </a:r>
+                      <a:endParaRPr lang="en-US" sz="1400" b="0" strike="noStrike" spc="-1" dirty="0">
+                        <a:solidFill>
+                          <a:srgbClr val="000000"/>
+                        </a:solidFill>
+                        <a:uFill>
+                          <a:solidFill>
+                            <a:srgbClr val="FFFFFF"/>
+                          </a:solidFill>
+                        </a:uFill>
+                        <a:latin typeface="Arial"/>
+                      </a:endParaRPr>
+                    </a:p>
+                  </a:txBody>
+                  <a:tcPr/>
+                </a:tc>
+                <a:extLst>
+                  <a:ext uri="{0D108BD9-81ED-4DB2-BD59-A6C34878D82A}">
+                    <a16:rowId xmlns:a16="http://schemas.microsoft.com/office/drawing/2014/main" val="2273790400"/>
+                  </a:ext>
+                </a:extLst>
+              </a:tr>
+              <a:tr h="310465">
+                <a:tc>
+                  <a:txBody>
+                    <a:bodyPr/>
+                    <a:lstStyle/>
+                    <a:p>
+                      <a:pPr algn="ctr">
+                        <a:lnSpc>
+                          <a:spcPct val="100000"/>
+                        </a:lnSpc>
+                      </a:pPr>
+                      <a:r>
+                        <a:rPr lang="en-US" sz="1400" b="0" strike="noStrike" spc="-1">
+                          <a:solidFill>
+                            <a:srgbClr val="000000"/>
+                          </a:solidFill>
+                          <a:uFill>
+                            <a:solidFill>
+                              <a:srgbClr val="FFFFFF"/>
+                            </a:solidFill>
+                          </a:uFill>
+                          <a:latin typeface="Arial"/>
+                          <a:ea typeface="Microsoft YaHei"/>
+                        </a:rPr>
+                        <a:t>Uniform between 65 and 95</a:t>
+                      </a:r>
+                      <a:endParaRPr lang="en-US" sz="1400" b="0" strike="noStrike" spc="-1">
+                        <a:solidFill>
+                          <a:srgbClr val="000000"/>
+                        </a:solidFill>
+                        <a:uFill>
+                          <a:solidFill>
+                            <a:srgbClr val="FFFFFF"/>
+                          </a:solidFill>
+                        </a:uFill>
+                        <a:latin typeface="Arial"/>
+                      </a:endParaRPr>
+                    </a:p>
+                  </a:txBody>
+                  <a:tcPr/>
+                </a:tc>
+                <a:tc>
+                  <a:txBody>
+                    <a:bodyPr/>
+                    <a:lstStyle/>
+                    <a:p>
+                      <a:pPr algn="ctr">
+                        <a:lnSpc>
+                          <a:spcPct val="100000"/>
+                        </a:lnSpc>
+                      </a:pPr>
+                      <a:r>
+                        <a:rPr lang="en-US" sz="1400" b="0" strike="noStrike" spc="-1">
+                          <a:solidFill>
+                            <a:srgbClr val="000000"/>
+                          </a:solidFill>
+                          <a:uFill>
+                            <a:solidFill>
+                              <a:srgbClr val="FFFFFF"/>
+                            </a:solidFill>
+                          </a:uFill>
+                          <a:latin typeface="Arial"/>
+                          <a:ea typeface="Microsoft YaHei"/>
+                        </a:rPr>
+                        <a:t>39.8145</a:t>
+                      </a:r>
+                      <a:endParaRPr lang="en-US" sz="1400" b="0" strike="noStrike" spc="-1">
+                        <a:solidFill>
+                          <a:srgbClr val="000000"/>
+                        </a:solidFill>
+                        <a:uFill>
+                          <a:solidFill>
+                            <a:srgbClr val="FFFFFF"/>
+                          </a:solidFill>
+                        </a:uFill>
+                        <a:latin typeface="Arial"/>
+                      </a:endParaRPr>
+                    </a:p>
+                  </a:txBody>
+                  <a:tcPr/>
+                </a:tc>
+                <a:tc>
+                  <a:txBody>
+                    <a:bodyPr/>
+                    <a:lstStyle/>
+                    <a:p>
+                      <a:pPr algn="ctr">
+                        <a:lnSpc>
+                          <a:spcPct val="100000"/>
+                        </a:lnSpc>
+                      </a:pPr>
+                      <a:r>
+                        <a:rPr lang="en-US" sz="1400" b="0" strike="noStrike" spc="-1" dirty="0">
+                          <a:solidFill>
+                            <a:srgbClr val="000000"/>
+                          </a:solidFill>
+                          <a:uFill>
+                            <a:solidFill>
+                              <a:srgbClr val="FFFFFF"/>
+                            </a:solidFill>
+                          </a:uFill>
+                          <a:latin typeface="Arial"/>
+                          <a:ea typeface="Microsoft YaHei"/>
+                        </a:rPr>
+                        <a:t>33.6427</a:t>
+                      </a:r>
+                      <a:endParaRPr lang="en-US" sz="1400" b="0" strike="noStrike" spc="-1" dirty="0">
+                        <a:solidFill>
+                          <a:srgbClr val="000000"/>
+                        </a:solidFill>
+                        <a:uFill>
+                          <a:solidFill>
+                            <a:srgbClr val="FFFFFF"/>
+                          </a:solidFill>
+                        </a:uFill>
+                        <a:latin typeface="Arial"/>
+                      </a:endParaRPr>
+                    </a:p>
+                  </a:txBody>
+                  <a:tcPr/>
+                </a:tc>
+                <a:extLst>
+                  <a:ext uri="{0D108BD9-81ED-4DB2-BD59-A6C34878D82A}">
+                    <a16:rowId xmlns:a16="http://schemas.microsoft.com/office/drawing/2014/main" val="122061462"/>
+                  </a:ext>
+                </a:extLst>
+              </a:tr>
+            </a:tbl>
+          </a:graphicData>
+        </a:graphic>
+      </p:graphicFrame>
+    </p:spTree>
+    <p:extLst>
+      <p:ext uri="{BB962C8B-B14F-4D97-AF65-F5344CB8AC3E}">
+        <p14:creationId xmlns:p14="http://schemas.microsoft.com/office/powerpoint/2010/main" val="827653993"/>
+      </p:ext>
+    </p:extLst>
+  </p:cSld>
+  <p:clrMapOvr>
+    <a:masterClrMapping/>
+  </p:clrMapOvr>
+</p:sld>
+</file>
+
+<file path=ppt/slides/slide12.xml><?xml version="1.0" encoding="utf-8"?>
+<p:sld xmlns:a="http://schemas.openxmlformats.org/drawingml/2006/main" xmlns:r="http://schemas.openxmlformats.org/officeDocument/2006/relationships" xmlns:p="http://schemas.openxmlformats.org/presentationml/2006/main">
+  <p:cSld>
+    <p:spTree>
+      <p:nvGrpSpPr>
+        <p:cNvPr id="1" name=""/>
+        <p:cNvGrpSpPr/>
+        <p:nvPr/>
+      </p:nvGrpSpPr>
+      <p:grpSpPr>
+        <a:xfrm>
+          <a:off x="0" y="0"/>
+          <a:ext cx="0" cy="0"/>
+          <a:chOff x="0" y="0"/>
+          <a:chExt cx="0" cy="0"/>
+        </a:xfrm>
+      </p:grpSpPr>
+      <p:sp>
+        <p:nvSpPr>
+          <p:cNvPr id="2" name="Titre 1">
+            <a:extLst>
+              <a:ext uri="{FF2B5EF4-FFF2-40B4-BE49-F238E27FC236}">
+                <a16:creationId xmlns:a16="http://schemas.microsoft.com/office/drawing/2014/main" id="{29F9AEC2-7CDD-3B43-9FC1-0E8550D659EE}"/>
+              </a:ext>
+            </a:extLst>
+          </p:cNvPr>
+          <p:cNvSpPr>
+            <a:spLocks noGrp="1"/>
+          </p:cNvSpPr>
+          <p:nvPr>
+            <p:ph type="title"/>
+          </p:nvPr>
+        </p:nvSpPr>
+        <p:spPr>
+          <a:xfrm>
+            <a:off x="4387366" y="2651125"/>
+            <a:ext cx="3417267" cy="1325563"/>
+          </a:xfrm>
+        </p:spPr>
+        <p:txBody>
+          <a:bodyPr/>
+          <a:lstStyle/>
+          <a:p>
+            <a:r>
+              <a:rPr lang="fr-FR" dirty="0" err="1"/>
+              <a:t>Thank</a:t>
+            </a:r>
+            <a:r>
+              <a:rPr lang="fr-FR" dirty="0"/>
+              <a:t> </a:t>
+            </a:r>
+            <a:r>
+              <a:rPr lang="fr-FR" dirty="0" err="1"/>
+              <a:t>you</a:t>
+            </a:r>
+            <a:r>
+              <a:rPr lang="fr-FR" dirty="0"/>
+              <a:t> !</a:t>
+            </a:r>
+          </a:p>
+        </p:txBody>
+      </p:sp>
+    </p:spTree>
+    <p:extLst>
+      <p:ext uri="{BB962C8B-B14F-4D97-AF65-F5344CB8AC3E}">
+        <p14:creationId xmlns:p14="http://schemas.microsoft.com/office/powerpoint/2010/main" val="3664581760"/>
+      </p:ext>
+    </p:extLst>
+  </p:cSld>
+  <p:clrMapOvr>
+    <a:masterClrMapping/>
+  </p:clrMapOvr>
+</p:sld>
+</file>
+
 <file path=ppt/slides/slide2.xml><?xml version="1.0" encoding="utf-8"?>
 <p:sld xmlns:a="http://schemas.openxmlformats.org/drawingml/2006/main" xmlns:r="http://schemas.openxmlformats.org/officeDocument/2006/relationships" xmlns:p="http://schemas.openxmlformats.org/presentationml/2006/main">
   <p:cSld>
@@ -8404,8 +10520,21 @@
             </a:pPr>
             <a:r>
               <a:rPr lang="fr-FR" dirty="0"/>
-              <a:t>Premier axe : modifier lap_pos_enc :</a:t>
-            </a:r>
+              <a:t>First discussion: performance: </a:t>
+            </a:r>
+            <a:r>
+              <a:rPr lang="fr-FR" dirty="0" err="1"/>
+              <a:t>modify</a:t>
+            </a:r>
+            <a:r>
+              <a:rPr lang="fr-FR" dirty="0"/>
+              <a:t> </a:t>
+            </a:r>
+            <a:r>
+              <a:rPr lang="fr-FR" dirty="0" err="1"/>
+              <a:t>lap_pos_enc</a:t>
+            </a:r>
+            <a:endParaRPr lang="fr-FR" dirty="0"/>
           </a:p>
           <a:p>
             <a:pPr marL="971550" lvl="1" indent="-514350">
@@ -8413,9 +10542,26 @@
               <a:buAutoNum type="alphaLcParenR"/>
             </a:pPr>
             <a:r>
+              <a:rPr lang="fr-FR" dirty="0" err="1"/>
+              <a:t>Without</a:t>
+            </a:r>
+            <a:r>
               <a:rPr lang="fr-FR" dirty="0"/>
-              <a:t>Sans lap_pos_enc</a:t>
-            </a:r>
+              <a:t> </a:t>
+            </a:r>
+            <a:r>
+              <a:rPr lang="fr-FR" dirty="0" err="1"/>
+              <a:t>positional</a:t>
+            </a:r>
+            <a:r>
+              <a:rPr lang="fr-FR" dirty="0"/>
+              <a:t> </a:t>
+            </a:r>
+            <a:r>
+              <a:rPr lang="fr-FR" dirty="0" err="1"/>
+              <a:t>embedding</a:t>
+            </a:r>
+            <a:endParaRPr lang="fr-FR" dirty="0"/>
           </a:p>
           <a:p>
             <a:pPr marL="971550" lvl="1" indent="-514350">
@@ -8423,9 +10569,18 @@
               <a:buAutoNum type="alphaLcParenR"/>
             </a:pPr>
             <a:r>
+              <a:rPr lang="fr-FR" dirty="0" err="1"/>
+              <a:t>Exponential</a:t>
+            </a:r>
+            <a:r>
               <a:rPr lang="fr-FR" dirty="0"/>
-              <a:t>Facteurs exponentiels</a:t>
-            </a:r>
+              <a:t> </a:t>
+            </a:r>
+            <a:r>
+              <a:rPr lang="fr-FR" dirty="0" err="1"/>
+              <a:t>factors</a:t>
+            </a:r>
+            <a:endParaRPr lang="fr-FR" dirty="0"/>
           </a:p>
           <a:p>
             <a:pPr marL="971550" lvl="1" indent="-514350">
@@ -8433,8 +10588,12 @@
               <a:buAutoNum type="alphaLcParenR"/>
             </a:pPr>
             <a:r>
+              <a:rPr lang="fr-FR" dirty="0" err="1"/>
+              <a:t>Absolute</a:t>
+            </a:r>
+            <a:r>
               <a:rPr lang="fr-FR" dirty="0"/>
-              <a:t>Valeur absolue</a:t>
+              <a:t> value</a:t>
             </a:r>
           </a:p>
           <a:p>
@@ -8443,9 +10602,10 @@
               <a:buAutoNum type="alphaLcParenR"/>
             </a:pPr>
             <a:r>
-              <a:rPr lang="fr-FR" dirty="0"/>
-              <a:t>Homothétie</a:t>
-            </a:r>
+              <a:rPr lang="fr-FR" dirty="0" err="1"/>
+              <a:t>Homothety</a:t>
+            </a:r>
+            <a:endParaRPr lang="fr-FR" dirty="0"/>
           </a:p>
           <a:p>
             <a:pPr marL="971550" lvl="1" indent="-514350">
@@ -8453,9 +10613,18 @@
               <a:buAutoNum type="alphaLcParenR"/>
             </a:pPr>
             <a:r>
+              <a:rPr lang="fr-FR" dirty="0" err="1"/>
+              <a:t>Increasing</a:t>
+            </a:r>
+            <a:r>
               <a:rPr lang="fr-FR" dirty="0"/>
-              <a:t>Changement de dimension</a:t>
-            </a:r>
+              <a:t> the dimension of the </a:t>
+            </a:r>
+            <a:r>
+              <a:rPr lang="fr-FR" dirty="0" err="1"/>
+              <a:t>embedding</a:t>
+            </a:r>
+            <a:endParaRPr lang="fr-FR" dirty="0"/>
           </a:p>
           <a:p>
             <a:pPr marL="514350" indent="-514350">
@@ -8471,7 +10640,27 @@
             </a:pPr>
             <a:r>
               <a:rPr lang="fr-FR" dirty="0"/>
-              <a:t>Deuxième axe : changer le dataset :</a:t>
+              <a:t>Second discussion: </a:t>
+            </a:r>
+            <a:r>
+              <a:rPr lang="fr-FR" dirty="0" err="1"/>
+              <a:t>stability</a:t>
+            </a:r>
+            <a:r>
+              <a:rPr lang="fr-FR" dirty="0"/>
+              <a:t>: </a:t>
+            </a:r>
+            <a:r>
+              <a:rPr lang="fr-FR" dirty="0" err="1"/>
+              <a:t>modify</a:t>
+            </a:r>
+            <a:r>
+              <a:rPr lang="fr-FR"/>
+              <a:t> the </a:t>
+            </a:r>
+            <a:r>
+              <a:rPr lang="fr-FR" dirty="0"/>
+              <a:t>dataset:</a:t>
             </a:r>
           </a:p>
           <a:p>
@@ -8480,8 +10669,12 @@
               <a:buAutoNum type="alphaLcParenR"/>
             </a:pPr>
             <a:r>
+              <a:rPr lang="fr-FR" dirty="0" err="1"/>
+              <a:t>Presentation</a:t>
+            </a:r>
+            <a:r>
               <a:rPr lang="fr-FR" dirty="0"/>
-              <a:t>Changer les probabilités p et q pour SBM</a:t>
+              <a:t> of the dataset</a:t>
             </a:r>
           </a:p>
           <a:p>
@@ -8490,8 +10683,34 @@
               <a:buAutoNum type="alphaLcParenR"/>
             </a:pPr>
             <a:r>
+              <a:rPr lang="fr-FR" dirty="0" err="1"/>
+              <a:t>Changing</a:t>
+            </a:r>
+            <a:r>
               <a:rPr lang="fr-FR" dirty="0"/>
-              <a:t>Changer la taille du dataset</a:t>
+              <a:t> the </a:t>
+            </a:r>
+            <a:r>
+              <a:rPr lang="fr-FR" dirty="0" err="1"/>
+              <a:t>probability</a:t>
+            </a:r>
+            <a:r>
+              <a:rPr lang="fr-FR" dirty="0"/>
+              <a:t> q</a:t>
+            </a:r>
+          </a:p>
+          <a:p>
+            <a:pPr marL="971550" lvl="1" indent="-514350">
+              <a:buFont typeface="+mj-lt"/>
+              <a:buAutoNum type="alphaLcParenR"/>
+            </a:pPr>
+            <a:r>
+              <a:rPr lang="fr-FR" dirty="0" err="1"/>
+              <a:t>Changind</a:t>
+            </a:r>
+            <a:r>
+              <a:rPr lang="fr-FR" dirty="0"/>
+              <a:t> the size of the dataset</a:t>
             </a:r>
           </a:p>
         </p:txBody>
@@ -8583,8 +10802,12 @@
           <a:lstStyle/>
           <a:p>
             <a:r>
+              <a:rPr lang="fr-FR" dirty="0" err="1"/>
+              <a:t>Two</a:t>
+            </a:r>
+            <a:r>
               <a:rPr lang="fr-FR" dirty="0"/>
-              <a:t>Deux axes d’étude :</a:t>
+              <a:t> discussions</a:t>
             </a:r>
           </a:p>
           <a:p>
@@ -8595,19 +10818,35 @@
             </a:r>
             <a:r>
               <a:rPr lang="fr-FR" dirty="0"/>
-              <a:t> modifier l’</a:t>
+              <a:t> </a:t>
+            </a:r>
+            <a:r>
+              <a:rPr lang="fr-FR" dirty="0" err="1"/>
+              <a:t>modify</a:t>
+            </a:r>
+            <a:r>
+              <a:rPr lang="fr-FR" dirty="0"/>
+              <a:t> the </a:t>
+            </a:r>
+            <a:r>
+              <a:rPr lang="fr-FR" dirty="0" err="1"/>
+              <a:t>laplacian</a:t>
+            </a:r>
+            <a:r>
+              <a:rPr lang="fr-FR" dirty="0"/>
+              <a:t> </a:t>
+            </a:r>
+            <a:r>
+              <a:rPr lang="fr-FR" dirty="0" err="1"/>
+              <a:t>positional</a:t>
+            </a:r>
+            <a:r>
+              <a:rPr lang="fr-FR" dirty="0"/>
+              <a:t> </a:t>
             </a:r>
             <a:r>
               <a:rPr lang="fr-FR" dirty="0" err="1"/>
               <a:t>embedding</a:t>
-            </a:r>
-            <a:r>
-              <a:rPr lang="fr-FR" dirty="0"/>
-              <a:t> issu du </a:t>
-            </a:r>
-            <a:r>
-              <a:rPr lang="fr-FR" dirty="0" err="1"/>
-              <a:t>Laplacien</a:t>
             </a:r>
             <a:r>
               <a:rPr lang="fr-FR" dirty="0"/>
@@ -8624,18 +10863,43 @@
             </a:r>
             <a:r>
               <a:rPr lang="fr-FR" sz="1600" i="1" dirty="0"/>
-              <a:t>=&gt; Entraînement de nouveaux réseaux sur GPU</a:t>
-            </a:r>
+              <a:t>=&gt; Train new networks on </a:t>
+            </a:r>
+            <a:r>
+              <a:rPr lang="fr-FR" sz="1600" i="1" dirty="0" err="1"/>
+              <a:t>GPUs</a:t>
+            </a:r>
+            <a:endParaRPr lang="fr-FR" sz="1600" i="1" dirty="0"/>
           </a:p>
           <a:p>
             <a:pPr lvl="1"/>
             <a:r>
+              <a:rPr lang="fr-FR" b="1" dirty="0" err="1"/>
+              <a:t>Stability</a:t>
+            </a:r>
+            <a:r>
               <a:rPr lang="fr-FR" b="1" dirty="0"/>
-              <a:t>Stabilité : </a:t>
+              <a:t> : </a:t>
             </a:r>
             <a:r>
               <a:rPr lang="fr-FR" dirty="0"/>
-              <a:t>entraîner réseau et le tester sur un autre dataset.</a:t>
+              <a:t>train a network and test </a:t>
+            </a:r>
+            <a:r>
+              <a:rPr lang="fr-FR" dirty="0" err="1"/>
+              <a:t>it</a:t>
+            </a:r>
+            <a:r>
+              <a:rPr lang="fr-FR" dirty="0"/>
+              <a:t> on </a:t>
+            </a:r>
+            <a:r>
+              <a:rPr lang="fr-FR" dirty="0" err="1"/>
+              <a:t>another</a:t>
+            </a:r>
+            <a:r>
+              <a:rPr lang="fr-FR" dirty="0"/>
+              <a:t> dataset</a:t>
             </a:r>
           </a:p>
           <a:p>
@@ -8648,7 +10912,19 @@
             </a:r>
             <a:r>
               <a:rPr lang="fr-FR" sz="1500" i="1" dirty="0"/>
-              <a:t>=&gt; Entraînement de nouveaux réseaux sur GPU</a:t>
+              <a:t>=&gt; </a:t>
+            </a:r>
+            <a:r>
+              <a:rPr lang="fr-FR" sz="1500" i="1" dirty="0" err="1"/>
+              <a:t>Generate</a:t>
+            </a:r>
+            <a:r>
+              <a:rPr lang="fr-FR" sz="1500" i="1" dirty="0"/>
+              <a:t> new datasets on </a:t>
+            </a:r>
+            <a:r>
+              <a:rPr lang="fr-FR" sz="1500" i="1" dirty="0" err="1"/>
+              <a:t>CPUs</a:t>
             </a:r>
             <a:endParaRPr lang="fr-FR" dirty="0"/>
           </a:p>
@@ -8667,14 +10943,23 @@
             </a:pPr>
             <a:r>
               <a:rPr lang="fr-FR" sz="1600" i="1" dirty="0"/>
-              <a:t>Tableau 1 : comparatif du matériel GPU utilisé.</a:t>
-            </a:r>
-            <a:br>
+              <a:t>Table 1: </a:t>
+            </a:r>
+            <a:r>
+              <a:rPr lang="fr-FR" sz="1600" i="1" dirty="0" err="1"/>
+              <a:t>comparison</a:t>
+            </a:r>
+            <a:r>
               <a:rPr lang="fr-FR" sz="1600" i="1" dirty="0"/>
-            </a:br>
+              <a:t> of the GPU </a:t>
+            </a:r>
+            <a:r>
+              <a:rPr lang="fr-FR" sz="1600" i="1" dirty="0" err="1"/>
+              <a:t>used</a:t>
+            </a:r>
             <a:r>
               <a:rPr lang="fr-FR" sz="1600" i="1" dirty="0"/>
-              <a:t>Le manque de temps de calcul empêche de voir si les écarts se résorbent avec l’entraînement.</a:t>
+              <a:t>.</a:t>
             </a:r>
           </a:p>
           <a:p>
@@ -8695,7 +10980,15 @@
             </a:pPr>
             <a:r>
               <a:rPr lang="fr-FR" sz="1600" i="1" dirty="0"/>
-              <a:t>Tableau 2 : matériel et temps de calcul CPU pour la création des datasets</a:t>
+              <a:t>Table 2: </a:t>
+            </a:r>
+            <a:r>
+              <a:rPr lang="fr-FR" sz="1600" i="1" dirty="0" err="1"/>
+              <a:t>presentation</a:t>
+            </a:r>
+            <a:r>
+              <a:rPr lang="fr-FR" sz="1600" i="1" dirty="0"/>
+              <a:t> of the CPU and computation time </a:t>
             </a:r>
           </a:p>
           <a:p>
@@ -8718,7 +11011,7 @@
           <p:nvPr>
             <p:extLst>
               <p:ext uri="{D42A27DB-BD31-4B8C-83A1-F6EECF244321}">
-                <p14:modId xmlns:p14="http://schemas.microsoft.com/office/powerpoint/2010/main" val="3773012016"/>
+                <p14:modId xmlns:p14="http://schemas.microsoft.com/office/powerpoint/2010/main" val="2650878527"/>
               </p:ext>
             </p:extLst>
           </p:nvPr>
@@ -8777,8 +11070,13 @@
                     <a:p>
                       <a:r>
                         <a:rPr lang="fr-FR" dirty="0"/>
-                        <a:t>Notre expérimentation</a:t>
+                        <a:t>Our </a:t>
                       </a:r>
+                      <a:r>
+                        <a:rPr lang="fr-FR" dirty="0" err="1"/>
+                        <a:t>experiments</a:t>
+                      </a:r>
+                      <a:endParaRPr lang="fr-FR" dirty="0"/>
                     </a:p>
                   </a:txBody>
                   <a:tcPr/>
@@ -8789,9 +11087,18 @@
                     <a:lstStyle/>
                     <a:p>
                       <a:r>
+                        <a:rPr lang="fr-FR" dirty="0" err="1"/>
+                        <a:t>Paper’s</a:t>
+                      </a:r>
+                      <a:r>
                         <a:rPr lang="fr-FR" dirty="0"/>
-                        <a:t>Expérimentation article</a:t>
+                        <a:t> </a:t>
                       </a:r>
+                      <a:r>
+                        <a:rPr lang="fr-FR" dirty="0" err="1"/>
+                        <a:t>experiments</a:t>
+                      </a:r>
+                      <a:endParaRPr lang="fr-FR" dirty="0"/>
                     </a:p>
                   </a:txBody>
                   <a:tcPr/>
@@ -8809,9 +11116,10 @@
                     <a:lstStyle/>
                     <a:p>
                       <a:r>
-                        <a:rPr lang="fr-FR" dirty="0"/>
-                        <a:t>Matériel</a:t>
+                        <a:rPr lang="fr-FR" dirty="0" err="1"/>
+                        <a:t>Material</a:t>
                       </a:r>
+                      <a:endParaRPr lang="fr-FR" dirty="0"/>
                     </a:p>
                   </a:txBody>
                   <a:tcPr/>
@@ -8896,9 +11204,10 @@
                     <a:lstStyle/>
                     <a:p>
                       <a:r>
-                        <a:rPr lang="fr-FR" dirty="0"/>
-                        <a:t>Epoques</a:t>
+                        <a:rPr lang="fr-FR" dirty="0" err="1"/>
+                        <a:t>Epochs</a:t>
                       </a:r>
+                      <a:endParaRPr lang="fr-FR" dirty="0"/>
                     </a:p>
                   </a:txBody>
                   <a:tcPr/>
@@ -8943,7 +11252,7 @@
                     <a:p>
                       <a:r>
                         <a:rPr lang="fr-FR" dirty="0"/>
-                        <a:t>Temps de calcul</a:t>
+                        <a:t>Computation time</a:t>
                       </a:r>
                     </a:p>
                   </a:txBody>
@@ -8956,8 +11265,13 @@
                     <a:p>
                       <a:r>
                         <a:rPr lang="fr-FR" dirty="0"/>
-                        <a:t>5h max par expérience</a:t>
+                        <a:t>5h max per </a:t>
                       </a:r>
+                      <a:r>
+                        <a:rPr lang="fr-FR" dirty="0" err="1"/>
+                        <a:t>experiment</a:t>
+                      </a:r>
+                      <a:endParaRPr lang="fr-FR" dirty="0"/>
                     </a:p>
                   </a:txBody>
                   <a:tcPr/>
@@ -8969,8 +11283,13 @@
                     <a:p>
                       <a:r>
                         <a:rPr lang="fr-FR" dirty="0"/>
-                        <a:t>24h max par expérience</a:t>
+                        <a:t>24h max per </a:t>
                       </a:r>
+                      <a:r>
+                        <a:rPr lang="fr-FR" dirty="0" err="1"/>
+                        <a:t>experiment</a:t>
+                      </a:r>
+                      <a:endParaRPr lang="fr-FR" dirty="0"/>
                     </a:p>
                   </a:txBody>
                   <a:tcPr/>
@@ -9000,13 +11319,13 @@
           <p:nvPr>
             <p:extLst>
               <p:ext uri="{D42A27DB-BD31-4B8C-83A1-F6EECF244321}">
-                <p14:modId xmlns:p14="http://schemas.microsoft.com/office/powerpoint/2010/main" val="210610064"/>
+                <p14:modId xmlns:p14="http://schemas.microsoft.com/office/powerpoint/2010/main" val="310977166"/>
               </p:ext>
             </p:extLst>
           </p:nvPr>
         </p:nvGraphicFramePr>
         <p:xfrm>
-          <a:off x="1646275" y="5421024"/>
+          <a:off x="1646275" y="5187102"/>
           <a:ext cx="8899450" cy="741680"/>
         </p:xfrm>
         <a:graphic>
@@ -9059,8 +11378,13 @@
                     <a:p>
                       <a:r>
                         <a:rPr lang="fr-FR" dirty="0"/>
-                        <a:t>Nombre de dataset créés</a:t>
+                        <a:t>Datasets </a:t>
                       </a:r>
+                      <a:r>
+                        <a:rPr lang="fr-FR" dirty="0" err="1"/>
+                        <a:t>created</a:t>
+                      </a:r>
+                      <a:endParaRPr lang="fr-FR" dirty="0"/>
                     </a:p>
                   </a:txBody>
                   <a:tcPr/>
@@ -9072,7 +11396,7 @@
                     <a:p>
                       <a:r>
                         <a:rPr lang="fr-FR" dirty="0"/>
-                        <a:t>Temps de calcul / dataset</a:t>
+                        <a:t>Computation time/dataset</a:t>
                       </a:r>
                     </a:p>
                   </a:txBody>
@@ -9234,19 +11558,37 @@
         </p:nvSpPr>
         <p:spPr/>
         <p:txBody>
-          <a:bodyPr/>
+          <a:bodyPr>
+            <a:normAutofit/>
+          </a:bodyPr>
           <a:lstStyle/>
           <a:p>
             <a:r>
-              <a:rPr lang="fr-FR" dirty="0"/>
-              <a:t>1-a\ Performance – Avec ou sans </a:t>
-            </a:r>
-            <a:r>
-              <a:rPr lang="fr-FR" dirty="0" err="1"/>
+              <a:rPr lang="fr-FR" sz="4000" dirty="0"/>
+              <a:t>1-a\ Performance – </a:t>
+            </a:r>
+            <a:r>
+              <a:rPr lang="fr-FR" sz="4000" dirty="0" err="1"/>
+              <a:t>With</a:t>
+            </a:r>
+            <a:r>
+              <a:rPr lang="fr-FR" sz="4000" dirty="0"/>
+              <a:t> or </a:t>
+            </a:r>
+            <a:r>
+              <a:rPr lang="fr-FR" sz="4000" dirty="0" err="1"/>
+              <a:t>without</a:t>
+            </a:r>
+            <a:r>
+              <a:rPr lang="fr-FR" sz="4000" dirty="0"/>
+              <a:t> </a:t>
+            </a:r>
+            <a:r>
+              <a:rPr lang="fr-FR" sz="4000" dirty="0" err="1"/>
               <a:t>embedding</a:t>
             </a:r>
             <a:r>
-              <a:rPr lang="fr-FR" dirty="0"/>
+              <a:rPr lang="fr-FR" sz="4000" dirty="0"/>
               <a:t> ? </a:t>
             </a:r>
           </a:p>
@@ -9280,7 +11622,31 @@
           <a:p>
             <a:r>
               <a:rPr lang="fr-FR" dirty="0"/>
-              <a:t>Apprentissage bien plus facile et précis en ajoutant l’</a:t>
+              <a:t>Much </a:t>
+            </a:r>
+            <a:r>
+              <a:rPr lang="fr-FR" dirty="0" err="1"/>
+              <a:t>faster</a:t>
+            </a:r>
+            <a:r>
+              <a:rPr lang="fr-FR" dirty="0"/>
+              <a:t> and </a:t>
+            </a:r>
+            <a:r>
+              <a:rPr lang="fr-FR" dirty="0" err="1"/>
+              <a:t>precise</a:t>
+            </a:r>
+            <a:r>
+              <a:rPr lang="fr-FR" dirty="0"/>
+              <a:t> training </a:t>
+            </a:r>
+            <a:r>
+              <a:rPr lang="fr-FR" dirty="0" err="1"/>
+              <a:t>with</a:t>
+            </a:r>
+            <a:r>
+              <a:rPr lang="fr-FR" dirty="0"/>
+              <a:t> the </a:t>
             </a:r>
             <a:r>
               <a:rPr lang="fr-FR" dirty="0" err="1"/>
@@ -9297,7 +11663,39 @@
           <a:p>
             <a:r>
               <a:rPr lang="fr-FR" dirty="0"/>
-              <a:t>Cependant, compensation à long terme.</a:t>
+              <a:t>The gap </a:t>
+            </a:r>
+            <a:r>
+              <a:rPr lang="fr-FR" dirty="0" err="1"/>
+              <a:t>is</a:t>
+            </a:r>
+            <a:r>
+              <a:rPr lang="fr-FR" dirty="0"/>
+              <a:t> </a:t>
+            </a:r>
+            <a:r>
+              <a:rPr lang="fr-FR" dirty="0" err="1"/>
+              <a:t>smaller</a:t>
+            </a:r>
+            <a:r>
+              <a:rPr lang="fr-FR" dirty="0"/>
+              <a:t> and </a:t>
+            </a:r>
+            <a:r>
+              <a:rPr lang="fr-FR" dirty="0" err="1"/>
+              <a:t>smaller</a:t>
+            </a:r>
+            <a:r>
+              <a:rPr lang="fr-FR" dirty="0"/>
+              <a:t> </a:t>
+            </a:r>
+            <a:r>
+              <a:rPr lang="fr-FR" dirty="0" err="1"/>
+              <a:t>with</a:t>
+            </a:r>
+            <a:r>
+              <a:rPr lang="fr-FR" dirty="0"/>
+              <a:t> training</a:t>
             </a:r>
           </a:p>
           <a:p>
@@ -9306,7 +11704,23 @@
           <a:p>
             <a:r>
               <a:rPr lang="fr-FR" dirty="0"/>
-              <a:t>Ecart de 20% environ à la première époque.</a:t>
+              <a:t>About 20% </a:t>
+            </a:r>
+            <a:r>
+              <a:rPr lang="fr-FR" dirty="0" err="1"/>
+              <a:t>accuracy</a:t>
+            </a:r>
+            <a:r>
+              <a:rPr lang="fr-FR" dirty="0"/>
+              <a:t> gap for the first </a:t>
+            </a:r>
+            <a:r>
+              <a:rPr lang="fr-FR" dirty="0" err="1"/>
+              <a:t>epoch</a:t>
+            </a:r>
+            <a:r>
+              <a:rPr lang="fr-FR" dirty="0"/>
+              <a:t>.</a:t>
             </a:r>
           </a:p>
           <a:p>
@@ -9397,8 +11811,21 @@
           <a:p>
             <a:r>
               <a:rPr lang="fr-FR" dirty="0"/>
-              <a:t>1-b\ Performance - Facteurs exponentiels </a:t>
-            </a:r>
+              <a:t>1-b\ Performance – </a:t>
+            </a:r>
+            <a:r>
+              <a:rPr lang="fr-FR" dirty="0" err="1"/>
+              <a:t>Exponential</a:t>
+            </a:r>
+            <a:r>
+              <a:rPr lang="fr-FR" dirty="0"/>
+              <a:t> </a:t>
+            </a:r>
+            <a:r>
+              <a:rPr lang="fr-FR" dirty="0" err="1"/>
+              <a:t>factors</a:t>
+            </a:r>
+            <a:endParaRPr lang="fr-FR" dirty="0"/>
           </a:p>
         </p:txBody>
       </p:sp>
@@ -9429,23 +11856,87 @@
           <a:lstStyle/>
           <a:p>
             <a:r>
+              <a:rPr lang="fr-FR" dirty="0" err="1"/>
+              <a:t>Exponential</a:t>
+            </a:r>
+            <a:r>
               <a:rPr lang="fr-FR" dirty="0"/>
-              <a:t>Exponentielle : donner plus d’importance aux vecteurs de plus petite valeur propre :</a:t>
+              <a:t>: </a:t>
+            </a:r>
+            <a:r>
+              <a:rPr lang="fr-FR" dirty="0" err="1"/>
+              <a:t>give</a:t>
+            </a:r>
+            <a:r>
+              <a:rPr lang="fr-FR" dirty="0"/>
+              <a:t> more </a:t>
+            </a:r>
+            <a:r>
+              <a:rPr lang="fr-FR" dirty="0" err="1"/>
+              <a:t>weight</a:t>
+            </a:r>
+            <a:r>
+              <a:rPr lang="fr-FR" dirty="0"/>
+              <a:t> to </a:t>
+            </a:r>
+            <a:r>
+              <a:rPr lang="fr-FR" dirty="0" err="1"/>
+              <a:t>smaller</a:t>
+            </a:r>
+            <a:r>
+              <a:rPr lang="fr-FR" dirty="0"/>
+              <a:t> </a:t>
+            </a:r>
+            <a:r>
+              <a:rPr lang="fr-FR" dirty="0" err="1"/>
+              <a:t>eigenvalues</a:t>
+            </a:r>
+            <a:r>
+              <a:rPr lang="fr-FR" dirty="0"/>
+              <a:t> :</a:t>
             </a:r>
           </a:p>
           <a:p>
             <a:endParaRPr lang="fr-FR" dirty="0"/>
           </a:p>
           <a:p>
+            <a:pPr marL="0" indent="0">
+              <a:buNone/>
+            </a:pPr>
             <a:endParaRPr lang="fr-FR" dirty="0"/>
           </a:p>
           <a:p>
-            <a:endParaRPr lang="fr-FR" dirty="0"/>
-          </a:p>
-          <a:p>
+            <a:r>
+              <a:rPr lang="fr-FR" dirty="0" err="1"/>
+              <a:t>Absolute</a:t>
+            </a:r>
             <a:r>
               <a:rPr lang="fr-FR" dirty="0"/>
-              <a:t>Valeur absolue :</a:t>
+              <a:t> value: </a:t>
+            </a:r>
+            <a:r>
+              <a:rPr lang="fr-FR" dirty="0" err="1"/>
+              <a:t>increase</a:t>
+            </a:r>
+            <a:r>
+              <a:rPr lang="fr-FR" dirty="0"/>
+              <a:t> </a:t>
+            </a:r>
+            <a:r>
+              <a:rPr lang="fr-FR" dirty="0" err="1"/>
+              <a:t>sign</a:t>
+            </a:r>
+            <a:r>
+              <a:rPr lang="fr-FR" dirty="0"/>
+              <a:t> </a:t>
+            </a:r>
+            <a:r>
+              <a:rPr lang="fr-FR" dirty="0" err="1"/>
+              <a:t>symetry</a:t>
+            </a:r>
+            <a:r>
+              <a:rPr lang="fr-FR" dirty="0"/>
+              <a:t>:</a:t>
             </a:r>
           </a:p>
           <a:p>
@@ -9455,10 +11946,10 @@
       </p:sp>
       <p:pic>
         <p:nvPicPr>
-          <p:cNvPr id="1026" name="Picture 2">
+          <p:cNvPr id="4" name="Picture 2">
             <a:extLst>
               <a:ext uri="{FF2B5EF4-FFF2-40B4-BE49-F238E27FC236}">
-                <a16:creationId xmlns:a16="http://schemas.microsoft.com/office/drawing/2014/main" id="{EA36D1EF-3AC0-3A4A-85C2-268D90879E42}"/>
+                <a16:creationId xmlns:a16="http://schemas.microsoft.com/office/drawing/2014/main" id="{DC3C0C86-5A9E-F84E-AE69-FC914D68BE38}"/>
               </a:ext>
             </a:extLst>
           </p:cNvPr>
@@ -9482,8 +11973,55 @@
         </p:blipFill>
         <p:spPr bwMode="auto">
           <a:xfrm>
-            <a:off x="2048256" y="2936200"/>
-            <a:ext cx="9098280" cy="884950"/>
+            <a:off x="2438400" y="2589189"/>
+            <a:ext cx="8223942" cy="521493"/>
+          </a:xfrm>
+          <a:prstGeom prst="rect">
+            <a:avLst/>
+          </a:prstGeom>
+          <a:noFill/>
+          <a:extLst>
+            <a:ext uri="{909E8E84-426E-40DD-AFC4-6F175D3DCCD1}">
+              <a14:hiddenFill xmlns:a14="http://schemas.microsoft.com/office/drawing/2010/main">
+                <a:solidFill>
+                  <a:srgbClr val="FFFFFF"/>
+                </a:solidFill>
+              </a14:hiddenFill>
+            </a:ext>
+          </a:extLst>
+        </p:spPr>
+      </p:pic>
+      <p:pic>
+        <p:nvPicPr>
+          <p:cNvPr id="1028" name="Picture 4">
+            <a:extLst>
+              <a:ext uri="{FF2B5EF4-FFF2-40B4-BE49-F238E27FC236}">
+                <a16:creationId xmlns:a16="http://schemas.microsoft.com/office/drawing/2014/main" id="{BC692A06-D05B-744C-9C07-7B1B280F3016}"/>
+              </a:ext>
+            </a:extLst>
+          </p:cNvPr>
+          <p:cNvPicPr>
+            <a:picLocks noChangeAspect="1" noChangeArrowheads="1"/>
+          </p:cNvPicPr>
+          <p:nvPr/>
+        </p:nvPicPr>
+        <p:blipFill>
+          <a:blip r:embed="rId3">
+            <a:extLst>
+              <a:ext uri="{28A0092B-C50C-407E-A947-70E740481C1C}">
+                <a14:useLocalDpi xmlns:a14="http://schemas.microsoft.com/office/drawing/2010/main" val="0"/>
+              </a:ext>
+            </a:extLst>
+          </a:blip>
+          <a:srcRect/>
+          <a:stretch>
+            <a:fillRect/>
+          </a:stretch>
+        </p:blipFill>
+        <p:spPr bwMode="auto">
+          <a:xfrm>
+            <a:off x="3311236" y="4393791"/>
+            <a:ext cx="6096006" cy="500063"/>
           </a:xfrm>
           <a:prstGeom prst="rect">
             <a:avLst/>
@@ -9553,8 +12091,21 @@
           <a:p>
             <a:r>
               <a:rPr lang="fr-FR" dirty="0"/>
-              <a:t>1-b\ Performance - Facteurs exponentiels </a:t>
-            </a:r>
+              <a:t>1-b\ Performance - </a:t>
+            </a:r>
+            <a:r>
+              <a:rPr lang="fr-FR" dirty="0" err="1"/>
+              <a:t>Exponential</a:t>
+            </a:r>
+            <a:r>
+              <a:rPr lang="fr-FR" dirty="0"/>
+              <a:t> </a:t>
+            </a:r>
+            <a:r>
+              <a:rPr lang="fr-FR" dirty="0" err="1"/>
+              <a:t>factors</a:t>
+            </a:r>
+            <a:endParaRPr lang="fr-FR" dirty="0"/>
           </a:p>
         </p:txBody>
       </p:sp>
@@ -9585,8 +12136,12 @@
           <a:lstStyle/>
           <a:p>
             <a:r>
+              <a:rPr lang="fr-FR" dirty="0" err="1"/>
+              <a:t>Results</a:t>
+            </a:r>
+            <a:r>
               <a:rPr lang="fr-FR" dirty="0"/>
-              <a:t>Résultats expérimentaux :</a:t>
+              <a:t>:</a:t>
             </a:r>
           </a:p>
         </p:txBody>
@@ -9709,8 +12264,13 @@
           <a:p>
             <a:r>
               <a:rPr lang="fr-FR" dirty="0"/>
-              <a:t>1-c\ Performance - Homothétie</a:t>
-            </a:r>
+              <a:t>1-c\ Performance - </a:t>
+            </a:r>
+            <a:r>
+              <a:rPr lang="fr-FR" dirty="0" err="1"/>
+              <a:t>Homothety</a:t>
+            </a:r>
+            <a:endParaRPr lang="fr-FR" dirty="0"/>
           </a:p>
         </p:txBody>
       </p:sp>
@@ -9741,8 +12301,12 @@
           <a:lstStyle/>
           <a:p>
             <a:r>
+              <a:rPr lang="fr-FR" dirty="0" err="1"/>
+              <a:t>Homothety</a:t>
+            </a:r>
+            <a:r>
               <a:rPr lang="fr-FR" dirty="0"/>
-              <a:t>Homothétie :</a:t>
+              <a:t> :</a:t>
             </a:r>
           </a:p>
           <a:p>
@@ -9760,7 +12324,15 @@
           <a:p>
             <a:r>
               <a:rPr lang="fr-FR" dirty="0"/>
-              <a:t>En théorie : aucun changement car le réseau apprend le facteur h</a:t>
+              <a:t>In </a:t>
+            </a:r>
+            <a:r>
+              <a:rPr lang="fr-FR" dirty="0" err="1"/>
+              <a:t>theory</a:t>
+            </a:r>
+            <a:r>
+              <a:rPr lang="fr-FR" dirty="0"/>
+              <a:t>: no change due to the neural network</a:t>
             </a:r>
           </a:p>
           <a:p>
@@ -9772,7 +12344,39 @@
           <a:p>
             <a:r>
               <a:rPr lang="fr-FR" dirty="0"/>
-              <a:t>En pratique : apprentissage plus compliqué car signal faible </a:t>
+              <a:t>In practice: </a:t>
+            </a:r>
+            <a:r>
+              <a:rPr lang="fr-FR" dirty="0" err="1"/>
+              <a:t>difference</a:t>
+            </a:r>
+            <a:r>
+              <a:rPr lang="fr-FR" dirty="0"/>
+              <a:t> </a:t>
+            </a:r>
+            <a:r>
+              <a:rPr lang="fr-FR" dirty="0" err="1"/>
+              <a:t>since</a:t>
+            </a:r>
+            <a:r>
+              <a:rPr lang="fr-FR" dirty="0"/>
+              <a:t> the signal </a:t>
+            </a:r>
+            <a:r>
+              <a:rPr lang="fr-FR" dirty="0" err="1"/>
+              <a:t>is</a:t>
+            </a:r>
+            <a:r>
+              <a:rPr lang="fr-FR" dirty="0"/>
+              <a:t> harder for the network to </a:t>
+            </a:r>
+            <a:r>
+              <a:rPr lang="fr-FR" dirty="0" err="1"/>
+              <a:t>pick</a:t>
+            </a:r>
+            <a:r>
+              <a:rPr lang="fr-FR" dirty="0"/>
+              <a:t> up information</a:t>
             </a:r>
           </a:p>
         </p:txBody>
@@ -10056,7 +12660,39 @@
           <a:p>
             <a:r>
               <a:rPr lang="fr-FR" dirty="0"/>
-              <a:t>Le code du papier utilise les k=2 vecteurs propres associés aux plus petites valeurs propres.</a:t>
+              <a:t>The code of the </a:t>
+            </a:r>
+            <a:r>
+              <a:rPr lang="fr-FR" dirty="0" err="1"/>
+              <a:t>paper</a:t>
+            </a:r>
+            <a:r>
+              <a:rPr lang="fr-FR" dirty="0"/>
+              <a:t> uses the k=2 </a:t>
+            </a:r>
+            <a:r>
+              <a:rPr lang="fr-FR" dirty="0" err="1"/>
+              <a:t>smallest</a:t>
+            </a:r>
+            <a:r>
+              <a:rPr lang="fr-FR" dirty="0"/>
+              <a:t> </a:t>
+            </a:r>
+            <a:r>
+              <a:rPr lang="fr-FR" dirty="0" err="1"/>
+              <a:t>eigenvalues</a:t>
+            </a:r>
+            <a:r>
+              <a:rPr lang="fr-FR" dirty="0"/>
+              <a:t> of the </a:t>
+            </a:r>
+            <a:r>
+              <a:rPr lang="fr-FR" dirty="0" err="1"/>
+              <a:t>Laplacian</a:t>
+            </a:r>
+            <a:r>
+              <a:rPr lang="fr-FR" dirty="0"/>
+              <a:t> by default.</a:t>
             </a:r>
           </a:p>
           <a:p>
@@ -10064,8 +12700,52 @@
           </a:p>
           <a:p>
             <a:r>
+              <a:rPr lang="fr-FR" dirty="0" err="1"/>
+              <a:t>Better</a:t>
+            </a:r>
+            <a:r>
               <a:rPr lang="fr-FR" dirty="0"/>
-              <a:t>Avec k=2, l’information est très incomplète. Au-delà de k=5, très peu de gain d’information.</a:t>
+              <a:t> performances </a:t>
+            </a:r>
+            <a:r>
+              <a:rPr lang="fr-FR" dirty="0" err="1"/>
+              <a:t>can</a:t>
+            </a:r>
+            <a:r>
+              <a:rPr lang="fr-FR" dirty="0"/>
+              <a:t> </a:t>
+            </a:r>
+            <a:r>
+              <a:rPr lang="fr-FR" dirty="0" err="1"/>
+              <a:t>be</a:t>
+            </a:r>
+            <a:r>
+              <a:rPr lang="fr-FR" dirty="0"/>
+              <a:t> </a:t>
+            </a:r>
+            <a:r>
+              <a:rPr lang="fr-FR" dirty="0" err="1"/>
+              <a:t>achieved</a:t>
+            </a:r>
+            <a:r>
+              <a:rPr lang="fr-FR" dirty="0"/>
+              <a:t> </a:t>
+            </a:r>
+            <a:r>
+              <a:rPr lang="fr-FR" dirty="0" err="1"/>
+              <a:t>with</a:t>
+            </a:r>
+            <a:r>
+              <a:rPr lang="fr-FR" dirty="0"/>
+              <a:t> k=5 in the long </a:t>
+            </a:r>
+            <a:r>
+              <a:rPr lang="fr-FR" dirty="0" err="1"/>
+              <a:t>run</a:t>
+            </a:r>
+            <a:r>
+              <a:rPr lang="fr-FR" dirty="0"/>
+              <a:t>. Few changes for k&gt;5.</a:t>
             </a:r>
           </a:p>
         </p:txBody>
@@ -10185,6 +12865,359 @@
     <p:extLst>
       <p:ext uri="{BB962C8B-B14F-4D97-AF65-F5344CB8AC3E}">
         <p14:creationId xmlns:p14="http://schemas.microsoft.com/office/powerpoint/2010/main" val="310801132"/>
+      </p:ext>
+    </p:extLst>
+  </p:cSld>
+  <p:clrMapOvr>
+    <a:masterClrMapping/>
+  </p:clrMapOvr>
+</p:sld>
+</file>
+
+<file path=ppt/slides/slide9.xml><?xml version="1.0" encoding="utf-8"?>
+<p:sld xmlns:a="http://schemas.openxmlformats.org/drawingml/2006/main" xmlns:r="http://schemas.openxmlformats.org/officeDocument/2006/relationships" xmlns:p="http://schemas.openxmlformats.org/presentationml/2006/main">
+  <p:cSld>
+    <p:spTree>
+      <p:nvGrpSpPr>
+        <p:cNvPr id="1" name=""/>
+        <p:cNvGrpSpPr/>
+        <p:nvPr/>
+      </p:nvGrpSpPr>
+      <p:grpSpPr>
+        <a:xfrm>
+          <a:off x="0" y="0"/>
+          <a:ext cx="0" cy="0"/>
+          <a:chOff x="0" y="0"/>
+          <a:chExt cx="0" cy="0"/>
+        </a:xfrm>
+      </p:grpSpPr>
+      <p:sp>
+        <p:nvSpPr>
+          <p:cNvPr id="2" name="Titre 1">
+            <a:extLst>
+              <a:ext uri="{FF2B5EF4-FFF2-40B4-BE49-F238E27FC236}">
+                <a16:creationId xmlns:a16="http://schemas.microsoft.com/office/drawing/2014/main" id="{7E10E802-CE33-B64F-9D81-609DD55D7CC1}"/>
+              </a:ext>
+            </a:extLst>
+          </p:cNvPr>
+          <p:cNvSpPr>
+            <a:spLocks noGrp="1"/>
+          </p:cNvSpPr>
+          <p:nvPr>
+            <p:ph type="title"/>
+          </p:nvPr>
+        </p:nvSpPr>
+        <p:spPr/>
+        <p:txBody>
+          <a:bodyPr/>
+          <a:lstStyle/>
+          <a:p>
+            <a:r>
+              <a:rPr lang="fr-FR" dirty="0"/>
+              <a:t>2-a\ </a:t>
+            </a:r>
+            <a:r>
+              <a:rPr lang="fr-FR" dirty="0" err="1"/>
+              <a:t>Stability</a:t>
+            </a:r>
+            <a:r>
+              <a:rPr lang="fr-FR" dirty="0"/>
+              <a:t>: the PATTERN dataset</a:t>
+            </a:r>
+          </a:p>
+        </p:txBody>
+      </p:sp>
+      <p:sp>
+        <p:nvSpPr>
+          <p:cNvPr id="3" name="Espace réservé du contenu 2">
+            <a:extLst>
+              <a:ext uri="{FF2B5EF4-FFF2-40B4-BE49-F238E27FC236}">
+                <a16:creationId xmlns:a16="http://schemas.microsoft.com/office/drawing/2014/main" id="{E68498BF-A3EE-4D46-89BA-796AFCFC11A9}"/>
+              </a:ext>
+            </a:extLst>
+          </p:cNvPr>
+          <p:cNvSpPr>
+            <a:spLocks noGrp="1"/>
+          </p:cNvSpPr>
+          <p:nvPr>
+            <p:ph idx="1"/>
+          </p:nvPr>
+        </p:nvSpPr>
+        <p:spPr>
+          <a:xfrm>
+            <a:off x="838200" y="1825626"/>
+            <a:ext cx="6593958" cy="2119054"/>
+          </a:xfrm>
+        </p:spPr>
+        <p:txBody>
+          <a:bodyPr>
+            <a:normAutofit fontScale="77500" lnSpcReduction="20000"/>
+          </a:bodyPr>
+          <a:lstStyle/>
+          <a:p>
+            <a:r>
+              <a:rPr lang="fr-FR" dirty="0"/>
+              <a:t>5 </a:t>
+            </a:r>
+            <a:r>
+              <a:rPr lang="fr-FR" dirty="0" err="1"/>
+              <a:t>communities</a:t>
+            </a:r>
+            <a:r>
+              <a:rPr lang="fr-FR" dirty="0"/>
+              <a:t> are </a:t>
+            </a:r>
+            <a:r>
+              <a:rPr lang="fr-FR" dirty="0" err="1"/>
+              <a:t>generated</a:t>
+            </a:r>
+            <a:r>
+              <a:rPr lang="fr-FR" dirty="0"/>
+              <a:t> </a:t>
+            </a:r>
+            <a:r>
+              <a:rPr lang="fr-FR" dirty="0" err="1"/>
+              <a:t>with</a:t>
+            </a:r>
+            <a:r>
+              <a:rPr lang="fr-FR" dirty="0"/>
+              <a:t> the </a:t>
+            </a:r>
+            <a:r>
+              <a:rPr lang="fr-FR" dirty="0" err="1"/>
+              <a:t>same</a:t>
+            </a:r>
+            <a:r>
+              <a:rPr lang="fr-FR" dirty="0"/>
+              <a:t> </a:t>
+            </a:r>
+            <a:r>
+              <a:rPr lang="fr-FR" dirty="0" err="1"/>
+              <a:t>probabilities</a:t>
+            </a:r>
+            <a:r>
+              <a:rPr lang="fr-FR" dirty="0"/>
+              <a:t> for </a:t>
+            </a:r>
+            <a:r>
+              <a:rPr lang="fr-FR" dirty="0" err="1"/>
+              <a:t>each</a:t>
+            </a:r>
+            <a:r>
+              <a:rPr lang="fr-FR" dirty="0"/>
+              <a:t> block</a:t>
+            </a:r>
+          </a:p>
+          <a:p>
+            <a:r>
+              <a:rPr lang="fr-FR" dirty="0" err="1"/>
+              <a:t>We</a:t>
+            </a:r>
+            <a:r>
+              <a:rPr lang="fr-FR" dirty="0"/>
+              <a:t> </a:t>
+            </a:r>
+            <a:r>
+              <a:rPr lang="fr-FR" dirty="0" err="1"/>
+              <a:t>add</a:t>
+            </a:r>
+            <a:r>
+              <a:rPr lang="fr-FR" dirty="0"/>
+              <a:t> a 6th </a:t>
+            </a:r>
+            <a:r>
+              <a:rPr lang="fr-FR" dirty="0" err="1"/>
+              <a:t>community</a:t>
+            </a:r>
+            <a:r>
+              <a:rPr lang="fr-FR" dirty="0"/>
+              <a:t> </a:t>
+            </a:r>
+            <a:r>
+              <a:rPr lang="fr-FR" dirty="0" err="1"/>
+              <a:t>with</a:t>
+            </a:r>
+            <a:r>
+              <a:rPr lang="fr-FR" dirty="0"/>
+              <a:t> a </a:t>
+            </a:r>
+            <a:r>
+              <a:rPr lang="fr-FR" dirty="0" err="1"/>
+              <a:t>different</a:t>
+            </a:r>
+            <a:r>
+              <a:rPr lang="fr-FR" dirty="0"/>
+              <a:t> extra-</a:t>
+            </a:r>
+            <a:r>
+              <a:rPr lang="fr-FR" dirty="0" err="1"/>
+              <a:t>link</a:t>
+            </a:r>
+            <a:r>
+              <a:rPr lang="fr-FR" dirty="0"/>
+              <a:t> </a:t>
+            </a:r>
+            <a:r>
+              <a:rPr lang="fr-FR" dirty="0" err="1"/>
+              <a:t>probability</a:t>
+            </a:r>
+            <a:endParaRPr lang="fr-FR" dirty="0"/>
+          </a:p>
+          <a:p>
+            <a:r>
+              <a:rPr lang="fr-FR" dirty="0" err="1"/>
+              <a:t>Communities</a:t>
+            </a:r>
+            <a:r>
+              <a:rPr lang="fr-FR" dirty="0"/>
+              <a:t>’ </a:t>
+            </a:r>
+            <a:r>
+              <a:rPr lang="fr-FR" dirty="0" err="1"/>
+              <a:t>average</a:t>
+            </a:r>
+            <a:r>
+              <a:rPr lang="fr-FR" dirty="0"/>
+              <a:t> size </a:t>
+            </a:r>
+            <a:r>
+              <a:rPr lang="fr-FR" dirty="0" err="1"/>
+              <a:t>is</a:t>
+            </a:r>
+            <a:r>
+              <a:rPr lang="fr-FR" dirty="0"/>
+              <a:t> 20</a:t>
+            </a:r>
+          </a:p>
+          <a:p>
+            <a:r>
+              <a:rPr lang="fr-FR" dirty="0"/>
+              <a:t>The goal </a:t>
+            </a:r>
+            <a:r>
+              <a:rPr lang="fr-FR" dirty="0" err="1"/>
+              <a:t>is</a:t>
+            </a:r>
+            <a:r>
+              <a:rPr lang="fr-FR" dirty="0"/>
+              <a:t> to </a:t>
+            </a:r>
+            <a:r>
+              <a:rPr lang="fr-FR" dirty="0" err="1"/>
+              <a:t>classify</a:t>
+            </a:r>
+            <a:r>
+              <a:rPr lang="fr-FR" dirty="0"/>
+              <a:t> the dataset and </a:t>
+            </a:r>
+            <a:r>
+              <a:rPr lang="fr-FR" dirty="0" err="1"/>
+              <a:t>find</a:t>
+            </a:r>
+            <a:r>
+              <a:rPr lang="fr-FR" dirty="0"/>
+              <a:t> </a:t>
+            </a:r>
+            <a:r>
+              <a:rPr lang="fr-FR" dirty="0" err="1"/>
+              <a:t>which</a:t>
+            </a:r>
+            <a:r>
+              <a:rPr lang="fr-FR" dirty="0"/>
+              <a:t> </a:t>
+            </a:r>
+            <a:r>
+              <a:rPr lang="fr-FR" dirty="0" err="1"/>
+              <a:t>individuals</a:t>
+            </a:r>
+            <a:r>
+              <a:rPr lang="fr-FR" dirty="0"/>
+              <a:t> </a:t>
+            </a:r>
+            <a:r>
+              <a:rPr lang="fr-FR" dirty="0" err="1"/>
+              <a:t>belong</a:t>
+            </a:r>
+            <a:r>
+              <a:rPr lang="fr-FR" dirty="0"/>
+              <a:t> to the 6th </a:t>
+            </a:r>
+            <a:r>
+              <a:rPr lang="fr-FR" dirty="0" err="1"/>
+              <a:t>community</a:t>
+            </a:r>
+            <a:endParaRPr lang="fr-FR" dirty="0"/>
+          </a:p>
+          <a:p>
+            <a:endParaRPr lang="fr-FR" dirty="0"/>
+          </a:p>
+          <a:p>
+            <a:endParaRPr lang="fr-FR" dirty="0"/>
+          </a:p>
+        </p:txBody>
+      </p:sp>
+      <p:pic>
+        <p:nvPicPr>
+          <p:cNvPr id="4" name="Image 3">
+            <a:extLst>
+              <a:ext uri="{FF2B5EF4-FFF2-40B4-BE49-F238E27FC236}">
+                <a16:creationId xmlns:a16="http://schemas.microsoft.com/office/drawing/2014/main" id="{F5732586-EF0B-8547-AA5B-0E17EB5BD862}"/>
+              </a:ext>
+            </a:extLst>
+          </p:cNvPr>
+          <p:cNvPicPr/>
+          <p:nvPr/>
+        </p:nvPicPr>
+        <p:blipFill>
+          <a:blip r:embed="rId2"/>
+          <a:stretch/>
+        </p:blipFill>
+        <p:spPr>
+          <a:xfrm>
+            <a:off x="7854142" y="1690688"/>
+            <a:ext cx="3499658" cy="2618509"/>
+          </a:xfrm>
+          <a:prstGeom prst="rect">
+            <a:avLst/>
+          </a:prstGeom>
+          <a:ln>
+            <a:noFill/>
+          </a:ln>
+        </p:spPr>
+      </p:pic>
+      <p:pic>
+        <p:nvPicPr>
+          <p:cNvPr id="5" name="Image 4">
+            <a:extLst>
+              <a:ext uri="{FF2B5EF4-FFF2-40B4-BE49-F238E27FC236}">
+                <a16:creationId xmlns:a16="http://schemas.microsoft.com/office/drawing/2014/main" id="{61164E75-56D9-A840-A10D-DD730AD47270}"/>
+              </a:ext>
+            </a:extLst>
+          </p:cNvPr>
+          <p:cNvPicPr/>
+          <p:nvPr/>
+        </p:nvPicPr>
+        <p:blipFill>
+          <a:blip r:embed="rId3"/>
+          <a:stretch/>
+        </p:blipFill>
+        <p:spPr>
+          <a:xfrm>
+            <a:off x="2783379" y="4572849"/>
+            <a:ext cx="7746075" cy="1791314"/>
+          </a:xfrm>
+          <a:prstGeom prst="rect">
+            <a:avLst/>
+          </a:prstGeom>
+          <a:ln>
+            <a:noFill/>
+          </a:ln>
+        </p:spPr>
+      </p:pic>
+    </p:spTree>
+    <p:extLst>
+      <p:ext uri="{BB962C8B-B14F-4D97-AF65-F5344CB8AC3E}">
+        <p14:creationId xmlns:p14="http://schemas.microsoft.com/office/powerpoint/2010/main" val="4177387410"/>
       </p:ext>
     </p:extLst>
   </p:cSld>

--- a/presentation/Presentation.pptx
+++ b/presentation/Presentation.pptx
@@ -11,14 +11,14 @@
     <p:sldId id="256" r:id="rId2"/>
     <p:sldId id="271" r:id="rId3"/>
     <p:sldId id="272" r:id="rId4"/>
-    <p:sldId id="274" r:id="rId5"/>
-    <p:sldId id="273" r:id="rId6"/>
-    <p:sldId id="275" r:id="rId7"/>
-    <p:sldId id="276" r:id="rId8"/>
-    <p:sldId id="277" r:id="rId9"/>
-    <p:sldId id="278" r:id="rId10"/>
-    <p:sldId id="279" r:id="rId11"/>
-    <p:sldId id="281" r:id="rId12"/>
+    <p:sldId id="278" r:id="rId5"/>
+    <p:sldId id="279" r:id="rId6"/>
+    <p:sldId id="281" r:id="rId7"/>
+    <p:sldId id="274" r:id="rId8"/>
+    <p:sldId id="273" r:id="rId9"/>
+    <p:sldId id="275" r:id="rId10"/>
+    <p:sldId id="276" r:id="rId11"/>
+    <p:sldId id="277" r:id="rId12"/>
     <p:sldId id="282" r:id="rId13"/>
   </p:sldIdLst>
   <p:sldSz cx="12192000" cy="6858000"/>
@@ -8334,7 +8334,7 @@
           <p:cNvPr id="2" name="Titre 1">
             <a:extLst>
               <a:ext uri="{FF2B5EF4-FFF2-40B4-BE49-F238E27FC236}">
-                <a16:creationId xmlns:a16="http://schemas.microsoft.com/office/drawing/2014/main" id="{BC12CAD9-5A1E-5F43-8F0C-0F0EC7B01398}"/>
+                <a16:creationId xmlns:a16="http://schemas.microsoft.com/office/drawing/2014/main" id="{415E533F-08F3-4D43-829A-E1E6A2F78DCB}"/>
               </a:ext>
             </a:extLst>
           </p:cNvPr>
@@ -8352,8 +8352,13 @@
           <a:p>
             <a:r>
               <a:rPr lang="fr-FR" dirty="0"/>
-              <a:t>2-b\ Stabilité : faire varier q</a:t>
-            </a:r>
+              <a:t>2-c\ Performance - </a:t>
+            </a:r>
+            <a:r>
+              <a:rPr lang="fr-FR" dirty="0" err="1"/>
+              <a:t>Homothety</a:t>
+            </a:r>
+            <a:endParaRPr lang="fr-FR" dirty="0"/>
           </a:p>
         </p:txBody>
       </p:sp>
@@ -8362,7 +8367,7 @@
           <p:cNvPr id="3" name="Espace réservé du contenu 2">
             <a:extLst>
               <a:ext uri="{FF2B5EF4-FFF2-40B4-BE49-F238E27FC236}">
-                <a16:creationId xmlns:a16="http://schemas.microsoft.com/office/drawing/2014/main" id="{C6DE6045-02BC-2348-8AFB-0966E75EE185}"/>
+                <a16:creationId xmlns:a16="http://schemas.microsoft.com/office/drawing/2014/main" id="{B8F770AD-FC55-FD4B-B05C-C2B16BC62E93}"/>
               </a:ext>
             </a:extLst>
           </p:cNvPr>
@@ -8375,8 +8380,8 @@
         </p:nvSpPr>
         <p:spPr>
           <a:xfrm>
-            <a:off x="838200" y="1825625"/>
-            <a:ext cx="5257800" cy="4139240"/>
+            <a:off x="973980" y="1825625"/>
+            <a:ext cx="4614020" cy="4667250"/>
           </a:xfrm>
         </p:spPr>
         <p:txBody>
@@ -8384,71 +8389,66 @@
           <a:lstStyle/>
           <a:p>
             <a:r>
+              <a:rPr lang="fr-FR" dirty="0" err="1"/>
+              <a:t>Homothety</a:t>
+            </a:r>
+            <a:r>
+              <a:rPr lang="fr-FR" dirty="0"/>
+              <a:t> :</a:t>
+            </a:r>
+          </a:p>
+          <a:p>
+            <a:pPr marL="0" indent="0">
+              <a:buNone/>
+            </a:pPr>
+            <a:endParaRPr lang="fr-FR" dirty="0"/>
+          </a:p>
+          <a:p>
+            <a:pPr marL="0" indent="0">
+              <a:buNone/>
+            </a:pPr>
+            <a:endParaRPr lang="fr-FR" sz="1050" dirty="0"/>
+          </a:p>
+          <a:p>
+            <a:r>
+              <a:rPr lang="fr-FR" dirty="0"/>
+              <a:t>In </a:t>
+            </a:r>
+            <a:r>
+              <a:rPr lang="fr-FR" dirty="0" err="1"/>
+              <a:t>theory</a:t>
+            </a:r>
+            <a:r>
+              <a:rPr lang="fr-FR" dirty="0"/>
+              <a:t>: no change due to the neural network</a:t>
+            </a:r>
+          </a:p>
+          <a:p>
+            <a:pPr marL="0" indent="0">
+              <a:buNone/>
+            </a:pPr>
+            <a:endParaRPr lang="fr-FR" dirty="0"/>
+          </a:p>
+          <a:p>
+            <a:r>
+              <a:rPr lang="fr-FR" dirty="0"/>
+              <a:t>In practice: </a:t>
+            </a:r>
+            <a:r>
+              <a:rPr lang="fr-FR" dirty="0" err="1"/>
+              <a:t>difference</a:t>
+            </a:r>
+            <a:r>
               <a:rPr lang="fr-FR" dirty="0"/>
               <a:t> </a:t>
             </a:r>
             <a:r>
               <a:rPr lang="fr-FR" dirty="0" err="1"/>
-              <a:t>When</a:t>
+              <a:t>since</a:t>
             </a:r>
             <a:r>
               <a:rPr lang="fr-FR" dirty="0"/>
-              <a:t>                            , </a:t>
-            </a:r>
-            <a:r>
-              <a:rPr lang="fr-FR" dirty="0" err="1"/>
-              <a:t>it’s</a:t>
-            </a:r>
-            <a:r>
-              <a:rPr lang="fr-FR" dirty="0"/>
-              <a:t> </a:t>
-            </a:r>
-            <a:r>
-              <a:rPr lang="fr-FR" dirty="0" err="1"/>
-              <a:t>easier</a:t>
-            </a:r>
-            <a:r>
-              <a:rPr lang="fr-FR" dirty="0"/>
-              <a:t> at first to </a:t>
-            </a:r>
-            <a:r>
-              <a:rPr lang="fr-FR" dirty="0" err="1"/>
-              <a:t>find</a:t>
-            </a:r>
-            <a:r>
-              <a:rPr lang="fr-FR" dirty="0"/>
-              <a:t> the </a:t>
-            </a:r>
-            <a:r>
-              <a:rPr lang="fr-FR" dirty="0" err="1"/>
-              <a:t>different</a:t>
-            </a:r>
-            <a:r>
-              <a:rPr lang="fr-FR" dirty="0"/>
-              <a:t> </a:t>
-            </a:r>
-            <a:r>
-              <a:rPr lang="fr-FR" dirty="0" err="1"/>
-              <a:t>community</a:t>
-            </a:r>
-            <a:endParaRPr lang="fr-FR" dirty="0"/>
-          </a:p>
-          <a:p>
-            <a:r>
-              <a:rPr lang="fr-FR" dirty="0" err="1"/>
-              <a:t>However</a:t>
-            </a:r>
-            <a:r>
-              <a:rPr lang="fr-FR" dirty="0"/>
-              <a:t>, </a:t>
-            </a:r>
-            <a:r>
-              <a:rPr lang="fr-FR" dirty="0" err="1"/>
-              <a:t>when</a:t>
-            </a:r>
-            <a:r>
-              <a:rPr lang="fr-FR" dirty="0"/>
-              <a:t>                    </a:t>
+              <a:t> the signal </a:t>
             </a:r>
             <a:r>
               <a:rPr lang="fr-FR" dirty="0" err="1"/>
@@ -8456,1029 +8456,25 @@
             </a:r>
             <a:r>
               <a:rPr lang="fr-FR" dirty="0"/>
-              <a:t> </a:t>
+              <a:t> harder for the network to </a:t>
             </a:r>
             <a:r>
               <a:rPr lang="fr-FR" dirty="0" err="1"/>
-              <a:t>big</a:t>
+              <a:t>pick</a:t>
             </a:r>
             <a:r>
               <a:rPr lang="fr-FR" dirty="0"/>
-              <a:t>, the model </a:t>
-            </a:r>
-            <a:r>
-              <a:rPr lang="fr-FR" dirty="0" err="1"/>
-              <a:t>starts</a:t>
-            </a:r>
-            <a:r>
-              <a:rPr lang="fr-FR" dirty="0"/>
-              <a:t> to </a:t>
-            </a:r>
-            <a:r>
-              <a:rPr lang="fr-FR" dirty="0" err="1"/>
-              <a:t>lose</a:t>
-            </a:r>
-            <a:r>
-              <a:rPr lang="fr-FR" dirty="0"/>
-              <a:t> </a:t>
-            </a:r>
-            <a:r>
-              <a:rPr lang="fr-FR" dirty="0" err="1"/>
-              <a:t>accuracy</a:t>
-            </a:r>
-            <a:r>
-              <a:rPr lang="fr-FR" dirty="0"/>
-              <a:t>.</a:t>
-            </a:r>
-          </a:p>
-          <a:p>
-            <a:r>
-              <a:rPr lang="fr-FR" dirty="0"/>
-              <a:t>The 20 </a:t>
-            </a:r>
-            <a:r>
-              <a:rPr lang="fr-FR" dirty="0" err="1"/>
-              <a:t>epochs</a:t>
-            </a:r>
-            <a:r>
-              <a:rPr lang="fr-FR" dirty="0"/>
-              <a:t> model </a:t>
-            </a:r>
-            <a:r>
-              <a:rPr lang="fr-FR" dirty="0" err="1"/>
-              <a:t>seems</a:t>
-            </a:r>
-            <a:r>
-              <a:rPr lang="fr-FR" dirty="0"/>
-              <a:t> to </a:t>
-            </a:r>
-            <a:r>
-              <a:rPr lang="fr-FR" dirty="0" err="1"/>
-              <a:t>generalize</a:t>
-            </a:r>
-            <a:r>
-              <a:rPr lang="fr-FR" dirty="0"/>
-              <a:t> </a:t>
-            </a:r>
-            <a:r>
-              <a:rPr lang="fr-FR" dirty="0" err="1"/>
-              <a:t>better</a:t>
-            </a:r>
-            <a:r>
-              <a:rPr lang="fr-FR" dirty="0"/>
-              <a:t> </a:t>
-            </a:r>
-            <a:r>
-              <a:rPr lang="fr-FR" dirty="0" err="1"/>
-              <a:t>than</a:t>
-            </a:r>
-            <a:r>
-              <a:rPr lang="fr-FR" dirty="0"/>
-              <a:t> the 80 </a:t>
-            </a:r>
-            <a:r>
-              <a:rPr lang="fr-FR" dirty="0" err="1"/>
-              <a:t>epochs</a:t>
-            </a:r>
-            <a:r>
-              <a:rPr lang="fr-FR" dirty="0"/>
-              <a:t> one.</a:t>
-            </a:r>
-          </a:p>
-          <a:p>
-            <a:endParaRPr lang="fr-FR" dirty="0"/>
-          </a:p>
-          <a:p>
-            <a:endParaRPr lang="fr-FR" dirty="0"/>
+              <a:t> up information</a:t>
+            </a:r>
           </a:p>
         </p:txBody>
       </p:sp>
-      <p:graphicFrame>
-        <p:nvGraphicFramePr>
-          <p:cNvPr id="4" name="Tableau 4">
-            <a:extLst>
-              <a:ext uri="{FF2B5EF4-FFF2-40B4-BE49-F238E27FC236}">
-                <a16:creationId xmlns:a16="http://schemas.microsoft.com/office/drawing/2014/main" id="{1A187869-5B97-DD49-AF02-EE3E88FBFE72}"/>
-              </a:ext>
-            </a:extLst>
-          </p:cNvPr>
-          <p:cNvGraphicFramePr>
-            <a:graphicFrameLocks noGrp="1"/>
-          </p:cNvGraphicFramePr>
-          <p:nvPr>
-            <p:extLst>
-              <p:ext uri="{D42A27DB-BD31-4B8C-83A1-F6EECF244321}">
-                <p14:modId xmlns:p14="http://schemas.microsoft.com/office/powerpoint/2010/main" val="981982065"/>
-              </p:ext>
-            </p:extLst>
-          </p:nvPr>
-        </p:nvGraphicFramePr>
-        <p:xfrm>
-          <a:off x="6209414" y="1690688"/>
-          <a:ext cx="5497032" cy="1840130"/>
-        </p:xfrm>
-        <a:graphic>
-          <a:graphicData uri="http://schemas.openxmlformats.org/drawingml/2006/table">
-            <a:tbl>
-              <a:tblPr firstRow="1" bandRow="1">
-                <a:tableStyleId>{F5AB1C69-6EDB-4FF4-983F-18BD219EF322}</a:tableStyleId>
-              </a:tblPr>
-              <a:tblGrid>
-                <a:gridCol w="1832344">
-                  <a:extLst>
-                    <a:ext uri="{9D8B030D-6E8A-4147-A177-3AD203B41FA5}">
-                      <a16:colId xmlns:a16="http://schemas.microsoft.com/office/drawing/2014/main" val="4020513725"/>
-                    </a:ext>
-                  </a:extLst>
-                </a:gridCol>
-                <a:gridCol w="1832344">
-                  <a:extLst>
-                    <a:ext uri="{9D8B030D-6E8A-4147-A177-3AD203B41FA5}">
-                      <a16:colId xmlns:a16="http://schemas.microsoft.com/office/drawing/2014/main" val="2222928987"/>
-                    </a:ext>
-                  </a:extLst>
-                </a:gridCol>
-                <a:gridCol w="1832344">
-                  <a:extLst>
-                    <a:ext uri="{9D8B030D-6E8A-4147-A177-3AD203B41FA5}">
-                      <a16:colId xmlns:a16="http://schemas.microsoft.com/office/drawing/2014/main" val="990616228"/>
-                    </a:ext>
-                  </a:extLst>
-                </a:gridCol>
-              </a:tblGrid>
-              <a:tr h="310465">
-                <a:tc>
-                  <a:txBody>
-                    <a:bodyPr/>
-                    <a:lstStyle/>
-                    <a:p>
-                      <a:pPr algn="ctr">
-                        <a:lnSpc>
-                          <a:spcPct val="100000"/>
-                        </a:lnSpc>
-                      </a:pPr>
-                      <a:r>
-                        <a:rPr lang="en-US" sz="1400" b="0" strike="noStrike" spc="-1" dirty="0">
-                          <a:solidFill>
-                            <a:srgbClr val="000000"/>
-                          </a:solidFill>
-                          <a:uFill>
-                            <a:solidFill>
-                              <a:srgbClr val="FFFFFF"/>
-                            </a:solidFill>
-                          </a:uFill>
-                        </a:rPr>
-                        <a:t>Extra-link probability q</a:t>
-                      </a:r>
-                      <a:endParaRPr lang="en-US" sz="1400" b="0" strike="noStrike" spc="-1" dirty="0">
-                        <a:solidFill>
-                          <a:srgbClr val="000000"/>
-                        </a:solidFill>
-                        <a:uFill>
-                          <a:solidFill>
-                            <a:srgbClr val="FFFFFF"/>
-                          </a:solidFill>
-                        </a:uFill>
-                        <a:latin typeface="Arial"/>
-                      </a:endParaRPr>
-                    </a:p>
-                  </a:txBody>
-                  <a:tcPr/>
-                </a:tc>
-                <a:tc>
-                  <a:txBody>
-                    <a:bodyPr/>
-                    <a:lstStyle/>
-                    <a:p>
-                      <a:pPr algn="ctr">
-                        <a:lnSpc>
-                          <a:spcPct val="100000"/>
-                        </a:lnSpc>
-                      </a:pPr>
-                      <a:r>
-                        <a:rPr lang="en-US" sz="1400" b="0" strike="noStrike" spc="-1" dirty="0">
-                          <a:solidFill>
-                            <a:srgbClr val="000000"/>
-                          </a:solidFill>
-                          <a:uFill>
-                            <a:solidFill>
-                              <a:srgbClr val="FFFFFF"/>
-                            </a:solidFill>
-                          </a:uFill>
-                        </a:rPr>
-                        <a:t>Model 20 epochs</a:t>
-                      </a:r>
-                      <a:endParaRPr lang="en-US" sz="1400" b="0" strike="noStrike" spc="-1" dirty="0">
-                        <a:solidFill>
-                          <a:srgbClr val="000000"/>
-                        </a:solidFill>
-                        <a:uFill>
-                          <a:solidFill>
-                            <a:srgbClr val="FFFFFF"/>
-                          </a:solidFill>
-                        </a:uFill>
-                        <a:latin typeface="Arial"/>
-                      </a:endParaRPr>
-                    </a:p>
-                  </a:txBody>
-                  <a:tcPr/>
-                </a:tc>
-                <a:tc>
-                  <a:txBody>
-                    <a:bodyPr/>
-                    <a:lstStyle/>
-                    <a:p>
-                      <a:pPr algn="ctr">
-                        <a:lnSpc>
-                          <a:spcPct val="100000"/>
-                        </a:lnSpc>
-                      </a:pPr>
-                      <a:r>
-                        <a:rPr lang="en-US" sz="1400" b="0" strike="noStrike" spc="-1">
-                          <a:solidFill>
-                            <a:srgbClr val="000000"/>
-                          </a:solidFill>
-                          <a:uFill>
-                            <a:solidFill>
-                              <a:srgbClr val="FFFFFF"/>
-                            </a:solidFill>
-                          </a:uFill>
-                        </a:rPr>
-                        <a:t>Model 80 epochs</a:t>
-                      </a:r>
-                      <a:endParaRPr lang="en-US" sz="1400" b="0" strike="noStrike" spc="-1">
-                        <a:solidFill>
-                          <a:srgbClr val="000000"/>
-                        </a:solidFill>
-                        <a:uFill>
-                          <a:solidFill>
-                            <a:srgbClr val="FFFFFF"/>
-                          </a:solidFill>
-                        </a:uFill>
-                        <a:latin typeface="Arial"/>
-                      </a:endParaRPr>
-                    </a:p>
-                  </a:txBody>
-                  <a:tcPr/>
-                </a:tc>
-                <a:extLst>
-                  <a:ext uri="{0D108BD9-81ED-4DB2-BD59-A6C34878D82A}">
-                    <a16:rowId xmlns:a16="http://schemas.microsoft.com/office/drawing/2014/main" val="1262750295"/>
-                  </a:ext>
-                </a:extLst>
-              </a:tr>
-              <a:tr h="222196">
-                <a:tc>
-                  <a:txBody>
-                    <a:bodyPr/>
-                    <a:lstStyle/>
-                    <a:p>
-                      <a:pPr algn="ctr">
-                        <a:lnSpc>
-                          <a:spcPct val="100000"/>
-                        </a:lnSpc>
-                      </a:pPr>
-                      <a:r>
-                        <a:rPr lang="en-US" sz="1400" b="0" strike="noStrike" spc="-1" dirty="0">
-                          <a:solidFill>
-                            <a:srgbClr val="000000"/>
-                          </a:solidFill>
-                          <a:uFill>
-                            <a:solidFill>
-                              <a:srgbClr val="FFFFFF"/>
-                            </a:solidFill>
-                          </a:uFill>
-                        </a:rPr>
-                        <a:t>0.15</a:t>
-                      </a:r>
-                      <a:endParaRPr lang="en-US" sz="1400" b="0" strike="noStrike" spc="-1" dirty="0">
-                        <a:solidFill>
-                          <a:srgbClr val="000000"/>
-                        </a:solidFill>
-                        <a:uFill>
-                          <a:solidFill>
-                            <a:srgbClr val="FFFFFF"/>
-                          </a:solidFill>
-                        </a:uFill>
-                        <a:latin typeface="Arial"/>
-                      </a:endParaRPr>
-                    </a:p>
-                  </a:txBody>
-                  <a:tcPr/>
-                </a:tc>
-                <a:tc>
-                  <a:txBody>
-                    <a:bodyPr/>
-                    <a:lstStyle/>
-                    <a:p>
-                      <a:pPr algn="ctr">
-                        <a:lnSpc>
-                          <a:spcPct val="100000"/>
-                        </a:lnSpc>
-                      </a:pPr>
-                      <a:r>
-                        <a:rPr lang="en-US" sz="1400" b="0" strike="noStrike" spc="-1">
-                          <a:solidFill>
-                            <a:srgbClr val="000000"/>
-                          </a:solidFill>
-                          <a:uFill>
-                            <a:solidFill>
-                              <a:srgbClr val="FFFFFF"/>
-                            </a:solidFill>
-                          </a:uFill>
-                        </a:rPr>
-                        <a:t>77.0046</a:t>
-                      </a:r>
-                      <a:endParaRPr lang="en-US" sz="1400" b="0" strike="noStrike" spc="-1">
-                        <a:solidFill>
-                          <a:srgbClr val="000000"/>
-                        </a:solidFill>
-                        <a:uFill>
-                          <a:solidFill>
-                            <a:srgbClr val="FFFFFF"/>
-                          </a:solidFill>
-                        </a:uFill>
-                        <a:latin typeface="Arial"/>
-                      </a:endParaRPr>
-                    </a:p>
-                  </a:txBody>
-                  <a:tcPr/>
-                </a:tc>
-                <a:tc>
-                  <a:txBody>
-                    <a:bodyPr/>
-                    <a:lstStyle/>
-                    <a:p>
-                      <a:pPr algn="ctr">
-                        <a:lnSpc>
-                          <a:spcPct val="100000"/>
-                        </a:lnSpc>
-                      </a:pPr>
-                      <a:r>
-                        <a:rPr lang="en-US" sz="1400" b="0" strike="noStrike" spc="-1">
-                          <a:solidFill>
-                            <a:srgbClr val="000000"/>
-                          </a:solidFill>
-                          <a:uFill>
-                            <a:solidFill>
-                              <a:srgbClr val="FFFFFF"/>
-                            </a:solidFill>
-                          </a:uFill>
-                        </a:rPr>
-                        <a:t>69.1981</a:t>
-                      </a:r>
-                      <a:endParaRPr lang="en-US" sz="1400" b="0" strike="noStrike" spc="-1">
-                        <a:solidFill>
-                          <a:srgbClr val="000000"/>
-                        </a:solidFill>
-                        <a:uFill>
-                          <a:solidFill>
-                            <a:srgbClr val="FFFFFF"/>
-                          </a:solidFill>
-                        </a:uFill>
-                        <a:latin typeface="Arial"/>
-                      </a:endParaRPr>
-                    </a:p>
-                  </a:txBody>
-                  <a:tcPr/>
-                </a:tc>
-                <a:extLst>
-                  <a:ext uri="{0D108BD9-81ED-4DB2-BD59-A6C34878D82A}">
-                    <a16:rowId xmlns:a16="http://schemas.microsoft.com/office/drawing/2014/main" val="2183973536"/>
-                  </a:ext>
-                </a:extLst>
-              </a:tr>
-              <a:tr h="222196">
-                <a:tc>
-                  <a:txBody>
-                    <a:bodyPr/>
-                    <a:lstStyle/>
-                    <a:p>
-                      <a:pPr algn="ctr">
-                        <a:lnSpc>
-                          <a:spcPct val="100000"/>
-                        </a:lnSpc>
-                      </a:pPr>
-                      <a:r>
-                        <a:rPr lang="en-US" sz="1400" b="0" strike="noStrike" spc="-1" dirty="0">
-                          <a:solidFill>
-                            <a:srgbClr val="000000"/>
-                          </a:solidFill>
-                          <a:uFill>
-                            <a:solidFill>
-                              <a:srgbClr val="FFFFFF"/>
-                            </a:solidFill>
-                          </a:uFill>
-                        </a:rPr>
-                        <a:t>0.25</a:t>
-                      </a:r>
-                      <a:endParaRPr lang="en-US" sz="1400" b="0" strike="noStrike" spc="-1" dirty="0">
-                        <a:solidFill>
-                          <a:srgbClr val="000000"/>
-                        </a:solidFill>
-                        <a:uFill>
-                          <a:solidFill>
-                            <a:srgbClr val="FFFFFF"/>
-                          </a:solidFill>
-                        </a:uFill>
-                        <a:latin typeface="Arial"/>
-                      </a:endParaRPr>
-                    </a:p>
-                  </a:txBody>
-                  <a:tcPr/>
-                </a:tc>
-                <a:tc>
-                  <a:txBody>
-                    <a:bodyPr/>
-                    <a:lstStyle/>
-                    <a:p>
-                      <a:pPr algn="ctr">
-                        <a:lnSpc>
-                          <a:spcPct val="100000"/>
-                        </a:lnSpc>
-                      </a:pPr>
-                      <a:r>
-                        <a:rPr lang="en-US" sz="1400" b="0" strike="noStrike" spc="-1" dirty="0">
-                          <a:solidFill>
-                            <a:srgbClr val="000000"/>
-                          </a:solidFill>
-                          <a:uFill>
-                            <a:solidFill>
-                              <a:srgbClr val="FFFFFF"/>
-                            </a:solidFill>
-                          </a:uFill>
-                        </a:rPr>
-                        <a:t>93.2172</a:t>
-                      </a:r>
-                      <a:endParaRPr lang="en-US" sz="1400" b="0" strike="noStrike" spc="-1" dirty="0">
-                        <a:solidFill>
-                          <a:srgbClr val="000000"/>
-                        </a:solidFill>
-                        <a:uFill>
-                          <a:solidFill>
-                            <a:srgbClr val="FFFFFF"/>
-                          </a:solidFill>
-                        </a:uFill>
-                        <a:latin typeface="Arial"/>
-                      </a:endParaRPr>
-                    </a:p>
-                  </a:txBody>
-                  <a:tcPr/>
-                </a:tc>
-                <a:tc>
-                  <a:txBody>
-                    <a:bodyPr/>
-                    <a:lstStyle/>
-                    <a:p>
-                      <a:pPr algn="ctr">
-                        <a:lnSpc>
-                          <a:spcPct val="100000"/>
-                        </a:lnSpc>
-                      </a:pPr>
-                      <a:r>
-                        <a:rPr lang="en-US" sz="1400" b="0" strike="noStrike" spc="-1">
-                          <a:solidFill>
-                            <a:srgbClr val="000000"/>
-                          </a:solidFill>
-                          <a:uFill>
-                            <a:solidFill>
-                              <a:srgbClr val="FFFFFF"/>
-                            </a:solidFill>
-                          </a:uFill>
-                        </a:rPr>
-                        <a:t>92.2461</a:t>
-                      </a:r>
-                      <a:endParaRPr lang="en-US" sz="1400" b="0" strike="noStrike" spc="-1">
-                        <a:solidFill>
-                          <a:srgbClr val="000000"/>
-                        </a:solidFill>
-                        <a:uFill>
-                          <a:solidFill>
-                            <a:srgbClr val="FFFFFF"/>
-                          </a:solidFill>
-                        </a:uFill>
-                        <a:latin typeface="Arial"/>
-                      </a:endParaRPr>
-                    </a:p>
-                  </a:txBody>
-                  <a:tcPr/>
-                </a:tc>
-                <a:extLst>
-                  <a:ext uri="{0D108BD9-81ED-4DB2-BD59-A6C34878D82A}">
-                    <a16:rowId xmlns:a16="http://schemas.microsoft.com/office/drawing/2014/main" val="2273790400"/>
-                  </a:ext>
-                </a:extLst>
-              </a:tr>
-              <a:tr h="310465">
-                <a:tc>
-                  <a:txBody>
-                    <a:bodyPr/>
-                    <a:lstStyle/>
-                    <a:p>
-                      <a:pPr algn="ctr">
-                        <a:lnSpc>
-                          <a:spcPct val="100000"/>
-                        </a:lnSpc>
-                      </a:pPr>
-                      <a:r>
-                        <a:rPr lang="en-US" sz="1400" b="0" strike="noStrike" spc="-1">
-                          <a:solidFill>
-                            <a:srgbClr val="000000"/>
-                          </a:solidFill>
-                          <a:uFill>
-                            <a:solidFill>
-                              <a:srgbClr val="FFFFFF"/>
-                            </a:solidFill>
-                          </a:uFill>
-                        </a:rPr>
-                        <a:t>0.35 (original model)</a:t>
-                      </a:r>
-                      <a:endParaRPr lang="en-US" sz="1400" b="0" strike="noStrike" spc="-1">
-                        <a:solidFill>
-                          <a:srgbClr val="000000"/>
-                        </a:solidFill>
-                        <a:uFill>
-                          <a:solidFill>
-                            <a:srgbClr val="FFFFFF"/>
-                          </a:solidFill>
-                        </a:uFill>
-                        <a:latin typeface="Arial"/>
-                      </a:endParaRPr>
-                    </a:p>
-                  </a:txBody>
-                  <a:tcPr/>
-                </a:tc>
-                <a:tc>
-                  <a:txBody>
-                    <a:bodyPr/>
-                    <a:lstStyle/>
-                    <a:p>
-                      <a:pPr algn="ctr">
-                        <a:lnSpc>
-                          <a:spcPct val="100000"/>
-                        </a:lnSpc>
-                      </a:pPr>
-                      <a:r>
-                        <a:rPr lang="en-US" sz="1400" b="0" strike="noStrike" spc="-1" dirty="0">
-                          <a:solidFill>
-                            <a:srgbClr val="000000"/>
-                          </a:solidFill>
-                          <a:uFill>
-                            <a:solidFill>
-                              <a:srgbClr val="FFFFFF"/>
-                            </a:solidFill>
-                          </a:uFill>
-                        </a:rPr>
-                        <a:t>83.2934</a:t>
-                      </a:r>
-                      <a:endParaRPr lang="en-US" sz="1400" b="0" strike="noStrike" spc="-1" dirty="0">
-                        <a:solidFill>
-                          <a:srgbClr val="000000"/>
-                        </a:solidFill>
-                        <a:uFill>
-                          <a:solidFill>
-                            <a:srgbClr val="FFFFFF"/>
-                          </a:solidFill>
-                        </a:uFill>
-                        <a:latin typeface="Arial"/>
-                      </a:endParaRPr>
-                    </a:p>
-                  </a:txBody>
-                  <a:tcPr/>
-                </a:tc>
-                <a:tc>
-                  <a:txBody>
-                    <a:bodyPr/>
-                    <a:lstStyle/>
-                    <a:p>
-                      <a:pPr algn="ctr">
-                        <a:lnSpc>
-                          <a:spcPct val="100000"/>
-                        </a:lnSpc>
-                      </a:pPr>
-                      <a:r>
-                        <a:rPr lang="en-US" sz="1400" b="0" strike="noStrike" spc="-1">
-                          <a:solidFill>
-                            <a:srgbClr val="000000"/>
-                          </a:solidFill>
-                          <a:uFill>
-                            <a:solidFill>
-                              <a:srgbClr val="FFFFFF"/>
-                            </a:solidFill>
-                          </a:uFill>
-                        </a:rPr>
-                        <a:t>84.7762</a:t>
-                      </a:r>
-                      <a:endParaRPr lang="en-US" sz="1400" b="0" strike="noStrike" spc="-1">
-                        <a:solidFill>
-                          <a:srgbClr val="000000"/>
-                        </a:solidFill>
-                        <a:uFill>
-                          <a:solidFill>
-                            <a:srgbClr val="FFFFFF"/>
-                          </a:solidFill>
-                        </a:uFill>
-                        <a:latin typeface="Arial"/>
-                      </a:endParaRPr>
-                    </a:p>
-                  </a:txBody>
-                  <a:tcPr/>
-                </a:tc>
-                <a:extLst>
-                  <a:ext uri="{0D108BD9-81ED-4DB2-BD59-A6C34878D82A}">
-                    <a16:rowId xmlns:a16="http://schemas.microsoft.com/office/drawing/2014/main" val="122061462"/>
-                  </a:ext>
-                </a:extLst>
-              </a:tr>
-              <a:tr h="222196">
-                <a:tc>
-                  <a:txBody>
-                    <a:bodyPr/>
-                    <a:lstStyle/>
-                    <a:p>
-                      <a:pPr algn="ctr">
-                        <a:lnSpc>
-                          <a:spcPct val="100000"/>
-                        </a:lnSpc>
-                      </a:pPr>
-                      <a:r>
-                        <a:rPr lang="en-US" sz="1400" b="0" strike="noStrike" spc="-1">
-                          <a:solidFill>
-                            <a:srgbClr val="000000"/>
-                          </a:solidFill>
-                          <a:uFill>
-                            <a:solidFill>
-                              <a:srgbClr val="FFFFFF"/>
-                            </a:solidFill>
-                          </a:uFill>
-                        </a:rPr>
-                        <a:t>0.45</a:t>
-                      </a:r>
-                      <a:endParaRPr lang="en-US" sz="1400" b="0" strike="noStrike" spc="-1">
-                        <a:solidFill>
-                          <a:srgbClr val="000000"/>
-                        </a:solidFill>
-                        <a:uFill>
-                          <a:solidFill>
-                            <a:srgbClr val="FFFFFF"/>
-                          </a:solidFill>
-                        </a:uFill>
-                        <a:latin typeface="Arial"/>
-                      </a:endParaRPr>
-                    </a:p>
-                  </a:txBody>
-                  <a:tcPr/>
-                </a:tc>
-                <a:tc>
-                  <a:txBody>
-                    <a:bodyPr/>
-                    <a:lstStyle/>
-                    <a:p>
-                      <a:pPr algn="ctr">
-                        <a:lnSpc>
-                          <a:spcPct val="100000"/>
-                        </a:lnSpc>
-                      </a:pPr>
-                      <a:r>
-                        <a:rPr lang="en-US" sz="1400" b="0" strike="noStrike" spc="-1" dirty="0">
-                          <a:solidFill>
-                            <a:srgbClr val="000000"/>
-                          </a:solidFill>
-                          <a:uFill>
-                            <a:solidFill>
-                              <a:srgbClr val="FFFFFF"/>
-                            </a:solidFill>
-                          </a:uFill>
-                        </a:rPr>
-                        <a:t>52.1648</a:t>
-                      </a:r>
-                      <a:endParaRPr lang="en-US" sz="1400" b="0" strike="noStrike" spc="-1" dirty="0">
-                        <a:solidFill>
-                          <a:srgbClr val="000000"/>
-                        </a:solidFill>
-                        <a:uFill>
-                          <a:solidFill>
-                            <a:srgbClr val="FFFFFF"/>
-                          </a:solidFill>
-                        </a:uFill>
-                        <a:latin typeface="Arial"/>
-                      </a:endParaRPr>
-                    </a:p>
-                  </a:txBody>
-                  <a:tcPr/>
-                </a:tc>
-                <a:tc>
-                  <a:txBody>
-                    <a:bodyPr/>
-                    <a:lstStyle/>
-                    <a:p>
-                      <a:pPr algn="ctr">
-                        <a:lnSpc>
-                          <a:spcPct val="100000"/>
-                        </a:lnSpc>
-                      </a:pPr>
-                      <a:r>
-                        <a:rPr lang="en-US" sz="1400" b="0" strike="noStrike" spc="-1" dirty="0">
-                          <a:solidFill>
-                            <a:srgbClr val="000000"/>
-                          </a:solidFill>
-                          <a:uFill>
-                            <a:solidFill>
-                              <a:srgbClr val="FFFFFF"/>
-                            </a:solidFill>
-                          </a:uFill>
-                        </a:rPr>
-                        <a:t>51.5637</a:t>
-                      </a:r>
-                      <a:endParaRPr lang="en-US" sz="1400" b="0" strike="noStrike" spc="-1" dirty="0">
-                        <a:solidFill>
-                          <a:srgbClr val="000000"/>
-                        </a:solidFill>
-                        <a:uFill>
-                          <a:solidFill>
-                            <a:srgbClr val="FFFFFF"/>
-                          </a:solidFill>
-                        </a:uFill>
-                        <a:latin typeface="Arial"/>
-                      </a:endParaRPr>
-                    </a:p>
-                  </a:txBody>
-                  <a:tcPr/>
-                </a:tc>
-                <a:extLst>
-                  <a:ext uri="{0D108BD9-81ED-4DB2-BD59-A6C34878D82A}">
-                    <a16:rowId xmlns:a16="http://schemas.microsoft.com/office/drawing/2014/main" val="1162902066"/>
-                  </a:ext>
-                </a:extLst>
-              </a:tr>
-              <a:tr h="222196">
-                <a:tc>
-                  <a:txBody>
-                    <a:bodyPr/>
-                    <a:lstStyle/>
-                    <a:p>
-                      <a:pPr algn="ctr">
-                        <a:lnSpc>
-                          <a:spcPct val="100000"/>
-                        </a:lnSpc>
-                      </a:pPr>
-                      <a:r>
-                        <a:rPr lang="en-US" sz="1400" b="0" strike="noStrike" spc="-1">
-                          <a:solidFill>
-                            <a:srgbClr val="000000"/>
-                          </a:solidFill>
-                          <a:uFill>
-                            <a:solidFill>
-                              <a:srgbClr val="FFFFFF"/>
-                            </a:solidFill>
-                          </a:uFill>
-                        </a:rPr>
-                        <a:t>0.55</a:t>
-                      </a:r>
-                      <a:endParaRPr lang="en-US" sz="1400" b="0" strike="noStrike" spc="-1">
-                        <a:solidFill>
-                          <a:srgbClr val="000000"/>
-                        </a:solidFill>
-                        <a:uFill>
-                          <a:solidFill>
-                            <a:srgbClr val="FFFFFF"/>
-                          </a:solidFill>
-                        </a:uFill>
-                        <a:latin typeface="Arial"/>
-                      </a:endParaRPr>
-                    </a:p>
-                  </a:txBody>
-                  <a:tcPr/>
-                </a:tc>
-                <a:tc>
-                  <a:txBody>
-                    <a:bodyPr/>
-                    <a:lstStyle/>
-                    <a:p>
-                      <a:pPr algn="ctr">
-                        <a:lnSpc>
-                          <a:spcPct val="100000"/>
-                        </a:lnSpc>
-                      </a:pPr>
-                      <a:r>
-                        <a:rPr lang="en-US" sz="1400" b="0" strike="noStrike" spc="-1">
-                          <a:solidFill>
-                            <a:srgbClr val="000000"/>
-                          </a:solidFill>
-                          <a:uFill>
-                            <a:solidFill>
-                              <a:srgbClr val="FFFFFF"/>
-                            </a:solidFill>
-                          </a:uFill>
-                        </a:rPr>
-                        <a:t>42.0210</a:t>
-                      </a:r>
-                      <a:endParaRPr lang="en-US" sz="1400" b="0" strike="noStrike" spc="-1">
-                        <a:solidFill>
-                          <a:srgbClr val="000000"/>
-                        </a:solidFill>
-                        <a:uFill>
-                          <a:solidFill>
-                            <a:srgbClr val="FFFFFF"/>
-                          </a:solidFill>
-                        </a:uFill>
-                        <a:latin typeface="Arial"/>
-                      </a:endParaRPr>
-                    </a:p>
-                  </a:txBody>
-                  <a:tcPr/>
-                </a:tc>
-                <a:tc>
-                  <a:txBody>
-                    <a:bodyPr/>
-                    <a:lstStyle/>
-                    <a:p>
-                      <a:pPr algn="ctr">
-                        <a:lnSpc>
-                          <a:spcPct val="100000"/>
-                        </a:lnSpc>
-                      </a:pPr>
-                      <a:r>
-                        <a:rPr lang="en-US" sz="1400" b="0" strike="noStrike" spc="-1" dirty="0">
-                          <a:solidFill>
-                            <a:srgbClr val="000000"/>
-                          </a:solidFill>
-                          <a:uFill>
-                            <a:solidFill>
-                              <a:srgbClr val="FFFFFF"/>
-                            </a:solidFill>
-                          </a:uFill>
-                        </a:rPr>
-                        <a:t>41.8587</a:t>
-                      </a:r>
-                      <a:endParaRPr lang="en-US" sz="1400" b="0" strike="noStrike" spc="-1" dirty="0">
-                        <a:solidFill>
-                          <a:srgbClr val="000000"/>
-                        </a:solidFill>
-                        <a:uFill>
-                          <a:solidFill>
-                            <a:srgbClr val="FFFFFF"/>
-                          </a:solidFill>
-                        </a:uFill>
-                        <a:latin typeface="Arial"/>
-                      </a:endParaRPr>
-                    </a:p>
-                  </a:txBody>
-                  <a:tcPr/>
-                </a:tc>
-                <a:extLst>
-                  <a:ext uri="{0D108BD9-81ED-4DB2-BD59-A6C34878D82A}">
-                    <a16:rowId xmlns:a16="http://schemas.microsoft.com/office/drawing/2014/main" val="2520401637"/>
-                  </a:ext>
-                </a:extLst>
-              </a:tr>
-            </a:tbl>
-          </a:graphicData>
-        </a:graphic>
-      </p:graphicFrame>
-      <p:grpSp>
-        <p:nvGrpSpPr>
-          <p:cNvPr id="19" name="Groupe 18">
-            <a:extLst>
-              <a:ext uri="{FF2B5EF4-FFF2-40B4-BE49-F238E27FC236}">
-                <a16:creationId xmlns:a16="http://schemas.microsoft.com/office/drawing/2014/main" id="{FA036502-238A-B243-BA0D-A8E8E444B4C8}"/>
-              </a:ext>
-            </a:extLst>
-          </p:cNvPr>
-          <p:cNvGrpSpPr/>
-          <p:nvPr/>
-        </p:nvGrpSpPr>
-        <p:grpSpPr>
-          <a:xfrm>
-            <a:off x="5986131" y="3879273"/>
-            <a:ext cx="5684555" cy="2447517"/>
-            <a:chOff x="5986131" y="3879273"/>
-            <a:chExt cx="5684555" cy="2447517"/>
-          </a:xfrm>
-        </p:grpSpPr>
-        <p:pic>
-          <p:nvPicPr>
-            <p:cNvPr id="6" name="Image 5">
-              <a:extLst>
-                <a:ext uri="{FF2B5EF4-FFF2-40B4-BE49-F238E27FC236}">
-                  <a16:creationId xmlns:a16="http://schemas.microsoft.com/office/drawing/2014/main" id="{E1601112-F34F-084F-9801-A6E84B5BD03C}"/>
-                </a:ext>
-              </a:extLst>
-            </p:cNvPr>
-            <p:cNvPicPr>
-              <a:picLocks noChangeAspect="1"/>
-            </p:cNvPicPr>
-            <p:nvPr/>
-          </p:nvPicPr>
-          <p:blipFill>
-            <a:blip r:embed="rId2"/>
-            <a:stretch>
-              <a:fillRect/>
-            </a:stretch>
-          </p:blipFill>
-          <p:spPr>
-            <a:xfrm>
-              <a:off x="5986131" y="3879273"/>
-              <a:ext cx="5684555" cy="2447517"/>
-            </a:xfrm>
-            <a:prstGeom prst="rect">
-              <a:avLst/>
-            </a:prstGeom>
-          </p:spPr>
-        </p:pic>
-        <p:cxnSp>
-          <p:nvCxnSpPr>
-            <p:cNvPr id="10" name="Connecteur droit 9">
-              <a:extLst>
-                <a:ext uri="{FF2B5EF4-FFF2-40B4-BE49-F238E27FC236}">
-                  <a16:creationId xmlns:a16="http://schemas.microsoft.com/office/drawing/2014/main" id="{781186DD-C4C6-ED4C-8BE9-DEF09727A83F}"/>
-                </a:ext>
-              </a:extLst>
-            </p:cNvPr>
-            <p:cNvCxnSpPr>
-              <a:cxnSpLocks/>
-            </p:cNvCxnSpPr>
-            <p:nvPr/>
-          </p:nvCxnSpPr>
-          <p:spPr>
-            <a:xfrm>
-              <a:off x="6412886" y="5700485"/>
-              <a:ext cx="4818468" cy="0"/>
-            </a:xfrm>
-            <a:prstGeom prst="line">
-              <a:avLst/>
-            </a:prstGeom>
-            <a:ln>
-              <a:solidFill>
-                <a:srgbClr val="FF0000"/>
-              </a:solidFill>
-            </a:ln>
-          </p:spPr>
-          <p:style>
-            <a:lnRef idx="1">
-              <a:schemeClr val="accent1"/>
-            </a:lnRef>
-            <a:fillRef idx="0">
-              <a:schemeClr val="accent1"/>
-            </a:fillRef>
-            <a:effectRef idx="0">
-              <a:schemeClr val="accent1"/>
-            </a:effectRef>
-            <a:fontRef idx="minor">
-              <a:schemeClr val="tx1"/>
-            </a:fontRef>
-          </p:style>
-        </p:cxnSp>
-        <p:cxnSp>
-          <p:nvCxnSpPr>
-            <p:cNvPr id="12" name="Connecteur droit 11">
-              <a:extLst>
-                <a:ext uri="{FF2B5EF4-FFF2-40B4-BE49-F238E27FC236}">
-                  <a16:creationId xmlns:a16="http://schemas.microsoft.com/office/drawing/2014/main" id="{15B793F1-70E5-B34F-9A15-C85032598F1B}"/>
-                </a:ext>
-              </a:extLst>
-            </p:cNvPr>
-            <p:cNvCxnSpPr>
-              <a:cxnSpLocks/>
-            </p:cNvCxnSpPr>
-            <p:nvPr/>
-          </p:nvCxnSpPr>
-          <p:spPr>
-            <a:xfrm flipV="1">
-              <a:off x="8829214" y="3985523"/>
-              <a:ext cx="0" cy="2105465"/>
-            </a:xfrm>
-            <a:prstGeom prst="line">
-              <a:avLst/>
-            </a:prstGeom>
-            <a:ln>
-              <a:solidFill>
-                <a:srgbClr val="FF0000"/>
-              </a:solidFill>
-            </a:ln>
-          </p:spPr>
-          <p:style>
-            <a:lnRef idx="1">
-              <a:schemeClr val="accent1"/>
-            </a:lnRef>
-            <a:fillRef idx="0">
-              <a:schemeClr val="accent1"/>
-            </a:fillRef>
-            <a:effectRef idx="0">
-              <a:schemeClr val="accent1"/>
-            </a:effectRef>
-            <a:fontRef idx="minor">
-              <a:schemeClr val="tx1"/>
-            </a:fontRef>
-          </p:style>
-        </p:cxnSp>
-      </p:grpSp>
       <p:pic>
         <p:nvPicPr>
           <p:cNvPr id="2050" name="Picture 2">
             <a:extLst>
               <a:ext uri="{FF2B5EF4-FFF2-40B4-BE49-F238E27FC236}">
-                <a16:creationId xmlns:a16="http://schemas.microsoft.com/office/drawing/2014/main" id="{6F3A4E2B-038D-0D48-A979-CD0A3A794B12}"/>
+                <a16:creationId xmlns:a16="http://schemas.microsoft.com/office/drawing/2014/main" id="{29686340-BAF8-554A-9076-8B2CFD99BE39}"/>
               </a:ext>
             </a:extLst>
           </p:cNvPr>
@@ -9488,7 +8484,7 @@
           <p:nvPr/>
         </p:nvPicPr>
         <p:blipFill>
-          <a:blip r:embed="rId3">
+          <a:blip r:embed="rId2">
             <a:extLst>
               <a:ext uri="{28A0092B-C50C-407E-A947-70E740481C1C}">
                 <a14:useLocalDpi xmlns:a14="http://schemas.microsoft.com/office/drawing/2010/main" val="0"/>
@@ -9502,8 +8498,8 @@
         </p:blipFill>
         <p:spPr bwMode="auto">
           <a:xfrm>
-            <a:off x="3494810" y="3172115"/>
-            <a:ext cx="1407254" cy="312305"/>
+            <a:off x="1184292" y="2540866"/>
+            <a:ext cx="4258483" cy="330476"/>
           </a:xfrm>
           <a:prstGeom prst="rect">
             <a:avLst/>
@@ -9522,55 +8518,154 @@
       </p:pic>
       <p:pic>
         <p:nvPicPr>
-          <p:cNvPr id="2052" name="Picture 4">
+          <p:cNvPr id="6" name="Image 5">
             <a:extLst>
               <a:ext uri="{FF2B5EF4-FFF2-40B4-BE49-F238E27FC236}">
-                <a16:creationId xmlns:a16="http://schemas.microsoft.com/office/drawing/2014/main" id="{7BEAFA25-EB81-474C-8AC2-0BD0270222CF}"/>
+                <a16:creationId xmlns:a16="http://schemas.microsoft.com/office/drawing/2014/main" id="{BC343219-8A4B-4148-9C37-7D793E6D0447}"/>
               </a:ext>
             </a:extLst>
           </p:cNvPr>
           <p:cNvPicPr>
-            <a:picLocks noChangeAspect="1" noChangeArrowheads="1"/>
+            <a:picLocks noChangeAspect="1"/>
           </p:cNvPicPr>
           <p:nvPr/>
         </p:nvPicPr>
         <p:blipFill>
-          <a:blip r:embed="rId4">
-            <a:extLst>
-              <a:ext uri="{28A0092B-C50C-407E-A947-70E740481C1C}">
-                <a14:useLocalDpi xmlns:a14="http://schemas.microsoft.com/office/drawing/2010/main" val="0"/>
-              </a:ext>
-            </a:extLst>
-          </a:blip>
-          <a:srcRect/>
+          <a:blip r:embed="rId3"/>
           <a:stretch>
             <a:fillRect/>
           </a:stretch>
         </p:blipFill>
-        <p:spPr bwMode="auto">
+        <p:spPr>
           <a:xfrm>
-            <a:off x="2169324" y="1906116"/>
-            <a:ext cx="2042968" cy="321868"/>
+            <a:off x="5994361" y="1426464"/>
+            <a:ext cx="5283239" cy="4926980"/>
           </a:xfrm>
           <a:prstGeom prst="rect">
             <a:avLst/>
           </a:prstGeom>
-          <a:noFill/>
-          <a:extLst>
-            <a:ext uri="{909E8E84-426E-40DD-AFC4-6F175D3DCCD1}">
-              <a14:hiddenFill xmlns:a14="http://schemas.microsoft.com/office/drawing/2010/main">
-                <a:solidFill>
-                  <a:srgbClr val="FFFFFF"/>
-                </a:solidFill>
-              </a14:hiddenFill>
-            </a:ext>
-          </a:extLst>
+          <a:ln>
+            <a:solidFill>
+              <a:schemeClr val="tx1"/>
+            </a:solidFill>
+          </a:ln>
         </p:spPr>
       </p:pic>
+      <p:grpSp>
+        <p:nvGrpSpPr>
+          <p:cNvPr id="16" name="Groupe 15">
+            <a:extLst>
+              <a:ext uri="{FF2B5EF4-FFF2-40B4-BE49-F238E27FC236}">
+                <a16:creationId xmlns:a16="http://schemas.microsoft.com/office/drawing/2014/main" id="{35D8BA4C-4279-1D40-86CE-9820294D1E45}"/>
+              </a:ext>
+            </a:extLst>
+          </p:cNvPr>
+          <p:cNvGrpSpPr/>
+          <p:nvPr/>
+        </p:nvGrpSpPr>
+        <p:grpSpPr>
+          <a:xfrm>
+            <a:off x="8974946" y="1883295"/>
+            <a:ext cx="2133346" cy="822809"/>
+            <a:chOff x="4273550" y="2779269"/>
+            <a:chExt cx="3644900" cy="1337562"/>
+          </a:xfrm>
+        </p:grpSpPr>
+        <p:pic>
+          <p:nvPicPr>
+            <p:cNvPr id="9" name="Image 8" descr="Une image contenant texte&#10;&#10;Description générée automatiquement">
+              <a:extLst>
+                <a:ext uri="{FF2B5EF4-FFF2-40B4-BE49-F238E27FC236}">
+                  <a16:creationId xmlns:a16="http://schemas.microsoft.com/office/drawing/2014/main" id="{3E4FF81C-B72F-1F47-905A-0AE85EFA902E}"/>
+                </a:ext>
+              </a:extLst>
+            </p:cNvPr>
+            <p:cNvPicPr>
+              <a:picLocks noChangeAspect="1"/>
+            </p:cNvPicPr>
+            <p:nvPr/>
+          </p:nvPicPr>
+          <p:blipFill>
+            <a:blip r:embed="rId4"/>
+            <a:stretch>
+              <a:fillRect/>
+            </a:stretch>
+          </p:blipFill>
+          <p:spPr>
+            <a:xfrm>
+              <a:off x="4273550" y="3041650"/>
+              <a:ext cx="3644900" cy="774700"/>
+            </a:xfrm>
+            <a:prstGeom prst="rect">
+              <a:avLst/>
+            </a:prstGeom>
+          </p:spPr>
+        </p:pic>
+        <p:pic>
+          <p:nvPicPr>
+            <p:cNvPr id="11" name="Image 10">
+              <a:extLst>
+                <a:ext uri="{FF2B5EF4-FFF2-40B4-BE49-F238E27FC236}">
+                  <a16:creationId xmlns:a16="http://schemas.microsoft.com/office/drawing/2014/main" id="{B8C283C3-F36A-DD45-87F7-8C6553EB053A}"/>
+                </a:ext>
+              </a:extLst>
+            </p:cNvPr>
+            <p:cNvPicPr>
+              <a:picLocks noChangeAspect="1"/>
+            </p:cNvPicPr>
+            <p:nvPr/>
+          </p:nvPicPr>
+          <p:blipFill>
+            <a:blip r:embed="rId5"/>
+            <a:stretch>
+              <a:fillRect/>
+            </a:stretch>
+          </p:blipFill>
+          <p:spPr>
+            <a:xfrm>
+              <a:off x="4273550" y="3748531"/>
+              <a:ext cx="3644900" cy="368300"/>
+            </a:xfrm>
+            <a:prstGeom prst="rect">
+              <a:avLst/>
+            </a:prstGeom>
+          </p:spPr>
+        </p:pic>
+        <p:pic>
+          <p:nvPicPr>
+            <p:cNvPr id="15" name="Image 14">
+              <a:extLst>
+                <a:ext uri="{FF2B5EF4-FFF2-40B4-BE49-F238E27FC236}">
+                  <a16:creationId xmlns:a16="http://schemas.microsoft.com/office/drawing/2014/main" id="{196FA11F-3A13-694D-9E33-99D88BA3A430}"/>
+                </a:ext>
+              </a:extLst>
+            </p:cNvPr>
+            <p:cNvPicPr>
+              <a:picLocks noChangeAspect="1"/>
+            </p:cNvPicPr>
+            <p:nvPr/>
+          </p:nvPicPr>
+          <p:blipFill>
+            <a:blip r:embed="rId6"/>
+            <a:stretch>
+              <a:fillRect/>
+            </a:stretch>
+          </p:blipFill>
+          <p:spPr>
+            <a:xfrm>
+              <a:off x="4273550" y="2779269"/>
+              <a:ext cx="3644900" cy="330200"/>
+            </a:xfrm>
+            <a:prstGeom prst="rect">
+              <a:avLst/>
+            </a:prstGeom>
+          </p:spPr>
+        </p:pic>
+      </p:grpSp>
     </p:spTree>
     <p:extLst>
       <p:ext uri="{BB962C8B-B14F-4D97-AF65-F5344CB8AC3E}">
-        <p14:creationId xmlns:p14="http://schemas.microsoft.com/office/powerpoint/2010/main" val="3627299299"/>
+        <p14:creationId xmlns:p14="http://schemas.microsoft.com/office/powerpoint/2010/main" val="3668843723"/>
       </p:ext>
     </p:extLst>
   </p:cSld>
@@ -9602,7 +8697,7 @@
           <p:cNvPr id="2" name="Titre 1">
             <a:extLst>
               <a:ext uri="{FF2B5EF4-FFF2-40B4-BE49-F238E27FC236}">
-                <a16:creationId xmlns:a16="http://schemas.microsoft.com/office/drawing/2014/main" id="{BC12CAD9-5A1E-5F43-8F0C-0F0EC7B01398}"/>
+                <a16:creationId xmlns:a16="http://schemas.microsoft.com/office/drawing/2014/main" id="{415E533F-08F3-4D43-829A-E1E6A2F78DCB}"/>
               </a:ext>
             </a:extLst>
           </p:cNvPr>
@@ -9620,15 +8715,7 @@
           <a:p>
             <a:r>
               <a:rPr lang="fr-FR" dirty="0"/>
-              <a:t>2-c\ </a:t>
-            </a:r>
-            <a:r>
-              <a:rPr lang="fr-FR" dirty="0" err="1"/>
-              <a:t>Stability</a:t>
-            </a:r>
-            <a:r>
-              <a:rPr lang="fr-FR" dirty="0"/>
-              <a:t>: size of the dataset</a:t>
+              <a:t>2-d\ Performance - Dimension</a:t>
             </a:r>
           </a:p>
         </p:txBody>
@@ -9638,7 +8725,7 @@
           <p:cNvPr id="3" name="Espace réservé du contenu 2">
             <a:extLst>
               <a:ext uri="{FF2B5EF4-FFF2-40B4-BE49-F238E27FC236}">
-                <a16:creationId xmlns:a16="http://schemas.microsoft.com/office/drawing/2014/main" id="{C6DE6045-02BC-2348-8AFB-0966E75EE185}"/>
+                <a16:creationId xmlns:a16="http://schemas.microsoft.com/office/drawing/2014/main" id="{B8F770AD-FC55-FD4B-B05C-C2B16BC62E93}"/>
               </a:ext>
             </a:extLst>
           </p:cNvPr>
@@ -9651,8 +8738,8 @@
         </p:nvSpPr>
         <p:spPr>
           <a:xfrm>
-            <a:off x="838200" y="1825625"/>
-            <a:ext cx="11197856" cy="4139240"/>
+            <a:off x="973980" y="1825625"/>
+            <a:ext cx="4614020" cy="4667250"/>
           </a:xfrm>
         </p:spPr>
         <p:txBody>
@@ -9661,11 +8748,19 @@
           <a:p>
             <a:r>
               <a:rPr lang="fr-FR" dirty="0"/>
-              <a:t>As </a:t>
+              <a:t>The code of the </a:t>
             </a:r>
             <a:r>
               <a:rPr lang="fr-FR" dirty="0" err="1"/>
-              <a:t>we</a:t>
+              <a:t>paper</a:t>
+            </a:r>
+            <a:r>
+              <a:rPr lang="fr-FR" dirty="0"/>
+              <a:t> uses the k=2 </a:t>
+            </a:r>
+            <a:r>
+              <a:rPr lang="fr-FR" dirty="0" err="1"/>
+              <a:t>smallest</a:t>
             </a:r>
             <a:r>
               <a:rPr lang="fr-FR" dirty="0"/>
@@ -9673,7 +8768,36 @@
             </a:r>
             <a:r>
               <a:rPr lang="fr-FR" dirty="0" err="1"/>
-              <a:t>could</a:t>
+              <a:t>eigenvalues</a:t>
+            </a:r>
+            <a:r>
+              <a:rPr lang="fr-FR" dirty="0"/>
+              <a:t> of the </a:t>
+            </a:r>
+            <a:r>
+              <a:rPr lang="fr-FR" dirty="0" err="1"/>
+              <a:t>Laplacian</a:t>
+            </a:r>
+            <a:r>
+              <a:rPr lang="fr-FR" dirty="0"/>
+              <a:t> by default.</a:t>
+            </a:r>
+          </a:p>
+          <a:p>
+            <a:endParaRPr lang="fr-FR" dirty="0"/>
+          </a:p>
+          <a:p>
+            <a:r>
+              <a:rPr lang="fr-FR" dirty="0" err="1"/>
+              <a:t>Better</a:t>
+            </a:r>
+            <a:r>
+              <a:rPr lang="fr-FR" dirty="0"/>
+              <a:t> performances </a:t>
+            </a:r>
+            <a:r>
+              <a:rPr lang="fr-FR" dirty="0" err="1"/>
+              <a:t>can</a:t>
             </a:r>
             <a:r>
               <a:rPr lang="fr-FR" dirty="0"/>
@@ -9681,23 +8805,7 @@
             </a:r>
             <a:r>
               <a:rPr lang="fr-FR" dirty="0" err="1"/>
-              <a:t>expect</a:t>
-            </a:r>
-            <a:r>
-              <a:rPr lang="fr-FR" dirty="0"/>
-              <a:t>, the </a:t>
-            </a:r>
-            <a:r>
-              <a:rPr lang="fr-FR" dirty="0" err="1"/>
-              <a:t>bigger</a:t>
-            </a:r>
-            <a:r>
-              <a:rPr lang="fr-FR" dirty="0"/>
-              <a:t> the graph, the harder </a:t>
-            </a:r>
-            <a:r>
-              <a:rPr lang="fr-FR" dirty="0" err="1"/>
-              <a:t>it</a:t>
+              <a:t>be</a:t>
             </a:r>
             <a:r>
               <a:rPr lang="fr-FR" dirty="0"/>
@@ -9705,37 +8813,7 @@
             </a:r>
             <a:r>
               <a:rPr lang="fr-FR" dirty="0" err="1"/>
-              <a:t>is</a:t>
-            </a:r>
-            <a:r>
-              <a:rPr lang="fr-FR" dirty="0"/>
-              <a:t> for the model</a:t>
-            </a:r>
-          </a:p>
-          <a:p>
-            <a:r>
-              <a:rPr lang="fr-FR" dirty="0"/>
-              <a:t>The 20 </a:t>
-            </a:r>
-            <a:r>
-              <a:rPr lang="fr-FR" dirty="0" err="1"/>
-              <a:t>epochs</a:t>
-            </a:r>
-            <a:r>
-              <a:rPr lang="fr-FR" dirty="0"/>
-              <a:t> model </a:t>
-            </a:r>
-            <a:r>
-              <a:rPr lang="fr-FR" dirty="0" err="1"/>
-              <a:t>seems</a:t>
-            </a:r>
-            <a:r>
-              <a:rPr lang="fr-FR" dirty="0"/>
-              <a:t> to </a:t>
-            </a:r>
-            <a:r>
-              <a:rPr lang="fr-FR" dirty="0" err="1"/>
-              <a:t>generalize</a:t>
+              <a:t>achieved</a:t>
             </a:r>
             <a:r>
               <a:rPr lang="fr-FR" dirty="0"/>
@@ -9743,603 +8821,138 @@
             </a:r>
             <a:r>
               <a:rPr lang="fr-FR" dirty="0" err="1"/>
-              <a:t>better</a:t>
+              <a:t>with</a:t>
             </a:r>
             <a:r>
               <a:rPr lang="fr-FR" dirty="0"/>
-              <a:t> </a:t>
+              <a:t> k=5 in the long </a:t>
             </a:r>
             <a:r>
               <a:rPr lang="fr-FR" dirty="0" err="1"/>
-              <a:t>than</a:t>
+              <a:t>run</a:t>
             </a:r>
             <a:r>
               <a:rPr lang="fr-FR" dirty="0"/>
-              <a:t> the 80 </a:t>
-            </a:r>
-            <a:r>
-              <a:rPr lang="fr-FR" dirty="0" err="1"/>
-              <a:t>epochs</a:t>
-            </a:r>
-            <a:r>
-              <a:rPr lang="fr-FR" dirty="0"/>
-              <a:t> one</a:t>
-            </a:r>
-          </a:p>
-          <a:p>
-            <a:endParaRPr lang="fr-FR" dirty="0"/>
+              <a:t>. Few changes for k&gt;5.</a:t>
+            </a:r>
           </a:p>
         </p:txBody>
       </p:sp>
-      <p:graphicFrame>
-        <p:nvGraphicFramePr>
-          <p:cNvPr id="4" name="Tableau 4">
+      <p:pic>
+        <p:nvPicPr>
+          <p:cNvPr id="5" name="Image 4">
             <a:extLst>
               <a:ext uri="{FF2B5EF4-FFF2-40B4-BE49-F238E27FC236}">
-                <a16:creationId xmlns:a16="http://schemas.microsoft.com/office/drawing/2014/main" id="{1A187869-5B97-DD49-AF02-EE3E88FBFE72}"/>
+                <a16:creationId xmlns:a16="http://schemas.microsoft.com/office/drawing/2014/main" id="{EB932358-D6CB-054D-836D-517127CF3D28}"/>
               </a:ext>
             </a:extLst>
           </p:cNvPr>
-          <p:cNvGraphicFramePr>
-            <a:graphicFrameLocks noGrp="1"/>
-          </p:cNvGraphicFramePr>
-          <p:nvPr>
-            <p:extLst>
-              <p:ext uri="{D42A27DB-BD31-4B8C-83A1-F6EECF244321}">
-                <p14:modId xmlns:p14="http://schemas.microsoft.com/office/powerpoint/2010/main" val="1441678896"/>
-              </p:ext>
-            </p:extLst>
-          </p:nvPr>
-        </p:nvGraphicFramePr>
-        <p:xfrm>
-          <a:off x="1859812" y="4231870"/>
-          <a:ext cx="9154632" cy="1230530"/>
-        </p:xfrm>
-        <a:graphic>
-          <a:graphicData uri="http://schemas.openxmlformats.org/drawingml/2006/table">
-            <a:tbl>
-              <a:tblPr firstRow="1" bandRow="1">
-                <a:tableStyleId>{F5AB1C69-6EDB-4FF4-983F-18BD219EF322}</a:tableStyleId>
-              </a:tblPr>
-              <a:tblGrid>
-                <a:gridCol w="3051544">
-                  <a:extLst>
-                    <a:ext uri="{9D8B030D-6E8A-4147-A177-3AD203B41FA5}">
-                      <a16:colId xmlns:a16="http://schemas.microsoft.com/office/drawing/2014/main" val="4020513725"/>
-                    </a:ext>
-                  </a:extLst>
-                </a:gridCol>
-                <a:gridCol w="3051544">
-                  <a:extLst>
-                    <a:ext uri="{9D8B030D-6E8A-4147-A177-3AD203B41FA5}">
-                      <a16:colId xmlns:a16="http://schemas.microsoft.com/office/drawing/2014/main" val="2222928987"/>
-                    </a:ext>
-                  </a:extLst>
-                </a:gridCol>
-                <a:gridCol w="3051544">
-                  <a:extLst>
-                    <a:ext uri="{9D8B030D-6E8A-4147-A177-3AD203B41FA5}">
-                      <a16:colId xmlns:a16="http://schemas.microsoft.com/office/drawing/2014/main" val="990616228"/>
-                    </a:ext>
-                  </a:extLst>
-                </a:gridCol>
-              </a:tblGrid>
-              <a:tr h="310465">
-                <a:tc>
-                  <a:txBody>
-                    <a:bodyPr/>
-                    <a:lstStyle/>
-                    <a:p>
-                      <a:pPr algn="ctr">
-                        <a:lnSpc>
-                          <a:spcPct val="100000"/>
-                        </a:lnSpc>
-                      </a:pPr>
-                      <a:r>
-                        <a:rPr lang="en-US" sz="1400" b="0" strike="noStrike" spc="-1" dirty="0">
-                          <a:solidFill>
-                            <a:srgbClr val="000000"/>
-                          </a:solidFill>
-                          <a:uFill>
-                            <a:solidFill>
-                              <a:srgbClr val="FFFFFF"/>
-                            </a:solidFill>
-                          </a:uFill>
-                          <a:latin typeface="Arial"/>
-                          <a:ea typeface="Microsoft YaHei"/>
-                        </a:rPr>
-                        <a:t>Community sizes</a:t>
-                      </a:r>
-                      <a:endParaRPr lang="en-US" sz="1400" b="0" strike="noStrike" spc="-1" dirty="0">
-                        <a:solidFill>
-                          <a:srgbClr val="000000"/>
-                        </a:solidFill>
-                        <a:uFill>
-                          <a:solidFill>
-                            <a:srgbClr val="FFFFFF"/>
-                          </a:solidFill>
-                        </a:uFill>
-                        <a:latin typeface="Arial"/>
-                      </a:endParaRPr>
-                    </a:p>
-                  </a:txBody>
-                  <a:tcPr/>
-                </a:tc>
-                <a:tc>
-                  <a:txBody>
-                    <a:bodyPr/>
-                    <a:lstStyle/>
-                    <a:p>
-                      <a:pPr algn="ctr">
-                        <a:lnSpc>
-                          <a:spcPct val="100000"/>
-                        </a:lnSpc>
-                      </a:pPr>
-                      <a:r>
-                        <a:rPr lang="en-US" sz="1400" b="0" strike="noStrike" spc="-1">
-                          <a:solidFill>
-                            <a:srgbClr val="000000"/>
-                          </a:solidFill>
-                          <a:uFill>
-                            <a:solidFill>
-                              <a:srgbClr val="FFFFFF"/>
-                            </a:solidFill>
-                          </a:uFill>
-                          <a:latin typeface="Arial"/>
-                          <a:ea typeface="Microsoft YaHei"/>
-                        </a:rPr>
-                        <a:t>Model 20 epochs</a:t>
-                      </a:r>
-                      <a:endParaRPr lang="en-US" sz="1400" b="0" strike="noStrike" spc="-1">
-                        <a:solidFill>
-                          <a:srgbClr val="000000"/>
-                        </a:solidFill>
-                        <a:uFill>
-                          <a:solidFill>
-                            <a:srgbClr val="FFFFFF"/>
-                          </a:solidFill>
-                        </a:uFill>
-                        <a:latin typeface="Arial"/>
-                      </a:endParaRPr>
-                    </a:p>
-                  </a:txBody>
-                  <a:tcPr/>
-                </a:tc>
-                <a:tc>
-                  <a:txBody>
-                    <a:bodyPr/>
-                    <a:lstStyle/>
-                    <a:p>
-                      <a:pPr algn="ctr">
-                        <a:lnSpc>
-                          <a:spcPct val="100000"/>
-                        </a:lnSpc>
-                      </a:pPr>
-                      <a:r>
-                        <a:rPr lang="en-US" sz="1400" b="0" strike="noStrike" spc="-1">
-                          <a:solidFill>
-                            <a:srgbClr val="000000"/>
-                          </a:solidFill>
-                          <a:uFill>
-                            <a:solidFill>
-                              <a:srgbClr val="FFFFFF"/>
-                            </a:solidFill>
-                          </a:uFill>
-                          <a:latin typeface="Arial"/>
-                          <a:ea typeface="Microsoft YaHei"/>
-                        </a:rPr>
-                        <a:t>Model 80 epochs</a:t>
-                      </a:r>
-                      <a:endParaRPr lang="en-US" sz="1400" b="0" strike="noStrike" spc="-1">
-                        <a:solidFill>
-                          <a:srgbClr val="000000"/>
-                        </a:solidFill>
-                        <a:uFill>
-                          <a:solidFill>
-                            <a:srgbClr val="FFFFFF"/>
-                          </a:solidFill>
-                        </a:uFill>
-                        <a:latin typeface="Arial"/>
-                      </a:endParaRPr>
-                    </a:p>
-                  </a:txBody>
-                  <a:tcPr/>
-                </a:tc>
-                <a:extLst>
-                  <a:ext uri="{0D108BD9-81ED-4DB2-BD59-A6C34878D82A}">
-                    <a16:rowId xmlns:a16="http://schemas.microsoft.com/office/drawing/2014/main" val="1262750295"/>
-                  </a:ext>
-                </a:extLst>
-              </a:tr>
-              <a:tr h="222196">
-                <a:tc>
-                  <a:txBody>
-                    <a:bodyPr/>
-                    <a:lstStyle/>
-                    <a:p>
-                      <a:pPr algn="ctr">
-                        <a:lnSpc>
-                          <a:spcPct val="100000"/>
-                        </a:lnSpc>
-                      </a:pPr>
-                      <a:r>
-                        <a:rPr lang="en-US" sz="1400" b="0" strike="noStrike" spc="-1">
-                          <a:solidFill>
-                            <a:srgbClr val="000000"/>
-                          </a:solidFill>
-                          <a:uFill>
-                            <a:solidFill>
-                              <a:srgbClr val="FFFFFF"/>
-                            </a:solidFill>
-                          </a:uFill>
-                          <a:latin typeface="Arial"/>
-                          <a:ea typeface="Microsoft YaHei"/>
-                        </a:rPr>
-                        <a:t>Uniform between 5 and 35</a:t>
-                      </a:r>
-                      <a:endParaRPr lang="en-US" sz="1400" b="0" strike="noStrike" spc="-1">
-                        <a:solidFill>
-                          <a:srgbClr val="000000"/>
-                        </a:solidFill>
-                        <a:uFill>
-                          <a:solidFill>
-                            <a:srgbClr val="FFFFFF"/>
-                          </a:solidFill>
-                        </a:uFill>
-                        <a:latin typeface="Arial"/>
-                      </a:endParaRPr>
-                    </a:p>
-                  </a:txBody>
-                  <a:tcPr/>
-                </a:tc>
-                <a:tc>
-                  <a:txBody>
-                    <a:bodyPr/>
-                    <a:lstStyle/>
-                    <a:p>
-                      <a:pPr algn="ctr">
-                        <a:lnSpc>
-                          <a:spcPct val="100000"/>
-                        </a:lnSpc>
-                      </a:pPr>
-                      <a:r>
-                        <a:rPr lang="en-US" sz="1400" b="0" strike="noStrike" spc="-1" dirty="0">
-                          <a:solidFill>
-                            <a:srgbClr val="000000"/>
-                          </a:solidFill>
-                          <a:uFill>
-                            <a:solidFill>
-                              <a:srgbClr val="FFFFFF"/>
-                            </a:solidFill>
-                          </a:uFill>
-                          <a:latin typeface="Arial"/>
-                          <a:ea typeface="Microsoft YaHei"/>
-                        </a:rPr>
-                        <a:t>83.2934</a:t>
-                      </a:r>
-                      <a:endParaRPr lang="en-US" sz="1400" b="0" strike="noStrike" spc="-1" dirty="0">
-                        <a:solidFill>
-                          <a:srgbClr val="000000"/>
-                        </a:solidFill>
-                        <a:uFill>
-                          <a:solidFill>
-                            <a:srgbClr val="FFFFFF"/>
-                          </a:solidFill>
-                        </a:uFill>
-                        <a:latin typeface="Arial"/>
-                      </a:endParaRPr>
-                    </a:p>
-                  </a:txBody>
-                  <a:tcPr/>
-                </a:tc>
-                <a:tc>
-                  <a:txBody>
-                    <a:bodyPr/>
-                    <a:lstStyle/>
-                    <a:p>
-                      <a:pPr algn="ctr">
-                        <a:lnSpc>
-                          <a:spcPct val="100000"/>
-                        </a:lnSpc>
-                      </a:pPr>
-                      <a:r>
-                        <a:rPr lang="en-US" sz="1400" b="0" strike="noStrike" spc="-1">
-                          <a:solidFill>
-                            <a:srgbClr val="000000"/>
-                          </a:solidFill>
-                          <a:uFill>
-                            <a:solidFill>
-                              <a:srgbClr val="FFFFFF"/>
-                            </a:solidFill>
-                          </a:uFill>
-                          <a:latin typeface="Arial"/>
-                          <a:ea typeface="Microsoft YaHei"/>
-                        </a:rPr>
-                        <a:t>84.7762</a:t>
-                      </a:r>
-                      <a:endParaRPr lang="en-US" sz="1400" b="0" strike="noStrike" spc="-1">
-                        <a:solidFill>
-                          <a:srgbClr val="000000"/>
-                        </a:solidFill>
-                        <a:uFill>
-                          <a:solidFill>
-                            <a:srgbClr val="FFFFFF"/>
-                          </a:solidFill>
-                        </a:uFill>
-                        <a:latin typeface="Arial"/>
-                      </a:endParaRPr>
-                    </a:p>
-                  </a:txBody>
-                  <a:tcPr/>
-                </a:tc>
-                <a:extLst>
-                  <a:ext uri="{0D108BD9-81ED-4DB2-BD59-A6C34878D82A}">
-                    <a16:rowId xmlns:a16="http://schemas.microsoft.com/office/drawing/2014/main" val="2183973536"/>
-                  </a:ext>
-                </a:extLst>
-              </a:tr>
-              <a:tr h="222196">
-                <a:tc>
-                  <a:txBody>
-                    <a:bodyPr/>
-                    <a:lstStyle/>
-                    <a:p>
-                      <a:pPr algn="ctr">
-                        <a:lnSpc>
-                          <a:spcPct val="100000"/>
-                        </a:lnSpc>
-                      </a:pPr>
-                      <a:r>
-                        <a:rPr lang="en-US" sz="1400" b="0" strike="noStrike" spc="-1">
-                          <a:solidFill>
-                            <a:srgbClr val="000000"/>
-                          </a:solidFill>
-                          <a:uFill>
-                            <a:solidFill>
-                              <a:srgbClr val="FFFFFF"/>
-                            </a:solidFill>
-                          </a:uFill>
-                          <a:latin typeface="Arial"/>
-                          <a:ea typeface="Microsoft YaHei"/>
-                        </a:rPr>
-                        <a:t>Uniform between 35 and 65</a:t>
-                      </a:r>
-                      <a:endParaRPr lang="en-US" sz="1400" b="0" strike="noStrike" spc="-1">
-                        <a:solidFill>
-                          <a:srgbClr val="000000"/>
-                        </a:solidFill>
-                        <a:uFill>
-                          <a:solidFill>
-                            <a:srgbClr val="FFFFFF"/>
-                          </a:solidFill>
-                        </a:uFill>
-                        <a:latin typeface="Arial"/>
-                      </a:endParaRPr>
-                    </a:p>
-                  </a:txBody>
-                  <a:tcPr/>
-                </a:tc>
-                <a:tc>
-                  <a:txBody>
-                    <a:bodyPr/>
-                    <a:lstStyle/>
-                    <a:p>
-                      <a:pPr algn="ctr">
-                        <a:lnSpc>
-                          <a:spcPct val="100000"/>
-                        </a:lnSpc>
-                      </a:pPr>
-                      <a:r>
-                        <a:rPr lang="en-US" sz="1400" b="0" strike="noStrike" spc="-1" dirty="0">
-                          <a:solidFill>
-                            <a:srgbClr val="000000"/>
-                          </a:solidFill>
-                          <a:uFill>
-                            <a:solidFill>
-                              <a:srgbClr val="FFFFFF"/>
-                            </a:solidFill>
-                          </a:uFill>
-                          <a:latin typeface="Arial"/>
-                          <a:ea typeface="Microsoft YaHei"/>
-                        </a:rPr>
-                        <a:t>68.4562</a:t>
-                      </a:r>
-                      <a:endParaRPr lang="en-US" sz="1400" b="0" strike="noStrike" spc="-1" dirty="0">
-                        <a:solidFill>
-                          <a:srgbClr val="000000"/>
-                        </a:solidFill>
-                        <a:uFill>
-                          <a:solidFill>
-                            <a:srgbClr val="FFFFFF"/>
-                          </a:solidFill>
-                        </a:uFill>
-                        <a:latin typeface="Arial"/>
-                      </a:endParaRPr>
-                    </a:p>
-                  </a:txBody>
-                  <a:tcPr/>
-                </a:tc>
-                <a:tc>
-                  <a:txBody>
-                    <a:bodyPr/>
-                    <a:lstStyle/>
-                    <a:p>
-                      <a:pPr algn="ctr">
-                        <a:lnSpc>
-                          <a:spcPct val="100000"/>
-                        </a:lnSpc>
-                      </a:pPr>
-                      <a:r>
-                        <a:rPr lang="en-US" sz="1400" b="0" strike="noStrike" spc="-1" dirty="0">
-                          <a:solidFill>
-                            <a:srgbClr val="000000"/>
-                          </a:solidFill>
-                          <a:uFill>
-                            <a:solidFill>
-                              <a:srgbClr val="FFFFFF"/>
-                            </a:solidFill>
-                          </a:uFill>
-                          <a:latin typeface="Arial"/>
-                          <a:ea typeface="Microsoft YaHei"/>
-                        </a:rPr>
-                        <a:t>65.9456</a:t>
-                      </a:r>
-                      <a:endParaRPr lang="en-US" sz="1400" b="0" strike="noStrike" spc="-1" dirty="0">
-                        <a:solidFill>
-                          <a:srgbClr val="000000"/>
-                        </a:solidFill>
-                        <a:uFill>
-                          <a:solidFill>
-                            <a:srgbClr val="FFFFFF"/>
-                          </a:solidFill>
-                        </a:uFill>
-                        <a:latin typeface="Arial"/>
-                      </a:endParaRPr>
-                    </a:p>
-                  </a:txBody>
-                  <a:tcPr/>
-                </a:tc>
-                <a:extLst>
-                  <a:ext uri="{0D108BD9-81ED-4DB2-BD59-A6C34878D82A}">
-                    <a16:rowId xmlns:a16="http://schemas.microsoft.com/office/drawing/2014/main" val="2273790400"/>
-                  </a:ext>
-                </a:extLst>
-              </a:tr>
-              <a:tr h="310465">
-                <a:tc>
-                  <a:txBody>
-                    <a:bodyPr/>
-                    <a:lstStyle/>
-                    <a:p>
-                      <a:pPr algn="ctr">
-                        <a:lnSpc>
-                          <a:spcPct val="100000"/>
-                        </a:lnSpc>
-                      </a:pPr>
-                      <a:r>
-                        <a:rPr lang="en-US" sz="1400" b="0" strike="noStrike" spc="-1">
-                          <a:solidFill>
-                            <a:srgbClr val="000000"/>
-                          </a:solidFill>
-                          <a:uFill>
-                            <a:solidFill>
-                              <a:srgbClr val="FFFFFF"/>
-                            </a:solidFill>
-                          </a:uFill>
-                          <a:latin typeface="Arial"/>
-                          <a:ea typeface="Microsoft YaHei"/>
-                        </a:rPr>
-                        <a:t>Uniform between 65 and 95</a:t>
-                      </a:r>
-                      <a:endParaRPr lang="en-US" sz="1400" b="0" strike="noStrike" spc="-1">
-                        <a:solidFill>
-                          <a:srgbClr val="000000"/>
-                        </a:solidFill>
-                        <a:uFill>
-                          <a:solidFill>
-                            <a:srgbClr val="FFFFFF"/>
-                          </a:solidFill>
-                        </a:uFill>
-                        <a:latin typeface="Arial"/>
-                      </a:endParaRPr>
-                    </a:p>
-                  </a:txBody>
-                  <a:tcPr/>
-                </a:tc>
-                <a:tc>
-                  <a:txBody>
-                    <a:bodyPr/>
-                    <a:lstStyle/>
-                    <a:p>
-                      <a:pPr algn="ctr">
-                        <a:lnSpc>
-                          <a:spcPct val="100000"/>
-                        </a:lnSpc>
-                      </a:pPr>
-                      <a:r>
-                        <a:rPr lang="en-US" sz="1400" b="0" strike="noStrike" spc="-1">
-                          <a:solidFill>
-                            <a:srgbClr val="000000"/>
-                          </a:solidFill>
-                          <a:uFill>
-                            <a:solidFill>
-                              <a:srgbClr val="FFFFFF"/>
-                            </a:solidFill>
-                          </a:uFill>
-                          <a:latin typeface="Arial"/>
-                          <a:ea typeface="Microsoft YaHei"/>
-                        </a:rPr>
-                        <a:t>39.8145</a:t>
-                      </a:r>
-                      <a:endParaRPr lang="en-US" sz="1400" b="0" strike="noStrike" spc="-1">
-                        <a:solidFill>
-                          <a:srgbClr val="000000"/>
-                        </a:solidFill>
-                        <a:uFill>
-                          <a:solidFill>
-                            <a:srgbClr val="FFFFFF"/>
-                          </a:solidFill>
-                        </a:uFill>
-                        <a:latin typeface="Arial"/>
-                      </a:endParaRPr>
-                    </a:p>
-                  </a:txBody>
-                  <a:tcPr/>
-                </a:tc>
-                <a:tc>
-                  <a:txBody>
-                    <a:bodyPr/>
-                    <a:lstStyle/>
-                    <a:p>
-                      <a:pPr algn="ctr">
-                        <a:lnSpc>
-                          <a:spcPct val="100000"/>
-                        </a:lnSpc>
-                      </a:pPr>
-                      <a:r>
-                        <a:rPr lang="en-US" sz="1400" b="0" strike="noStrike" spc="-1" dirty="0">
-                          <a:solidFill>
-                            <a:srgbClr val="000000"/>
-                          </a:solidFill>
-                          <a:uFill>
-                            <a:solidFill>
-                              <a:srgbClr val="FFFFFF"/>
-                            </a:solidFill>
-                          </a:uFill>
-                          <a:latin typeface="Arial"/>
-                          <a:ea typeface="Microsoft YaHei"/>
-                        </a:rPr>
-                        <a:t>33.6427</a:t>
-                      </a:r>
-                      <a:endParaRPr lang="en-US" sz="1400" b="0" strike="noStrike" spc="-1" dirty="0">
-                        <a:solidFill>
-                          <a:srgbClr val="000000"/>
-                        </a:solidFill>
-                        <a:uFill>
-                          <a:solidFill>
-                            <a:srgbClr val="FFFFFF"/>
-                          </a:solidFill>
-                        </a:uFill>
-                        <a:latin typeface="Arial"/>
-                      </a:endParaRPr>
-                    </a:p>
-                  </a:txBody>
-                  <a:tcPr/>
-                </a:tc>
-                <a:extLst>
-                  <a:ext uri="{0D108BD9-81ED-4DB2-BD59-A6C34878D82A}">
-                    <a16:rowId xmlns:a16="http://schemas.microsoft.com/office/drawing/2014/main" val="122061462"/>
-                  </a:ext>
-                </a:extLst>
-              </a:tr>
-            </a:tbl>
-          </a:graphicData>
-        </a:graphic>
-      </p:graphicFrame>
+          <p:cNvPicPr>
+            <a:picLocks noChangeAspect="1"/>
+          </p:cNvPicPr>
+          <p:nvPr/>
+        </p:nvPicPr>
+        <p:blipFill>
+          <a:blip r:embed="rId2"/>
+          <a:stretch>
+            <a:fillRect/>
+          </a:stretch>
+        </p:blipFill>
+        <p:spPr>
+          <a:xfrm>
+            <a:off x="5759173" y="1460500"/>
+            <a:ext cx="5458847" cy="5032375"/>
+          </a:xfrm>
+          <a:prstGeom prst="rect">
+            <a:avLst/>
+          </a:prstGeom>
+        </p:spPr>
+      </p:pic>
+      <p:grpSp>
+        <p:nvGrpSpPr>
+          <p:cNvPr id="13" name="Groupe 12">
+            <a:extLst>
+              <a:ext uri="{FF2B5EF4-FFF2-40B4-BE49-F238E27FC236}">
+                <a16:creationId xmlns:a16="http://schemas.microsoft.com/office/drawing/2014/main" id="{E87491B3-B824-BB44-A829-10664F43BBE5}"/>
+              </a:ext>
+            </a:extLst>
+          </p:cNvPr>
+          <p:cNvGrpSpPr/>
+          <p:nvPr/>
+        </p:nvGrpSpPr>
+        <p:grpSpPr>
+          <a:xfrm>
+            <a:off x="8847703" y="1825625"/>
+            <a:ext cx="2641877" cy="1325563"/>
+            <a:chOff x="4298950" y="3079750"/>
+            <a:chExt cx="3594100" cy="1803400"/>
+          </a:xfrm>
+        </p:grpSpPr>
+        <p:pic>
+          <p:nvPicPr>
+            <p:cNvPr id="8" name="Image 7" descr="Une image contenant texte&#10;&#10;Description générée automatiquement">
+              <a:extLst>
+                <a:ext uri="{FF2B5EF4-FFF2-40B4-BE49-F238E27FC236}">
+                  <a16:creationId xmlns:a16="http://schemas.microsoft.com/office/drawing/2014/main" id="{B26AD779-0DE1-304F-A793-B69087EE1B58}"/>
+                </a:ext>
+              </a:extLst>
+            </p:cNvPr>
+            <p:cNvPicPr>
+              <a:picLocks noChangeAspect="1"/>
+            </p:cNvPicPr>
+            <p:nvPr/>
+          </p:nvPicPr>
+          <p:blipFill>
+            <a:blip r:embed="rId3"/>
+            <a:stretch>
+              <a:fillRect/>
+            </a:stretch>
+          </p:blipFill>
+          <p:spPr>
+            <a:xfrm>
+              <a:off x="4298950" y="3079750"/>
+              <a:ext cx="3594100" cy="698500"/>
+            </a:xfrm>
+            <a:prstGeom prst="rect">
+              <a:avLst/>
+            </a:prstGeom>
+          </p:spPr>
+        </p:pic>
+        <p:pic>
+          <p:nvPicPr>
+            <p:cNvPr id="12" name="Image 11" descr="Une image contenant texte&#10;&#10;Description générée automatiquement">
+              <a:extLst>
+                <a:ext uri="{FF2B5EF4-FFF2-40B4-BE49-F238E27FC236}">
+                  <a16:creationId xmlns:a16="http://schemas.microsoft.com/office/drawing/2014/main" id="{FB482E98-0B2F-FE4E-BB0C-8BE40F8E838D}"/>
+                </a:ext>
+              </a:extLst>
+            </p:cNvPr>
+            <p:cNvPicPr>
+              <a:picLocks noChangeAspect="1"/>
+            </p:cNvPicPr>
+            <p:nvPr/>
+          </p:nvPicPr>
+          <p:blipFill>
+            <a:blip r:embed="rId4"/>
+            <a:stretch>
+              <a:fillRect/>
+            </a:stretch>
+          </p:blipFill>
+          <p:spPr>
+            <a:xfrm>
+              <a:off x="4298950" y="3778250"/>
+              <a:ext cx="3594100" cy="1104900"/>
+            </a:xfrm>
+            <a:prstGeom prst="rect">
+              <a:avLst/>
+            </a:prstGeom>
+          </p:spPr>
+        </p:pic>
+      </p:grpSp>
     </p:spTree>
     <p:extLst>
       <p:ext uri="{BB962C8B-B14F-4D97-AF65-F5344CB8AC3E}">
-        <p14:creationId xmlns:p14="http://schemas.microsoft.com/office/powerpoint/2010/main" val="827653993"/>
+        <p14:creationId xmlns:p14="http://schemas.microsoft.com/office/powerpoint/2010/main" val="310801132"/>
       </p:ext>
     </p:extLst>
   </p:cSld>
@@ -10464,7 +9077,7 @@
           <a:p>
             <a:r>
               <a:rPr lang="fr-FR" dirty="0"/>
-              <a:t>Plan de la présentation</a:t>
+              <a:t>Content</a:t>
             </a:r>
           </a:p>
         </p:txBody>
@@ -10502,8 +9115,126 @@
               <a:buAutoNum type="arabicPeriod"/>
             </a:pPr>
             <a:r>
+              <a:rPr lang="fr-FR" sz="2600" dirty="0">
+                <a:solidFill>
+                  <a:srgbClr val="194D6F"/>
+                </a:solidFill>
+                <a:latin typeface="Gill Sans MT" panose="020B0502020104020203" pitchFamily="34" charset="77"/>
+                <a:ea typeface="+mj-ea"/>
+                <a:cs typeface="+mj-cs"/>
+              </a:rPr>
+              <a:t>Introduction</a:t>
+            </a:r>
+          </a:p>
+          <a:p>
+            <a:pPr marL="514350" indent="-514350">
+              <a:buFont typeface="+mj-lt"/>
+              <a:buAutoNum type="arabicPeriod"/>
+            </a:pPr>
+            <a:r>
+              <a:rPr lang="fr-FR" sz="2600" dirty="0">
+                <a:solidFill>
+                  <a:srgbClr val="194D6F"/>
+                </a:solidFill>
+                <a:latin typeface="Gill Sans MT" panose="020B0502020104020203" pitchFamily="34" charset="77"/>
+                <a:ea typeface="+mj-ea"/>
+                <a:cs typeface="+mj-cs"/>
+              </a:rPr>
+              <a:t>First discussion: </a:t>
+            </a:r>
+            <a:r>
+              <a:rPr lang="fr-FR" sz="2600" dirty="0" err="1">
+                <a:solidFill>
+                  <a:srgbClr val="194D6F"/>
+                </a:solidFill>
+                <a:latin typeface="Gill Sans MT" panose="020B0502020104020203" pitchFamily="34" charset="77"/>
+                <a:ea typeface="+mj-ea"/>
+                <a:cs typeface="+mj-cs"/>
+              </a:rPr>
+              <a:t>stability</a:t>
+            </a:r>
+            <a:r>
+              <a:rPr lang="fr-FR" sz="2600" dirty="0">
+                <a:solidFill>
+                  <a:srgbClr val="194D6F"/>
+                </a:solidFill>
+                <a:latin typeface="Gill Sans MT" panose="020B0502020104020203" pitchFamily="34" charset="77"/>
+                <a:ea typeface="+mj-ea"/>
+                <a:cs typeface="+mj-cs"/>
+              </a:rPr>
+              <a:t>: </a:t>
+            </a:r>
+            <a:r>
+              <a:rPr lang="fr-FR" sz="2600" dirty="0" err="1">
+                <a:solidFill>
+                  <a:srgbClr val="194D6F"/>
+                </a:solidFill>
+                <a:latin typeface="Gill Sans MT" panose="020B0502020104020203" pitchFamily="34" charset="77"/>
+                <a:ea typeface="+mj-ea"/>
+                <a:cs typeface="+mj-cs"/>
+              </a:rPr>
+              <a:t>modify</a:t>
+            </a:r>
+            <a:r>
+              <a:rPr lang="fr-FR" sz="2600" dirty="0">
+                <a:solidFill>
+                  <a:srgbClr val="194D6F"/>
+                </a:solidFill>
+                <a:latin typeface="Gill Sans MT" panose="020B0502020104020203" pitchFamily="34" charset="77"/>
+                <a:ea typeface="+mj-ea"/>
+                <a:cs typeface="+mj-cs"/>
+              </a:rPr>
+              <a:t> the dataset:</a:t>
+            </a:r>
+          </a:p>
+          <a:p>
+            <a:pPr marL="971550" lvl="1" indent="-514350">
+              <a:buFont typeface="+mj-lt"/>
+              <a:buAutoNum type="alphaLcParenR"/>
+            </a:pPr>
+            <a:r>
+              <a:rPr lang="fr-FR" dirty="0" err="1"/>
+              <a:t>Presentation</a:t>
+            </a:r>
+            <a:r>
               <a:rPr lang="fr-FR" dirty="0"/>
-              <a:t>Introduction</a:t>
+              <a:t> of the dataset</a:t>
+            </a:r>
+          </a:p>
+          <a:p>
+            <a:pPr marL="971550" lvl="1" indent="-514350">
+              <a:buFont typeface="+mj-lt"/>
+              <a:buAutoNum type="alphaLcParenR"/>
+            </a:pPr>
+            <a:r>
+              <a:rPr lang="fr-FR" dirty="0" err="1"/>
+              <a:t>Changing</a:t>
+            </a:r>
+            <a:r>
+              <a:rPr lang="fr-FR" dirty="0"/>
+              <a:t> the </a:t>
+            </a:r>
+            <a:r>
+              <a:rPr lang="fr-FR" dirty="0" err="1"/>
+              <a:t>probability</a:t>
+            </a:r>
+            <a:r>
+              <a:rPr lang="fr-FR" dirty="0"/>
+              <a:t> q</a:t>
+            </a:r>
+          </a:p>
+          <a:p>
+            <a:pPr marL="971550" lvl="1" indent="-514350">
+              <a:buFont typeface="+mj-lt"/>
+              <a:buAutoNum type="alphaLcParenR"/>
+            </a:pPr>
+            <a:r>
+              <a:rPr lang="fr-FR" dirty="0" err="1"/>
+              <a:t>Changind</a:t>
+            </a:r>
+            <a:r>
+              <a:rPr lang="fr-FR" dirty="0"/>
+              <a:t> the size of the dataset</a:t>
             </a:r>
           </a:p>
           <a:p>
@@ -10519,22 +9250,57 @@
               <a:buAutoNum type="arabicPeriod"/>
             </a:pPr>
             <a:r>
-              <a:rPr lang="fr-FR" dirty="0"/>
-              <a:t>First discussion: performance: </a:t>
-            </a:r>
-            <a:r>
-              <a:rPr lang="fr-FR" dirty="0" err="1"/>
+              <a:rPr lang="fr-FR" sz="2600" dirty="0">
+                <a:solidFill>
+                  <a:srgbClr val="194D6F"/>
+                </a:solidFill>
+                <a:latin typeface="Gill Sans MT" panose="020B0502020104020203" pitchFamily="34" charset="77"/>
+                <a:ea typeface="+mj-ea"/>
+                <a:cs typeface="+mj-cs"/>
+              </a:rPr>
+              <a:t>Second discussion: performance: </a:t>
+            </a:r>
+            <a:r>
+              <a:rPr lang="fr-FR" sz="2600" dirty="0" err="1">
+                <a:solidFill>
+                  <a:srgbClr val="194D6F"/>
+                </a:solidFill>
+                <a:latin typeface="Gill Sans MT" panose="020B0502020104020203" pitchFamily="34" charset="77"/>
+                <a:ea typeface="+mj-ea"/>
+                <a:cs typeface="+mj-cs"/>
+              </a:rPr>
               <a:t>modify</a:t>
             </a:r>
             <a:r>
-              <a:rPr lang="fr-FR" dirty="0"/>
+              <a:rPr lang="fr-FR" sz="2600" dirty="0">
+                <a:solidFill>
+                  <a:srgbClr val="194D6F"/>
+                </a:solidFill>
+                <a:latin typeface="Gill Sans MT" panose="020B0502020104020203" pitchFamily="34" charset="77"/>
+                <a:ea typeface="+mj-ea"/>
+                <a:cs typeface="+mj-cs"/>
+              </a:rPr>
               <a:t> </a:t>
             </a:r>
             <a:r>
-              <a:rPr lang="fr-FR" dirty="0" err="1"/>
+              <a:rPr lang="fr-FR" sz="2600" dirty="0" err="1">
+                <a:solidFill>
+                  <a:srgbClr val="194D6F"/>
+                </a:solidFill>
+                <a:latin typeface="Gill Sans MT" panose="020B0502020104020203" pitchFamily="34" charset="77"/>
+                <a:ea typeface="+mj-ea"/>
+                <a:cs typeface="+mj-cs"/>
+              </a:rPr>
               <a:t>lap_pos_enc</a:t>
             </a:r>
-            <a:endParaRPr lang="fr-FR" dirty="0"/>
+            <a:endParaRPr lang="fr-FR" sz="2600" dirty="0">
+              <a:solidFill>
+                <a:srgbClr val="194D6F"/>
+              </a:solidFill>
+              <a:latin typeface="Gill Sans MT" panose="020B0502020104020203" pitchFamily="34" charset="77"/>
+              <a:ea typeface="+mj-ea"/>
+              <a:cs typeface="+mj-cs"/>
+            </a:endParaRPr>
           </a:p>
           <a:p>
             <a:pPr marL="971550" lvl="1" indent="-514350">
@@ -10632,86 +9398,6 @@
               <a:buAutoNum type="arabicPeriod"/>
             </a:pPr>
             <a:endParaRPr lang="fr-FR" sz="500" dirty="0"/>
-          </a:p>
-          <a:p>
-            <a:pPr marL="514350" indent="-514350">
-              <a:buFont typeface="+mj-lt"/>
-              <a:buAutoNum type="arabicPeriod"/>
-            </a:pPr>
-            <a:r>
-              <a:rPr lang="fr-FR" dirty="0"/>
-              <a:t>Second discussion: </a:t>
-            </a:r>
-            <a:r>
-              <a:rPr lang="fr-FR" dirty="0" err="1"/>
-              <a:t>stability</a:t>
-            </a:r>
-            <a:r>
-              <a:rPr lang="fr-FR" dirty="0"/>
-              <a:t>: </a:t>
-            </a:r>
-            <a:r>
-              <a:rPr lang="fr-FR" dirty="0" err="1"/>
-              <a:t>modify</a:t>
-            </a:r>
-            <a:r>
-              <a:rPr lang="fr-FR"/>
-              <a:t> the </a:t>
-            </a:r>
-            <a:r>
-              <a:rPr lang="fr-FR" dirty="0"/>
-              <a:t>dataset:</a:t>
-            </a:r>
-          </a:p>
-          <a:p>
-            <a:pPr marL="971550" lvl="1" indent="-514350">
-              <a:buFont typeface="+mj-lt"/>
-              <a:buAutoNum type="alphaLcParenR"/>
-            </a:pPr>
-            <a:r>
-              <a:rPr lang="fr-FR" dirty="0" err="1"/>
-              <a:t>Presentation</a:t>
-            </a:r>
-            <a:r>
-              <a:rPr lang="fr-FR" dirty="0"/>
-              <a:t> of the dataset</a:t>
-            </a:r>
-          </a:p>
-          <a:p>
-            <a:pPr marL="971550" lvl="1" indent="-514350">
-              <a:buFont typeface="+mj-lt"/>
-              <a:buAutoNum type="alphaLcParenR"/>
-            </a:pPr>
-            <a:r>
-              <a:rPr lang="fr-FR" dirty="0" err="1"/>
-              <a:t>Changing</a:t>
-            </a:r>
-            <a:r>
-              <a:rPr lang="fr-FR" dirty="0"/>
-              <a:t> the </a:t>
-            </a:r>
-            <a:r>
-              <a:rPr lang="fr-FR" dirty="0" err="1"/>
-              <a:t>probability</a:t>
-            </a:r>
-            <a:r>
-              <a:rPr lang="fr-FR" dirty="0"/>
-              <a:t> q</a:t>
-            </a:r>
-          </a:p>
-          <a:p>
-            <a:pPr marL="971550" lvl="1" indent="-514350">
-              <a:buFont typeface="+mj-lt"/>
-              <a:buAutoNum type="alphaLcParenR"/>
-            </a:pPr>
-            <a:r>
-              <a:rPr lang="fr-FR" dirty="0" err="1"/>
-              <a:t>Changind</a:t>
-            </a:r>
-            <a:r>
-              <a:rPr lang="fr-FR" dirty="0"/>
-              <a:t> the size of the dataset</a:t>
-            </a:r>
           </a:p>
         </p:txBody>
       </p:sp>
@@ -11505,6 +10191,1882 @@
           <a:chExt cx="0" cy="0"/>
         </a:xfrm>
       </p:grpSpPr>
+      <p:sp>
+        <p:nvSpPr>
+          <p:cNvPr id="2" name="Titre 1">
+            <a:extLst>
+              <a:ext uri="{FF2B5EF4-FFF2-40B4-BE49-F238E27FC236}">
+                <a16:creationId xmlns:a16="http://schemas.microsoft.com/office/drawing/2014/main" id="{7E10E802-CE33-B64F-9D81-609DD55D7CC1}"/>
+              </a:ext>
+            </a:extLst>
+          </p:cNvPr>
+          <p:cNvSpPr>
+            <a:spLocks noGrp="1"/>
+          </p:cNvSpPr>
+          <p:nvPr>
+            <p:ph type="title"/>
+          </p:nvPr>
+        </p:nvSpPr>
+        <p:spPr/>
+        <p:txBody>
+          <a:bodyPr/>
+          <a:lstStyle/>
+          <a:p>
+            <a:r>
+              <a:rPr lang="fr-FR" dirty="0"/>
+              <a:t>1-a\ </a:t>
+            </a:r>
+            <a:r>
+              <a:rPr lang="fr-FR" dirty="0" err="1"/>
+              <a:t>Stability</a:t>
+            </a:r>
+            <a:r>
+              <a:rPr lang="fr-FR" dirty="0"/>
+              <a:t>: the PATTERN dataset</a:t>
+            </a:r>
+          </a:p>
+        </p:txBody>
+      </p:sp>
+      <p:sp>
+        <p:nvSpPr>
+          <p:cNvPr id="3" name="Espace réservé du contenu 2">
+            <a:extLst>
+              <a:ext uri="{FF2B5EF4-FFF2-40B4-BE49-F238E27FC236}">
+                <a16:creationId xmlns:a16="http://schemas.microsoft.com/office/drawing/2014/main" id="{E68498BF-A3EE-4D46-89BA-796AFCFC11A9}"/>
+              </a:ext>
+            </a:extLst>
+          </p:cNvPr>
+          <p:cNvSpPr>
+            <a:spLocks noGrp="1"/>
+          </p:cNvSpPr>
+          <p:nvPr>
+            <p:ph idx="1"/>
+          </p:nvPr>
+        </p:nvSpPr>
+        <p:spPr>
+          <a:xfrm>
+            <a:off x="838200" y="1825626"/>
+            <a:ext cx="6593958" cy="2119054"/>
+          </a:xfrm>
+        </p:spPr>
+        <p:txBody>
+          <a:bodyPr>
+            <a:normAutofit fontScale="77500" lnSpcReduction="20000"/>
+          </a:bodyPr>
+          <a:lstStyle/>
+          <a:p>
+            <a:r>
+              <a:rPr lang="fr-FR" dirty="0"/>
+              <a:t>5 </a:t>
+            </a:r>
+            <a:r>
+              <a:rPr lang="fr-FR" dirty="0" err="1"/>
+              <a:t>communities</a:t>
+            </a:r>
+            <a:r>
+              <a:rPr lang="fr-FR" dirty="0"/>
+              <a:t> are </a:t>
+            </a:r>
+            <a:r>
+              <a:rPr lang="fr-FR" dirty="0" err="1"/>
+              <a:t>generated</a:t>
+            </a:r>
+            <a:r>
+              <a:rPr lang="fr-FR" dirty="0"/>
+              <a:t> </a:t>
+            </a:r>
+            <a:r>
+              <a:rPr lang="fr-FR" dirty="0" err="1"/>
+              <a:t>with</a:t>
+            </a:r>
+            <a:r>
+              <a:rPr lang="fr-FR" dirty="0"/>
+              <a:t> the </a:t>
+            </a:r>
+            <a:r>
+              <a:rPr lang="fr-FR" dirty="0" err="1"/>
+              <a:t>same</a:t>
+            </a:r>
+            <a:r>
+              <a:rPr lang="fr-FR" dirty="0"/>
+              <a:t> </a:t>
+            </a:r>
+            <a:r>
+              <a:rPr lang="fr-FR" dirty="0" err="1"/>
+              <a:t>probabilities</a:t>
+            </a:r>
+            <a:r>
+              <a:rPr lang="fr-FR" dirty="0"/>
+              <a:t> for </a:t>
+            </a:r>
+            <a:r>
+              <a:rPr lang="fr-FR" dirty="0" err="1"/>
+              <a:t>each</a:t>
+            </a:r>
+            <a:r>
+              <a:rPr lang="fr-FR" dirty="0"/>
+              <a:t> block</a:t>
+            </a:r>
+          </a:p>
+          <a:p>
+            <a:r>
+              <a:rPr lang="fr-FR" dirty="0" err="1"/>
+              <a:t>We</a:t>
+            </a:r>
+            <a:r>
+              <a:rPr lang="fr-FR" dirty="0"/>
+              <a:t> </a:t>
+            </a:r>
+            <a:r>
+              <a:rPr lang="fr-FR" dirty="0" err="1"/>
+              <a:t>add</a:t>
+            </a:r>
+            <a:r>
+              <a:rPr lang="fr-FR" dirty="0"/>
+              <a:t> a 6th </a:t>
+            </a:r>
+            <a:r>
+              <a:rPr lang="fr-FR" dirty="0" err="1"/>
+              <a:t>community</a:t>
+            </a:r>
+            <a:r>
+              <a:rPr lang="fr-FR" dirty="0"/>
+              <a:t> </a:t>
+            </a:r>
+            <a:r>
+              <a:rPr lang="fr-FR" dirty="0" err="1"/>
+              <a:t>with</a:t>
+            </a:r>
+            <a:r>
+              <a:rPr lang="fr-FR" dirty="0"/>
+              <a:t> a </a:t>
+            </a:r>
+            <a:r>
+              <a:rPr lang="fr-FR" dirty="0" err="1"/>
+              <a:t>different</a:t>
+            </a:r>
+            <a:r>
+              <a:rPr lang="fr-FR" dirty="0"/>
+              <a:t> extra-</a:t>
+            </a:r>
+            <a:r>
+              <a:rPr lang="fr-FR" dirty="0" err="1"/>
+              <a:t>link</a:t>
+            </a:r>
+            <a:r>
+              <a:rPr lang="fr-FR" dirty="0"/>
+              <a:t> </a:t>
+            </a:r>
+            <a:r>
+              <a:rPr lang="fr-FR" dirty="0" err="1"/>
+              <a:t>probability</a:t>
+            </a:r>
+            <a:endParaRPr lang="fr-FR" dirty="0"/>
+          </a:p>
+          <a:p>
+            <a:r>
+              <a:rPr lang="fr-FR" dirty="0" err="1"/>
+              <a:t>Communities</a:t>
+            </a:r>
+            <a:r>
+              <a:rPr lang="fr-FR" dirty="0"/>
+              <a:t>’ </a:t>
+            </a:r>
+            <a:r>
+              <a:rPr lang="fr-FR" dirty="0" err="1"/>
+              <a:t>average</a:t>
+            </a:r>
+            <a:r>
+              <a:rPr lang="fr-FR" dirty="0"/>
+              <a:t> size </a:t>
+            </a:r>
+            <a:r>
+              <a:rPr lang="fr-FR" dirty="0" err="1"/>
+              <a:t>is</a:t>
+            </a:r>
+            <a:r>
+              <a:rPr lang="fr-FR" dirty="0"/>
+              <a:t> 20</a:t>
+            </a:r>
+          </a:p>
+          <a:p>
+            <a:r>
+              <a:rPr lang="fr-FR" dirty="0"/>
+              <a:t>The goal </a:t>
+            </a:r>
+            <a:r>
+              <a:rPr lang="fr-FR" dirty="0" err="1"/>
+              <a:t>is</a:t>
+            </a:r>
+            <a:r>
+              <a:rPr lang="fr-FR" dirty="0"/>
+              <a:t> to </a:t>
+            </a:r>
+            <a:r>
+              <a:rPr lang="fr-FR" dirty="0" err="1"/>
+              <a:t>classify</a:t>
+            </a:r>
+            <a:r>
+              <a:rPr lang="fr-FR" dirty="0"/>
+              <a:t> the dataset and </a:t>
+            </a:r>
+            <a:r>
+              <a:rPr lang="fr-FR" dirty="0" err="1"/>
+              <a:t>find</a:t>
+            </a:r>
+            <a:r>
+              <a:rPr lang="fr-FR" dirty="0"/>
+              <a:t> </a:t>
+            </a:r>
+            <a:r>
+              <a:rPr lang="fr-FR" dirty="0" err="1"/>
+              <a:t>which</a:t>
+            </a:r>
+            <a:r>
+              <a:rPr lang="fr-FR" dirty="0"/>
+              <a:t> </a:t>
+            </a:r>
+            <a:r>
+              <a:rPr lang="fr-FR" dirty="0" err="1"/>
+              <a:t>individuals</a:t>
+            </a:r>
+            <a:r>
+              <a:rPr lang="fr-FR" dirty="0"/>
+              <a:t> </a:t>
+            </a:r>
+            <a:r>
+              <a:rPr lang="fr-FR" dirty="0" err="1"/>
+              <a:t>belong</a:t>
+            </a:r>
+            <a:r>
+              <a:rPr lang="fr-FR" dirty="0"/>
+              <a:t> to the 6th </a:t>
+            </a:r>
+            <a:r>
+              <a:rPr lang="fr-FR" dirty="0" err="1"/>
+              <a:t>community</a:t>
+            </a:r>
+            <a:endParaRPr lang="fr-FR" dirty="0"/>
+          </a:p>
+          <a:p>
+            <a:endParaRPr lang="fr-FR" dirty="0"/>
+          </a:p>
+          <a:p>
+            <a:endParaRPr lang="fr-FR" dirty="0"/>
+          </a:p>
+        </p:txBody>
+      </p:sp>
+      <p:pic>
+        <p:nvPicPr>
+          <p:cNvPr id="4" name="Image 3">
+            <a:extLst>
+              <a:ext uri="{FF2B5EF4-FFF2-40B4-BE49-F238E27FC236}">
+                <a16:creationId xmlns:a16="http://schemas.microsoft.com/office/drawing/2014/main" id="{F5732586-EF0B-8547-AA5B-0E17EB5BD862}"/>
+              </a:ext>
+            </a:extLst>
+          </p:cNvPr>
+          <p:cNvPicPr/>
+          <p:nvPr/>
+        </p:nvPicPr>
+        <p:blipFill>
+          <a:blip r:embed="rId2"/>
+          <a:stretch/>
+        </p:blipFill>
+        <p:spPr>
+          <a:xfrm>
+            <a:off x="7854142" y="1690688"/>
+            <a:ext cx="3499658" cy="2618509"/>
+          </a:xfrm>
+          <a:prstGeom prst="rect">
+            <a:avLst/>
+          </a:prstGeom>
+          <a:ln>
+            <a:noFill/>
+          </a:ln>
+        </p:spPr>
+      </p:pic>
+      <p:pic>
+        <p:nvPicPr>
+          <p:cNvPr id="5" name="Image 4">
+            <a:extLst>
+              <a:ext uri="{FF2B5EF4-FFF2-40B4-BE49-F238E27FC236}">
+                <a16:creationId xmlns:a16="http://schemas.microsoft.com/office/drawing/2014/main" id="{61164E75-56D9-A840-A10D-DD730AD47270}"/>
+              </a:ext>
+            </a:extLst>
+          </p:cNvPr>
+          <p:cNvPicPr/>
+          <p:nvPr/>
+        </p:nvPicPr>
+        <p:blipFill>
+          <a:blip r:embed="rId3"/>
+          <a:stretch/>
+        </p:blipFill>
+        <p:spPr>
+          <a:xfrm>
+            <a:off x="2783379" y="4572849"/>
+            <a:ext cx="7746075" cy="1791314"/>
+          </a:xfrm>
+          <a:prstGeom prst="rect">
+            <a:avLst/>
+          </a:prstGeom>
+          <a:ln>
+            <a:noFill/>
+          </a:ln>
+        </p:spPr>
+      </p:pic>
+    </p:spTree>
+    <p:extLst>
+      <p:ext uri="{BB962C8B-B14F-4D97-AF65-F5344CB8AC3E}">
+        <p14:creationId xmlns:p14="http://schemas.microsoft.com/office/powerpoint/2010/main" val="4177387410"/>
+      </p:ext>
+    </p:extLst>
+  </p:cSld>
+  <p:clrMapOvr>
+    <a:masterClrMapping/>
+  </p:clrMapOvr>
+</p:sld>
+</file>
+
+<file path=ppt/slides/slide5.xml><?xml version="1.0" encoding="utf-8"?>
+<p:sld xmlns:a="http://schemas.openxmlformats.org/drawingml/2006/main" xmlns:r="http://schemas.openxmlformats.org/officeDocument/2006/relationships" xmlns:p="http://schemas.openxmlformats.org/presentationml/2006/main">
+  <p:cSld>
+    <p:spTree>
+      <p:nvGrpSpPr>
+        <p:cNvPr id="1" name=""/>
+        <p:cNvGrpSpPr/>
+        <p:nvPr/>
+      </p:nvGrpSpPr>
+      <p:grpSpPr>
+        <a:xfrm>
+          <a:off x="0" y="0"/>
+          <a:ext cx="0" cy="0"/>
+          <a:chOff x="0" y="0"/>
+          <a:chExt cx="0" cy="0"/>
+        </a:xfrm>
+      </p:grpSpPr>
+      <p:sp>
+        <p:nvSpPr>
+          <p:cNvPr id="2" name="Titre 1">
+            <a:extLst>
+              <a:ext uri="{FF2B5EF4-FFF2-40B4-BE49-F238E27FC236}">
+                <a16:creationId xmlns:a16="http://schemas.microsoft.com/office/drawing/2014/main" id="{BC12CAD9-5A1E-5F43-8F0C-0F0EC7B01398}"/>
+              </a:ext>
+            </a:extLst>
+          </p:cNvPr>
+          <p:cNvSpPr>
+            <a:spLocks noGrp="1"/>
+          </p:cNvSpPr>
+          <p:nvPr>
+            <p:ph type="title"/>
+          </p:nvPr>
+        </p:nvSpPr>
+        <p:spPr/>
+        <p:txBody>
+          <a:bodyPr/>
+          <a:lstStyle/>
+          <a:p>
+            <a:r>
+              <a:rPr lang="fr-FR" dirty="0"/>
+              <a:t>1-b\ Stabilité : faire varier q</a:t>
+            </a:r>
+          </a:p>
+        </p:txBody>
+      </p:sp>
+      <p:sp>
+        <p:nvSpPr>
+          <p:cNvPr id="3" name="Espace réservé du contenu 2">
+            <a:extLst>
+              <a:ext uri="{FF2B5EF4-FFF2-40B4-BE49-F238E27FC236}">
+                <a16:creationId xmlns:a16="http://schemas.microsoft.com/office/drawing/2014/main" id="{C6DE6045-02BC-2348-8AFB-0966E75EE185}"/>
+              </a:ext>
+            </a:extLst>
+          </p:cNvPr>
+          <p:cNvSpPr>
+            <a:spLocks noGrp="1"/>
+          </p:cNvSpPr>
+          <p:nvPr>
+            <p:ph idx="1"/>
+          </p:nvPr>
+        </p:nvSpPr>
+        <p:spPr>
+          <a:xfrm>
+            <a:off x="838200" y="1825625"/>
+            <a:ext cx="5257800" cy="4139240"/>
+          </a:xfrm>
+        </p:spPr>
+        <p:txBody>
+          <a:bodyPr/>
+          <a:lstStyle/>
+          <a:p>
+            <a:r>
+              <a:rPr lang="fr-FR" dirty="0"/>
+              <a:t> </a:t>
+            </a:r>
+            <a:r>
+              <a:rPr lang="fr-FR" dirty="0" err="1"/>
+              <a:t>When</a:t>
+            </a:r>
+            <a:r>
+              <a:rPr lang="fr-FR" dirty="0"/>
+              <a:t>                 , </a:t>
+            </a:r>
+            <a:r>
+              <a:rPr lang="fr-FR" dirty="0" err="1"/>
+              <a:t>it’s</a:t>
+            </a:r>
+            <a:r>
+              <a:rPr lang="fr-FR" dirty="0"/>
+              <a:t> </a:t>
+            </a:r>
+            <a:r>
+              <a:rPr lang="fr-FR" dirty="0" err="1"/>
+              <a:t>easier</a:t>
+            </a:r>
+            <a:r>
+              <a:rPr lang="fr-FR" dirty="0"/>
+              <a:t> at first to </a:t>
+            </a:r>
+            <a:r>
+              <a:rPr lang="fr-FR" dirty="0" err="1"/>
+              <a:t>find</a:t>
+            </a:r>
+            <a:r>
+              <a:rPr lang="fr-FR" dirty="0"/>
+              <a:t> the </a:t>
+            </a:r>
+            <a:r>
+              <a:rPr lang="fr-FR" dirty="0" err="1"/>
+              <a:t>different</a:t>
+            </a:r>
+            <a:r>
+              <a:rPr lang="fr-FR" dirty="0"/>
+              <a:t> </a:t>
+            </a:r>
+            <a:r>
+              <a:rPr lang="fr-FR" dirty="0" err="1"/>
+              <a:t>community</a:t>
+            </a:r>
+            <a:endParaRPr lang="fr-FR" dirty="0"/>
+          </a:p>
+          <a:p>
+            <a:r>
+              <a:rPr lang="fr-FR" dirty="0" err="1"/>
+              <a:t>However</a:t>
+            </a:r>
+            <a:r>
+              <a:rPr lang="fr-FR" dirty="0"/>
+              <a:t>, </a:t>
+            </a:r>
+            <a:r>
+              <a:rPr lang="fr-FR" dirty="0" err="1"/>
+              <a:t>when</a:t>
+            </a:r>
+            <a:r>
+              <a:rPr lang="fr-FR" dirty="0"/>
+              <a:t>                    </a:t>
+            </a:r>
+            <a:r>
+              <a:rPr lang="fr-FR" dirty="0" err="1"/>
+              <a:t>is</a:t>
+            </a:r>
+            <a:r>
+              <a:rPr lang="fr-FR" dirty="0"/>
+              <a:t> </a:t>
+            </a:r>
+            <a:r>
+              <a:rPr lang="fr-FR" dirty="0" err="1"/>
+              <a:t>big</a:t>
+            </a:r>
+            <a:r>
+              <a:rPr lang="fr-FR" dirty="0"/>
+              <a:t>, the model </a:t>
+            </a:r>
+            <a:r>
+              <a:rPr lang="fr-FR" dirty="0" err="1"/>
+              <a:t>starts</a:t>
+            </a:r>
+            <a:r>
+              <a:rPr lang="fr-FR" dirty="0"/>
+              <a:t> to </a:t>
+            </a:r>
+            <a:r>
+              <a:rPr lang="fr-FR" dirty="0" err="1"/>
+              <a:t>lose</a:t>
+            </a:r>
+            <a:r>
+              <a:rPr lang="fr-FR" dirty="0"/>
+              <a:t> </a:t>
+            </a:r>
+            <a:r>
+              <a:rPr lang="fr-FR" dirty="0" err="1"/>
+              <a:t>accuracy</a:t>
+            </a:r>
+            <a:r>
+              <a:rPr lang="fr-FR" dirty="0"/>
+              <a:t>.</a:t>
+            </a:r>
+          </a:p>
+          <a:p>
+            <a:r>
+              <a:rPr lang="fr-FR" dirty="0"/>
+              <a:t>The 20 </a:t>
+            </a:r>
+            <a:r>
+              <a:rPr lang="fr-FR" dirty="0" err="1"/>
+              <a:t>epochs</a:t>
+            </a:r>
+            <a:r>
+              <a:rPr lang="fr-FR" dirty="0"/>
+              <a:t> model </a:t>
+            </a:r>
+            <a:r>
+              <a:rPr lang="fr-FR" dirty="0" err="1"/>
+              <a:t>seems</a:t>
+            </a:r>
+            <a:r>
+              <a:rPr lang="fr-FR" dirty="0"/>
+              <a:t> to </a:t>
+            </a:r>
+            <a:r>
+              <a:rPr lang="fr-FR" dirty="0" err="1"/>
+              <a:t>generalize</a:t>
+            </a:r>
+            <a:r>
+              <a:rPr lang="fr-FR" dirty="0"/>
+              <a:t> </a:t>
+            </a:r>
+            <a:r>
+              <a:rPr lang="fr-FR" dirty="0" err="1"/>
+              <a:t>better</a:t>
+            </a:r>
+            <a:r>
+              <a:rPr lang="fr-FR" dirty="0"/>
+              <a:t> </a:t>
+            </a:r>
+            <a:r>
+              <a:rPr lang="fr-FR" dirty="0" err="1"/>
+              <a:t>than</a:t>
+            </a:r>
+            <a:r>
+              <a:rPr lang="fr-FR" dirty="0"/>
+              <a:t> the 80 </a:t>
+            </a:r>
+            <a:r>
+              <a:rPr lang="fr-FR" dirty="0" err="1"/>
+              <a:t>epochs</a:t>
+            </a:r>
+            <a:r>
+              <a:rPr lang="fr-FR" dirty="0"/>
+              <a:t> one.</a:t>
+            </a:r>
+          </a:p>
+          <a:p>
+            <a:endParaRPr lang="fr-FR" dirty="0"/>
+          </a:p>
+          <a:p>
+            <a:endParaRPr lang="fr-FR" dirty="0"/>
+          </a:p>
+        </p:txBody>
+      </p:sp>
+      <p:grpSp>
+        <p:nvGrpSpPr>
+          <p:cNvPr id="19" name="Groupe 18">
+            <a:extLst>
+              <a:ext uri="{FF2B5EF4-FFF2-40B4-BE49-F238E27FC236}">
+                <a16:creationId xmlns:a16="http://schemas.microsoft.com/office/drawing/2014/main" id="{FA036502-238A-B243-BA0D-A8E8E444B4C8}"/>
+              </a:ext>
+            </a:extLst>
+          </p:cNvPr>
+          <p:cNvGrpSpPr/>
+          <p:nvPr/>
+        </p:nvGrpSpPr>
+        <p:grpSpPr>
+          <a:xfrm>
+            <a:off x="5986131" y="3879273"/>
+            <a:ext cx="5684555" cy="2447517"/>
+            <a:chOff x="5986131" y="3879273"/>
+            <a:chExt cx="5684555" cy="2447517"/>
+          </a:xfrm>
+        </p:grpSpPr>
+        <p:pic>
+          <p:nvPicPr>
+            <p:cNvPr id="6" name="Image 5">
+              <a:extLst>
+                <a:ext uri="{FF2B5EF4-FFF2-40B4-BE49-F238E27FC236}">
+                  <a16:creationId xmlns:a16="http://schemas.microsoft.com/office/drawing/2014/main" id="{E1601112-F34F-084F-9801-A6E84B5BD03C}"/>
+                </a:ext>
+              </a:extLst>
+            </p:cNvPr>
+            <p:cNvPicPr>
+              <a:picLocks noChangeAspect="1"/>
+            </p:cNvPicPr>
+            <p:nvPr/>
+          </p:nvPicPr>
+          <p:blipFill>
+            <a:blip r:embed="rId2"/>
+            <a:stretch>
+              <a:fillRect/>
+            </a:stretch>
+          </p:blipFill>
+          <p:spPr>
+            <a:xfrm>
+              <a:off x="5986131" y="3879273"/>
+              <a:ext cx="5684555" cy="2447517"/>
+            </a:xfrm>
+            <a:prstGeom prst="rect">
+              <a:avLst/>
+            </a:prstGeom>
+          </p:spPr>
+        </p:pic>
+        <p:cxnSp>
+          <p:nvCxnSpPr>
+            <p:cNvPr id="10" name="Connecteur droit 9">
+              <a:extLst>
+                <a:ext uri="{FF2B5EF4-FFF2-40B4-BE49-F238E27FC236}">
+                  <a16:creationId xmlns:a16="http://schemas.microsoft.com/office/drawing/2014/main" id="{781186DD-C4C6-ED4C-8BE9-DEF09727A83F}"/>
+                </a:ext>
+              </a:extLst>
+            </p:cNvPr>
+            <p:cNvCxnSpPr>
+              <a:cxnSpLocks/>
+            </p:cNvCxnSpPr>
+            <p:nvPr/>
+          </p:nvCxnSpPr>
+          <p:spPr>
+            <a:xfrm>
+              <a:off x="6412886" y="5700485"/>
+              <a:ext cx="4818468" cy="0"/>
+            </a:xfrm>
+            <a:prstGeom prst="line">
+              <a:avLst/>
+            </a:prstGeom>
+            <a:ln>
+              <a:solidFill>
+                <a:srgbClr val="FF0000"/>
+              </a:solidFill>
+            </a:ln>
+          </p:spPr>
+          <p:style>
+            <a:lnRef idx="1">
+              <a:schemeClr val="accent1"/>
+            </a:lnRef>
+            <a:fillRef idx="0">
+              <a:schemeClr val="accent1"/>
+            </a:fillRef>
+            <a:effectRef idx="0">
+              <a:schemeClr val="accent1"/>
+            </a:effectRef>
+            <a:fontRef idx="minor">
+              <a:schemeClr val="tx1"/>
+            </a:fontRef>
+          </p:style>
+        </p:cxnSp>
+        <p:cxnSp>
+          <p:nvCxnSpPr>
+            <p:cNvPr id="12" name="Connecteur droit 11">
+              <a:extLst>
+                <a:ext uri="{FF2B5EF4-FFF2-40B4-BE49-F238E27FC236}">
+                  <a16:creationId xmlns:a16="http://schemas.microsoft.com/office/drawing/2014/main" id="{15B793F1-70E5-B34F-9A15-C85032598F1B}"/>
+                </a:ext>
+              </a:extLst>
+            </p:cNvPr>
+            <p:cNvCxnSpPr>
+              <a:cxnSpLocks/>
+            </p:cNvCxnSpPr>
+            <p:nvPr/>
+          </p:nvCxnSpPr>
+          <p:spPr>
+            <a:xfrm flipV="1">
+              <a:off x="8829214" y="3985523"/>
+              <a:ext cx="0" cy="2105465"/>
+            </a:xfrm>
+            <a:prstGeom prst="line">
+              <a:avLst/>
+            </a:prstGeom>
+            <a:ln>
+              <a:solidFill>
+                <a:srgbClr val="FF0000"/>
+              </a:solidFill>
+            </a:ln>
+          </p:spPr>
+          <p:style>
+            <a:lnRef idx="1">
+              <a:schemeClr val="accent1"/>
+            </a:lnRef>
+            <a:fillRef idx="0">
+              <a:schemeClr val="accent1"/>
+            </a:fillRef>
+            <a:effectRef idx="0">
+              <a:schemeClr val="accent1"/>
+            </a:effectRef>
+            <a:fontRef idx="minor">
+              <a:schemeClr val="tx1"/>
+            </a:fontRef>
+          </p:style>
+        </p:cxnSp>
+      </p:grpSp>
+      <p:pic>
+        <p:nvPicPr>
+          <p:cNvPr id="2050" name="Picture 2">
+            <a:extLst>
+              <a:ext uri="{FF2B5EF4-FFF2-40B4-BE49-F238E27FC236}">
+                <a16:creationId xmlns:a16="http://schemas.microsoft.com/office/drawing/2014/main" id="{6F3A4E2B-038D-0D48-A979-CD0A3A794B12}"/>
+              </a:ext>
+            </a:extLst>
+          </p:cNvPr>
+          <p:cNvPicPr>
+            <a:picLocks noChangeAspect="1" noChangeArrowheads="1"/>
+          </p:cNvPicPr>
+          <p:nvPr/>
+        </p:nvPicPr>
+        <p:blipFill>
+          <a:blip r:embed="rId3">
+            <a:extLst>
+              <a:ext uri="{28A0092B-C50C-407E-A947-70E740481C1C}">
+                <a14:useLocalDpi xmlns:a14="http://schemas.microsoft.com/office/drawing/2010/main" val="0"/>
+              </a:ext>
+            </a:extLst>
+          </a:blip>
+          <a:srcRect/>
+          <a:stretch>
+            <a:fillRect/>
+          </a:stretch>
+        </p:blipFill>
+        <p:spPr bwMode="auto">
+          <a:xfrm>
+            <a:off x="3494810" y="3172115"/>
+            <a:ext cx="1407254" cy="312305"/>
+          </a:xfrm>
+          <a:prstGeom prst="rect">
+            <a:avLst/>
+          </a:prstGeom>
+          <a:noFill/>
+          <a:extLst>
+            <a:ext uri="{909E8E84-426E-40DD-AFC4-6F175D3DCCD1}">
+              <a14:hiddenFill xmlns:a14="http://schemas.microsoft.com/office/drawing/2010/main">
+                <a:solidFill>
+                  <a:srgbClr val="FFFFFF"/>
+                </a:solidFill>
+              </a14:hiddenFill>
+            </a:ext>
+          </a:extLst>
+        </p:spPr>
+      </p:pic>
+      <p:pic>
+        <p:nvPicPr>
+          <p:cNvPr id="2054" name="Picture 6">
+            <a:extLst>
+              <a:ext uri="{FF2B5EF4-FFF2-40B4-BE49-F238E27FC236}">
+                <a16:creationId xmlns:a16="http://schemas.microsoft.com/office/drawing/2014/main" id="{F08EF85B-19F4-5C4D-8F46-0AAC63C02706}"/>
+              </a:ext>
+            </a:extLst>
+          </p:cNvPr>
+          <p:cNvPicPr>
+            <a:picLocks noChangeAspect="1" noChangeArrowheads="1"/>
+          </p:cNvPicPr>
+          <p:nvPr/>
+        </p:nvPicPr>
+        <p:blipFill>
+          <a:blip r:embed="rId4">
+            <a:extLst>
+              <a:ext uri="{28A0092B-C50C-407E-A947-70E740481C1C}">
+                <a14:useLocalDpi xmlns:a14="http://schemas.microsoft.com/office/drawing/2010/main" val="0"/>
+              </a:ext>
+            </a:extLst>
+          </a:blip>
+          <a:srcRect/>
+          <a:stretch>
+            <a:fillRect/>
+          </a:stretch>
+        </p:blipFill>
+        <p:spPr bwMode="auto">
+          <a:xfrm>
+            <a:off x="2225897" y="1927778"/>
+            <a:ext cx="1176522" cy="289111"/>
+          </a:xfrm>
+          <a:prstGeom prst="rect">
+            <a:avLst/>
+          </a:prstGeom>
+          <a:noFill/>
+          <a:extLst>
+            <a:ext uri="{909E8E84-426E-40DD-AFC4-6F175D3DCCD1}">
+              <a14:hiddenFill xmlns:a14="http://schemas.microsoft.com/office/drawing/2010/main">
+                <a:solidFill>
+                  <a:srgbClr val="FFFFFF"/>
+                </a:solidFill>
+              </a14:hiddenFill>
+            </a:ext>
+          </a:extLst>
+        </p:spPr>
+      </p:pic>
+      <p:graphicFrame>
+        <p:nvGraphicFramePr>
+          <p:cNvPr id="20" name="Tableau 20">
+            <a:extLst>
+              <a:ext uri="{FF2B5EF4-FFF2-40B4-BE49-F238E27FC236}">
+                <a16:creationId xmlns:a16="http://schemas.microsoft.com/office/drawing/2014/main" id="{7AD63A1D-9074-A343-B7F1-882432C1B9B9}"/>
+              </a:ext>
+            </a:extLst>
+          </p:cNvPr>
+          <p:cNvGraphicFramePr>
+            <a:graphicFrameLocks noGrp="1"/>
+          </p:cNvGraphicFramePr>
+          <p:nvPr>
+            <p:extLst>
+              <p:ext uri="{D42A27DB-BD31-4B8C-83A1-F6EECF244321}">
+                <p14:modId xmlns:p14="http://schemas.microsoft.com/office/powerpoint/2010/main" val="2689120230"/>
+              </p:ext>
+            </p:extLst>
+          </p:nvPr>
+        </p:nvGraphicFramePr>
+        <p:xfrm>
+          <a:off x="6259182" y="1600200"/>
+          <a:ext cx="5441778" cy="1828800"/>
+        </p:xfrm>
+        <a:graphic>
+          <a:graphicData uri="http://schemas.openxmlformats.org/drawingml/2006/table">
+            <a:tbl>
+              <a:tblPr firstRow="1" bandRow="1">
+                <a:tableStyleId>{F5AB1C69-6EDB-4FF4-983F-18BD219EF322}</a:tableStyleId>
+              </a:tblPr>
+              <a:tblGrid>
+                <a:gridCol w="1813926">
+                  <a:extLst>
+                    <a:ext uri="{9D8B030D-6E8A-4147-A177-3AD203B41FA5}">
+                      <a16:colId xmlns:a16="http://schemas.microsoft.com/office/drawing/2014/main" val="2348609359"/>
+                    </a:ext>
+                  </a:extLst>
+                </a:gridCol>
+                <a:gridCol w="1813926">
+                  <a:extLst>
+                    <a:ext uri="{9D8B030D-6E8A-4147-A177-3AD203B41FA5}">
+                      <a16:colId xmlns:a16="http://schemas.microsoft.com/office/drawing/2014/main" val="3911092598"/>
+                    </a:ext>
+                  </a:extLst>
+                </a:gridCol>
+                <a:gridCol w="1813926">
+                  <a:extLst>
+                    <a:ext uri="{9D8B030D-6E8A-4147-A177-3AD203B41FA5}">
+                      <a16:colId xmlns:a16="http://schemas.microsoft.com/office/drawing/2014/main" val="2959067025"/>
+                    </a:ext>
+                  </a:extLst>
+                </a:gridCol>
+              </a:tblGrid>
+              <a:tr h="298955">
+                <a:tc>
+                  <a:txBody>
+                    <a:bodyPr/>
+                    <a:lstStyle/>
+                    <a:p>
+                      <a:pPr algn="ctr"/>
+                      <a:r>
+                        <a:rPr lang="fr-FR" sz="1400" dirty="0"/>
+                        <a:t>q</a:t>
+                      </a:r>
+                    </a:p>
+                  </a:txBody>
+                  <a:tcPr/>
+                </a:tc>
+                <a:tc>
+                  <a:txBody>
+                    <a:bodyPr/>
+                    <a:lstStyle/>
+                    <a:p>
+                      <a:pPr algn="ctr"/>
+                      <a:r>
+                        <a:rPr lang="fr-FR" sz="1400" dirty="0"/>
+                        <a:t>Model 20 </a:t>
+                      </a:r>
+                      <a:r>
+                        <a:rPr lang="fr-FR" sz="1400" dirty="0" err="1"/>
+                        <a:t>epochs</a:t>
+                      </a:r>
+                      <a:endParaRPr lang="fr-FR" sz="1400" dirty="0"/>
+                    </a:p>
+                  </a:txBody>
+                  <a:tcPr/>
+                </a:tc>
+                <a:tc>
+                  <a:txBody>
+                    <a:bodyPr/>
+                    <a:lstStyle/>
+                    <a:p>
+                      <a:pPr algn="ctr"/>
+                      <a:r>
+                        <a:rPr lang="fr-FR" sz="1400" dirty="0"/>
+                        <a:t>Model 80 </a:t>
+                      </a:r>
+                      <a:r>
+                        <a:rPr lang="fr-FR" sz="1400" dirty="0" err="1"/>
+                        <a:t>epochs</a:t>
+                      </a:r>
+                      <a:endParaRPr lang="fr-FR" sz="1400" dirty="0"/>
+                    </a:p>
+                  </a:txBody>
+                  <a:tcPr/>
+                </a:tc>
+                <a:extLst>
+                  <a:ext uri="{0D108BD9-81ED-4DB2-BD59-A6C34878D82A}">
+                    <a16:rowId xmlns:a16="http://schemas.microsoft.com/office/drawing/2014/main" val="4128077781"/>
+                  </a:ext>
+                </a:extLst>
+              </a:tr>
+              <a:tr h="298955">
+                <a:tc>
+                  <a:txBody>
+                    <a:bodyPr/>
+                    <a:lstStyle/>
+                    <a:p>
+                      <a:pPr algn="ctr"/>
+                      <a:r>
+                        <a:rPr lang="fr-FR" sz="1400" dirty="0"/>
+                        <a:t>0.15</a:t>
+                      </a:r>
+                    </a:p>
+                  </a:txBody>
+                  <a:tcPr/>
+                </a:tc>
+                <a:tc>
+                  <a:txBody>
+                    <a:bodyPr/>
+                    <a:lstStyle/>
+                    <a:p>
+                      <a:pPr algn="ctr">
+                        <a:lnSpc>
+                          <a:spcPct val="100000"/>
+                        </a:lnSpc>
+                      </a:pPr>
+                      <a:r>
+                        <a:rPr lang="en-US" sz="1400" b="1" u="sng" kern="1200" dirty="0">
+                          <a:solidFill>
+                            <a:schemeClr val="dk1"/>
+                          </a:solidFill>
+                          <a:latin typeface="+mn-lt"/>
+                          <a:ea typeface="+mn-ea"/>
+                          <a:cs typeface="+mn-cs"/>
+                        </a:rPr>
+                        <a:t>77.0046</a:t>
+                      </a:r>
+                    </a:p>
+                  </a:txBody>
+                  <a:tcPr/>
+                </a:tc>
+                <a:tc>
+                  <a:txBody>
+                    <a:bodyPr/>
+                    <a:lstStyle/>
+                    <a:p>
+                      <a:pPr algn="ctr">
+                        <a:lnSpc>
+                          <a:spcPct val="100000"/>
+                        </a:lnSpc>
+                      </a:pPr>
+                      <a:r>
+                        <a:rPr lang="en-US" sz="1400" kern="1200">
+                          <a:solidFill>
+                            <a:schemeClr val="dk1"/>
+                          </a:solidFill>
+                          <a:latin typeface="+mn-lt"/>
+                          <a:ea typeface="+mn-ea"/>
+                          <a:cs typeface="+mn-cs"/>
+                        </a:rPr>
+                        <a:t>69.1981</a:t>
+                      </a:r>
+                    </a:p>
+                  </a:txBody>
+                  <a:tcPr/>
+                </a:tc>
+                <a:extLst>
+                  <a:ext uri="{0D108BD9-81ED-4DB2-BD59-A6C34878D82A}">
+                    <a16:rowId xmlns:a16="http://schemas.microsoft.com/office/drawing/2014/main" val="3694174781"/>
+                  </a:ext>
+                </a:extLst>
+              </a:tr>
+              <a:tr h="298955">
+                <a:tc>
+                  <a:txBody>
+                    <a:bodyPr/>
+                    <a:lstStyle/>
+                    <a:p>
+                      <a:pPr algn="ctr"/>
+                      <a:r>
+                        <a:rPr lang="fr-FR" sz="1400" dirty="0"/>
+                        <a:t>0.25</a:t>
+                      </a:r>
+                    </a:p>
+                  </a:txBody>
+                  <a:tcPr/>
+                </a:tc>
+                <a:tc>
+                  <a:txBody>
+                    <a:bodyPr/>
+                    <a:lstStyle/>
+                    <a:p>
+                      <a:pPr algn="ctr">
+                        <a:lnSpc>
+                          <a:spcPct val="100000"/>
+                        </a:lnSpc>
+                      </a:pPr>
+                      <a:r>
+                        <a:rPr lang="en-US" sz="1400" b="1" u="sng" kern="1200" dirty="0">
+                          <a:solidFill>
+                            <a:schemeClr val="dk1"/>
+                          </a:solidFill>
+                          <a:latin typeface="+mn-lt"/>
+                          <a:ea typeface="+mn-ea"/>
+                          <a:cs typeface="+mn-cs"/>
+                        </a:rPr>
+                        <a:t>93.2172</a:t>
+                      </a:r>
+                    </a:p>
+                  </a:txBody>
+                  <a:tcPr/>
+                </a:tc>
+                <a:tc>
+                  <a:txBody>
+                    <a:bodyPr/>
+                    <a:lstStyle/>
+                    <a:p>
+                      <a:pPr algn="ctr">
+                        <a:lnSpc>
+                          <a:spcPct val="100000"/>
+                        </a:lnSpc>
+                      </a:pPr>
+                      <a:r>
+                        <a:rPr lang="en-US" sz="1400" kern="1200">
+                          <a:solidFill>
+                            <a:schemeClr val="dk1"/>
+                          </a:solidFill>
+                          <a:latin typeface="+mn-lt"/>
+                          <a:ea typeface="+mn-ea"/>
+                          <a:cs typeface="+mn-cs"/>
+                        </a:rPr>
+                        <a:t>92.2461</a:t>
+                      </a:r>
+                    </a:p>
+                  </a:txBody>
+                  <a:tcPr/>
+                </a:tc>
+                <a:extLst>
+                  <a:ext uri="{0D108BD9-81ED-4DB2-BD59-A6C34878D82A}">
+                    <a16:rowId xmlns:a16="http://schemas.microsoft.com/office/drawing/2014/main" val="3305786673"/>
+                  </a:ext>
+                </a:extLst>
+              </a:tr>
+              <a:tr h="298955">
+                <a:tc>
+                  <a:txBody>
+                    <a:bodyPr/>
+                    <a:lstStyle/>
+                    <a:p>
+                      <a:pPr algn="ctr"/>
+                      <a:r>
+                        <a:rPr lang="fr-FR" sz="1400" dirty="0"/>
+                        <a:t>0.35 (original model)</a:t>
+                      </a:r>
+                    </a:p>
+                  </a:txBody>
+                  <a:tcPr/>
+                </a:tc>
+                <a:tc>
+                  <a:txBody>
+                    <a:bodyPr/>
+                    <a:lstStyle/>
+                    <a:p>
+                      <a:pPr algn="ctr">
+                        <a:lnSpc>
+                          <a:spcPct val="100000"/>
+                        </a:lnSpc>
+                      </a:pPr>
+                      <a:r>
+                        <a:rPr lang="en-US" sz="1400" kern="1200" dirty="0">
+                          <a:solidFill>
+                            <a:schemeClr val="dk1"/>
+                          </a:solidFill>
+                          <a:latin typeface="+mn-lt"/>
+                          <a:ea typeface="+mn-ea"/>
+                          <a:cs typeface="+mn-cs"/>
+                        </a:rPr>
+                        <a:t>83.2934</a:t>
+                      </a:r>
+                    </a:p>
+                  </a:txBody>
+                  <a:tcPr/>
+                </a:tc>
+                <a:tc>
+                  <a:txBody>
+                    <a:bodyPr/>
+                    <a:lstStyle/>
+                    <a:p>
+                      <a:pPr algn="ctr">
+                        <a:lnSpc>
+                          <a:spcPct val="100000"/>
+                        </a:lnSpc>
+                      </a:pPr>
+                      <a:r>
+                        <a:rPr lang="en-US" sz="1400" b="1" u="sng" kern="1200" dirty="0">
+                          <a:solidFill>
+                            <a:schemeClr val="dk1"/>
+                          </a:solidFill>
+                          <a:latin typeface="+mn-lt"/>
+                          <a:ea typeface="+mn-ea"/>
+                          <a:cs typeface="+mn-cs"/>
+                        </a:rPr>
+                        <a:t>84.7762</a:t>
+                      </a:r>
+                    </a:p>
+                  </a:txBody>
+                  <a:tcPr/>
+                </a:tc>
+                <a:extLst>
+                  <a:ext uri="{0D108BD9-81ED-4DB2-BD59-A6C34878D82A}">
+                    <a16:rowId xmlns:a16="http://schemas.microsoft.com/office/drawing/2014/main" val="3986232876"/>
+                  </a:ext>
+                </a:extLst>
+              </a:tr>
+              <a:tr h="298955">
+                <a:tc>
+                  <a:txBody>
+                    <a:bodyPr/>
+                    <a:lstStyle/>
+                    <a:p>
+                      <a:pPr algn="ctr"/>
+                      <a:r>
+                        <a:rPr lang="fr-FR" sz="1400" dirty="0"/>
+                        <a:t>0.45</a:t>
+                      </a:r>
+                    </a:p>
+                  </a:txBody>
+                  <a:tcPr/>
+                </a:tc>
+                <a:tc>
+                  <a:txBody>
+                    <a:bodyPr/>
+                    <a:lstStyle/>
+                    <a:p>
+                      <a:pPr algn="ctr">
+                        <a:lnSpc>
+                          <a:spcPct val="100000"/>
+                        </a:lnSpc>
+                      </a:pPr>
+                      <a:r>
+                        <a:rPr lang="en-US" sz="1400" b="1" u="sng" kern="1200" dirty="0">
+                          <a:solidFill>
+                            <a:schemeClr val="dk1"/>
+                          </a:solidFill>
+                          <a:latin typeface="+mn-lt"/>
+                          <a:ea typeface="+mn-ea"/>
+                          <a:cs typeface="+mn-cs"/>
+                        </a:rPr>
+                        <a:t>52.1648</a:t>
+                      </a:r>
+                    </a:p>
+                  </a:txBody>
+                  <a:tcPr/>
+                </a:tc>
+                <a:tc>
+                  <a:txBody>
+                    <a:bodyPr/>
+                    <a:lstStyle/>
+                    <a:p>
+                      <a:pPr algn="ctr">
+                        <a:lnSpc>
+                          <a:spcPct val="100000"/>
+                        </a:lnSpc>
+                      </a:pPr>
+                      <a:r>
+                        <a:rPr lang="en-US" sz="1400" kern="1200" dirty="0">
+                          <a:solidFill>
+                            <a:schemeClr val="dk1"/>
+                          </a:solidFill>
+                          <a:latin typeface="+mn-lt"/>
+                          <a:ea typeface="+mn-ea"/>
+                          <a:cs typeface="+mn-cs"/>
+                        </a:rPr>
+                        <a:t>51.5637</a:t>
+                      </a:r>
+                    </a:p>
+                  </a:txBody>
+                  <a:tcPr/>
+                </a:tc>
+                <a:extLst>
+                  <a:ext uri="{0D108BD9-81ED-4DB2-BD59-A6C34878D82A}">
+                    <a16:rowId xmlns:a16="http://schemas.microsoft.com/office/drawing/2014/main" val="1867825064"/>
+                  </a:ext>
+                </a:extLst>
+              </a:tr>
+              <a:tr h="298955">
+                <a:tc>
+                  <a:txBody>
+                    <a:bodyPr/>
+                    <a:lstStyle/>
+                    <a:p>
+                      <a:pPr algn="ctr"/>
+                      <a:r>
+                        <a:rPr lang="fr-FR" sz="1400" dirty="0"/>
+                        <a:t>0.55</a:t>
+                      </a:r>
+                    </a:p>
+                  </a:txBody>
+                  <a:tcPr/>
+                </a:tc>
+                <a:tc>
+                  <a:txBody>
+                    <a:bodyPr/>
+                    <a:lstStyle/>
+                    <a:p>
+                      <a:pPr algn="ctr">
+                        <a:lnSpc>
+                          <a:spcPct val="100000"/>
+                        </a:lnSpc>
+                      </a:pPr>
+                      <a:r>
+                        <a:rPr lang="en-US" sz="1400" b="1" u="sng" kern="1200" dirty="0">
+                          <a:solidFill>
+                            <a:schemeClr val="dk1"/>
+                          </a:solidFill>
+                          <a:latin typeface="+mn-lt"/>
+                          <a:ea typeface="+mn-ea"/>
+                          <a:cs typeface="+mn-cs"/>
+                        </a:rPr>
+                        <a:t>42.0210</a:t>
+                      </a:r>
+                    </a:p>
+                  </a:txBody>
+                  <a:tcPr/>
+                </a:tc>
+                <a:tc>
+                  <a:txBody>
+                    <a:bodyPr/>
+                    <a:lstStyle/>
+                    <a:p>
+                      <a:pPr algn="ctr">
+                        <a:lnSpc>
+                          <a:spcPct val="100000"/>
+                        </a:lnSpc>
+                      </a:pPr>
+                      <a:r>
+                        <a:rPr lang="en-US" sz="1400" kern="1200" dirty="0">
+                          <a:solidFill>
+                            <a:schemeClr val="dk1"/>
+                          </a:solidFill>
+                          <a:latin typeface="+mn-lt"/>
+                          <a:ea typeface="+mn-ea"/>
+                          <a:cs typeface="+mn-cs"/>
+                        </a:rPr>
+                        <a:t>41.8587</a:t>
+                      </a:r>
+                    </a:p>
+                  </a:txBody>
+                  <a:tcPr/>
+                </a:tc>
+                <a:extLst>
+                  <a:ext uri="{0D108BD9-81ED-4DB2-BD59-A6C34878D82A}">
+                    <a16:rowId xmlns:a16="http://schemas.microsoft.com/office/drawing/2014/main" val="3698020891"/>
+                  </a:ext>
+                </a:extLst>
+              </a:tr>
+            </a:tbl>
+          </a:graphicData>
+        </a:graphic>
+      </p:graphicFrame>
+    </p:spTree>
+    <p:extLst>
+      <p:ext uri="{BB962C8B-B14F-4D97-AF65-F5344CB8AC3E}">
+        <p14:creationId xmlns:p14="http://schemas.microsoft.com/office/powerpoint/2010/main" val="3627299299"/>
+      </p:ext>
+    </p:extLst>
+  </p:cSld>
+  <p:clrMapOvr>
+    <a:masterClrMapping/>
+  </p:clrMapOvr>
+</p:sld>
+</file>
+
+<file path=ppt/slides/slide6.xml><?xml version="1.0" encoding="utf-8"?>
+<p:sld xmlns:a="http://schemas.openxmlformats.org/drawingml/2006/main" xmlns:r="http://schemas.openxmlformats.org/officeDocument/2006/relationships" xmlns:p="http://schemas.openxmlformats.org/presentationml/2006/main">
+  <p:cSld>
+    <p:spTree>
+      <p:nvGrpSpPr>
+        <p:cNvPr id="1" name=""/>
+        <p:cNvGrpSpPr/>
+        <p:nvPr/>
+      </p:nvGrpSpPr>
+      <p:grpSpPr>
+        <a:xfrm>
+          <a:off x="0" y="0"/>
+          <a:ext cx="0" cy="0"/>
+          <a:chOff x="0" y="0"/>
+          <a:chExt cx="0" cy="0"/>
+        </a:xfrm>
+      </p:grpSpPr>
+      <p:sp>
+        <p:nvSpPr>
+          <p:cNvPr id="2" name="Titre 1">
+            <a:extLst>
+              <a:ext uri="{FF2B5EF4-FFF2-40B4-BE49-F238E27FC236}">
+                <a16:creationId xmlns:a16="http://schemas.microsoft.com/office/drawing/2014/main" id="{BC12CAD9-5A1E-5F43-8F0C-0F0EC7B01398}"/>
+              </a:ext>
+            </a:extLst>
+          </p:cNvPr>
+          <p:cNvSpPr>
+            <a:spLocks noGrp="1"/>
+          </p:cNvSpPr>
+          <p:nvPr>
+            <p:ph type="title"/>
+          </p:nvPr>
+        </p:nvSpPr>
+        <p:spPr/>
+        <p:txBody>
+          <a:bodyPr/>
+          <a:lstStyle/>
+          <a:p>
+            <a:r>
+              <a:rPr lang="fr-FR" dirty="0"/>
+              <a:t>1-c\ </a:t>
+            </a:r>
+            <a:r>
+              <a:rPr lang="fr-FR" dirty="0" err="1"/>
+              <a:t>Stability</a:t>
+            </a:r>
+            <a:r>
+              <a:rPr lang="fr-FR" dirty="0"/>
+              <a:t>: size of the dataset</a:t>
+            </a:r>
+          </a:p>
+        </p:txBody>
+      </p:sp>
+      <p:sp>
+        <p:nvSpPr>
+          <p:cNvPr id="3" name="Espace réservé du contenu 2">
+            <a:extLst>
+              <a:ext uri="{FF2B5EF4-FFF2-40B4-BE49-F238E27FC236}">
+                <a16:creationId xmlns:a16="http://schemas.microsoft.com/office/drawing/2014/main" id="{C6DE6045-02BC-2348-8AFB-0966E75EE185}"/>
+              </a:ext>
+            </a:extLst>
+          </p:cNvPr>
+          <p:cNvSpPr>
+            <a:spLocks noGrp="1"/>
+          </p:cNvSpPr>
+          <p:nvPr>
+            <p:ph idx="1"/>
+          </p:nvPr>
+        </p:nvSpPr>
+        <p:spPr>
+          <a:xfrm>
+            <a:off x="838200" y="1825625"/>
+            <a:ext cx="11197856" cy="4139240"/>
+          </a:xfrm>
+        </p:spPr>
+        <p:txBody>
+          <a:bodyPr/>
+          <a:lstStyle/>
+          <a:p>
+            <a:r>
+              <a:rPr lang="fr-FR" dirty="0"/>
+              <a:t>As </a:t>
+            </a:r>
+            <a:r>
+              <a:rPr lang="fr-FR" dirty="0" err="1"/>
+              <a:t>we</a:t>
+            </a:r>
+            <a:r>
+              <a:rPr lang="fr-FR" dirty="0"/>
+              <a:t> </a:t>
+            </a:r>
+            <a:r>
+              <a:rPr lang="fr-FR" dirty="0" err="1"/>
+              <a:t>could</a:t>
+            </a:r>
+            <a:r>
+              <a:rPr lang="fr-FR" dirty="0"/>
+              <a:t> </a:t>
+            </a:r>
+            <a:r>
+              <a:rPr lang="fr-FR" dirty="0" err="1"/>
+              <a:t>expect</a:t>
+            </a:r>
+            <a:r>
+              <a:rPr lang="fr-FR" dirty="0"/>
+              <a:t>, the </a:t>
+            </a:r>
+            <a:r>
+              <a:rPr lang="fr-FR" dirty="0" err="1"/>
+              <a:t>bigger</a:t>
+            </a:r>
+            <a:r>
+              <a:rPr lang="fr-FR" dirty="0"/>
+              <a:t> the graph, the harder </a:t>
+            </a:r>
+            <a:r>
+              <a:rPr lang="fr-FR" dirty="0" err="1"/>
+              <a:t>it</a:t>
+            </a:r>
+            <a:r>
+              <a:rPr lang="fr-FR" dirty="0"/>
+              <a:t> </a:t>
+            </a:r>
+            <a:r>
+              <a:rPr lang="fr-FR" dirty="0" err="1"/>
+              <a:t>is</a:t>
+            </a:r>
+            <a:r>
+              <a:rPr lang="fr-FR" dirty="0"/>
+              <a:t> for the model</a:t>
+            </a:r>
+          </a:p>
+          <a:p>
+            <a:r>
+              <a:rPr lang="fr-FR" dirty="0"/>
+              <a:t>The 20 </a:t>
+            </a:r>
+            <a:r>
+              <a:rPr lang="fr-FR" dirty="0" err="1"/>
+              <a:t>epochs</a:t>
+            </a:r>
+            <a:r>
+              <a:rPr lang="fr-FR" dirty="0"/>
+              <a:t> model </a:t>
+            </a:r>
+            <a:r>
+              <a:rPr lang="fr-FR" dirty="0" err="1"/>
+              <a:t>seems</a:t>
+            </a:r>
+            <a:r>
+              <a:rPr lang="fr-FR" dirty="0"/>
+              <a:t> to </a:t>
+            </a:r>
+            <a:r>
+              <a:rPr lang="fr-FR" dirty="0" err="1"/>
+              <a:t>generalize</a:t>
+            </a:r>
+            <a:r>
+              <a:rPr lang="fr-FR" dirty="0"/>
+              <a:t> </a:t>
+            </a:r>
+            <a:r>
+              <a:rPr lang="fr-FR" dirty="0" err="1"/>
+              <a:t>better</a:t>
+            </a:r>
+            <a:r>
+              <a:rPr lang="fr-FR" dirty="0"/>
+              <a:t> </a:t>
+            </a:r>
+            <a:r>
+              <a:rPr lang="fr-FR" dirty="0" err="1"/>
+              <a:t>than</a:t>
+            </a:r>
+            <a:r>
+              <a:rPr lang="fr-FR" dirty="0"/>
+              <a:t> the 80 </a:t>
+            </a:r>
+            <a:r>
+              <a:rPr lang="fr-FR" dirty="0" err="1"/>
+              <a:t>epochs</a:t>
+            </a:r>
+            <a:r>
+              <a:rPr lang="fr-FR" dirty="0"/>
+              <a:t> one</a:t>
+            </a:r>
+          </a:p>
+          <a:p>
+            <a:endParaRPr lang="fr-FR" dirty="0"/>
+          </a:p>
+        </p:txBody>
+      </p:sp>
+      <p:graphicFrame>
+        <p:nvGraphicFramePr>
+          <p:cNvPr id="5" name="Tableau 6">
+            <a:extLst>
+              <a:ext uri="{FF2B5EF4-FFF2-40B4-BE49-F238E27FC236}">
+                <a16:creationId xmlns:a16="http://schemas.microsoft.com/office/drawing/2014/main" id="{1178C00B-B217-A64E-BDAB-A91323DBC451}"/>
+              </a:ext>
+            </a:extLst>
+          </p:cNvPr>
+          <p:cNvGraphicFramePr>
+            <a:graphicFrameLocks noGrp="1"/>
+          </p:cNvGraphicFramePr>
+          <p:nvPr>
+            <p:extLst>
+              <p:ext uri="{D42A27DB-BD31-4B8C-83A1-F6EECF244321}">
+                <p14:modId xmlns:p14="http://schemas.microsoft.com/office/powerpoint/2010/main" val="3308061544"/>
+              </p:ext>
+            </p:extLst>
+          </p:nvPr>
+        </p:nvGraphicFramePr>
+        <p:xfrm>
+          <a:off x="1286243" y="3429000"/>
+          <a:ext cx="10301769" cy="1483360"/>
+        </p:xfrm>
+        <a:graphic>
+          <a:graphicData uri="http://schemas.openxmlformats.org/drawingml/2006/table">
+            <a:tbl>
+              <a:tblPr firstRow="1" bandRow="1">
+                <a:tableStyleId>{F5AB1C69-6EDB-4FF4-983F-18BD219EF322}</a:tableStyleId>
+              </a:tblPr>
+              <a:tblGrid>
+                <a:gridCol w="3433923">
+                  <a:extLst>
+                    <a:ext uri="{9D8B030D-6E8A-4147-A177-3AD203B41FA5}">
+                      <a16:colId xmlns:a16="http://schemas.microsoft.com/office/drawing/2014/main" val="506092091"/>
+                    </a:ext>
+                  </a:extLst>
+                </a:gridCol>
+                <a:gridCol w="3433923">
+                  <a:extLst>
+                    <a:ext uri="{9D8B030D-6E8A-4147-A177-3AD203B41FA5}">
+                      <a16:colId xmlns:a16="http://schemas.microsoft.com/office/drawing/2014/main" val="1676463081"/>
+                    </a:ext>
+                  </a:extLst>
+                </a:gridCol>
+                <a:gridCol w="3433923">
+                  <a:extLst>
+                    <a:ext uri="{9D8B030D-6E8A-4147-A177-3AD203B41FA5}">
+                      <a16:colId xmlns:a16="http://schemas.microsoft.com/office/drawing/2014/main" val="223691078"/>
+                    </a:ext>
+                  </a:extLst>
+                </a:gridCol>
+              </a:tblGrid>
+              <a:tr h="370840">
+                <a:tc>
+                  <a:txBody>
+                    <a:bodyPr/>
+                    <a:lstStyle/>
+                    <a:p>
+                      <a:pPr algn="ctr"/>
+                      <a:r>
+                        <a:rPr lang="fr-FR" sz="1600" dirty="0" err="1"/>
+                        <a:t>Communities</a:t>
+                      </a:r>
+                      <a:r>
+                        <a:rPr lang="fr-FR" sz="1600" dirty="0"/>
+                        <a:t> sizes</a:t>
+                      </a:r>
+                    </a:p>
+                  </a:txBody>
+                  <a:tcPr/>
+                </a:tc>
+                <a:tc>
+                  <a:txBody>
+                    <a:bodyPr/>
+                    <a:lstStyle/>
+                    <a:p>
+                      <a:pPr algn="ctr"/>
+                      <a:r>
+                        <a:rPr lang="fr-FR" sz="1600" dirty="0"/>
+                        <a:t>Model 20 </a:t>
+                      </a:r>
+                      <a:r>
+                        <a:rPr lang="fr-FR" sz="1600" dirty="0" err="1"/>
+                        <a:t>epochs</a:t>
+                      </a:r>
+                      <a:endParaRPr lang="fr-FR" sz="1600" dirty="0"/>
+                    </a:p>
+                  </a:txBody>
+                  <a:tcPr/>
+                </a:tc>
+                <a:tc>
+                  <a:txBody>
+                    <a:bodyPr/>
+                    <a:lstStyle/>
+                    <a:p>
+                      <a:pPr algn="ctr"/>
+                      <a:r>
+                        <a:rPr lang="fr-FR" sz="1600" dirty="0"/>
+                        <a:t>Model 80 </a:t>
+                      </a:r>
+                      <a:r>
+                        <a:rPr lang="fr-FR" sz="1600" dirty="0" err="1"/>
+                        <a:t>epochs</a:t>
+                      </a:r>
+                      <a:endParaRPr lang="fr-FR" sz="1600" dirty="0"/>
+                    </a:p>
+                  </a:txBody>
+                  <a:tcPr/>
+                </a:tc>
+                <a:extLst>
+                  <a:ext uri="{0D108BD9-81ED-4DB2-BD59-A6C34878D82A}">
+                    <a16:rowId xmlns:a16="http://schemas.microsoft.com/office/drawing/2014/main" val="3883584049"/>
+                  </a:ext>
+                </a:extLst>
+              </a:tr>
+              <a:tr h="370840">
+                <a:tc>
+                  <a:txBody>
+                    <a:bodyPr/>
+                    <a:lstStyle/>
+                    <a:p>
+                      <a:pPr algn="ctr"/>
+                      <a:r>
+                        <a:rPr lang="fr-FR" sz="1600" dirty="0"/>
+                        <a:t>Uniform </a:t>
+                      </a:r>
+                      <a:r>
+                        <a:rPr lang="fr-FR" sz="1600" dirty="0" err="1"/>
+                        <a:t>between</a:t>
+                      </a:r>
+                      <a:r>
+                        <a:rPr lang="fr-FR" sz="1600" dirty="0"/>
+                        <a:t> 5 and 35 (original)</a:t>
+                      </a:r>
+                    </a:p>
+                  </a:txBody>
+                  <a:tcPr/>
+                </a:tc>
+                <a:tc>
+                  <a:txBody>
+                    <a:bodyPr/>
+                    <a:lstStyle/>
+                    <a:p>
+                      <a:pPr algn="ctr">
+                        <a:lnSpc>
+                          <a:spcPct val="100000"/>
+                        </a:lnSpc>
+                      </a:pPr>
+                      <a:r>
+                        <a:rPr lang="en-US" sz="1600" kern="1200" dirty="0">
+                          <a:solidFill>
+                            <a:schemeClr val="dk1"/>
+                          </a:solidFill>
+                          <a:latin typeface="+mn-lt"/>
+                          <a:ea typeface="+mn-ea"/>
+                          <a:cs typeface="+mn-cs"/>
+                        </a:rPr>
+                        <a:t>83.2934</a:t>
+                      </a:r>
+                    </a:p>
+                  </a:txBody>
+                  <a:tcPr/>
+                </a:tc>
+                <a:tc>
+                  <a:txBody>
+                    <a:bodyPr/>
+                    <a:lstStyle/>
+                    <a:p>
+                      <a:pPr algn="ctr">
+                        <a:lnSpc>
+                          <a:spcPct val="100000"/>
+                        </a:lnSpc>
+                      </a:pPr>
+                      <a:r>
+                        <a:rPr lang="en-US" sz="1600" b="1" u="sng" kern="1200" dirty="0">
+                          <a:solidFill>
+                            <a:schemeClr val="dk1"/>
+                          </a:solidFill>
+                          <a:latin typeface="+mn-lt"/>
+                          <a:ea typeface="+mn-ea"/>
+                          <a:cs typeface="+mn-cs"/>
+                        </a:rPr>
+                        <a:t>84.7762</a:t>
+                      </a:r>
+                    </a:p>
+                  </a:txBody>
+                  <a:tcPr/>
+                </a:tc>
+                <a:extLst>
+                  <a:ext uri="{0D108BD9-81ED-4DB2-BD59-A6C34878D82A}">
+                    <a16:rowId xmlns:a16="http://schemas.microsoft.com/office/drawing/2014/main" val="1172920012"/>
+                  </a:ext>
+                </a:extLst>
+              </a:tr>
+              <a:tr h="370840">
+                <a:tc>
+                  <a:txBody>
+                    <a:bodyPr/>
+                    <a:lstStyle/>
+                    <a:p>
+                      <a:pPr marL="0" algn="ctr" defTabSz="914400" rtl="0" eaLnBrk="1" latinLnBrk="0" hangingPunct="1">
+                        <a:lnSpc>
+                          <a:spcPct val="100000"/>
+                        </a:lnSpc>
+                      </a:pPr>
+                      <a:r>
+                        <a:rPr lang="en-US" sz="1600" kern="1200" dirty="0">
+                          <a:solidFill>
+                            <a:schemeClr val="dk1"/>
+                          </a:solidFill>
+                          <a:latin typeface="+mn-lt"/>
+                          <a:ea typeface="+mn-ea"/>
+                          <a:cs typeface="+mn-cs"/>
+                        </a:rPr>
+                        <a:t>Uniform between 35 and 65</a:t>
+                      </a:r>
+                    </a:p>
+                  </a:txBody>
+                  <a:tcPr/>
+                </a:tc>
+                <a:tc>
+                  <a:txBody>
+                    <a:bodyPr/>
+                    <a:lstStyle/>
+                    <a:p>
+                      <a:pPr algn="ctr">
+                        <a:lnSpc>
+                          <a:spcPct val="100000"/>
+                        </a:lnSpc>
+                      </a:pPr>
+                      <a:r>
+                        <a:rPr lang="en-US" sz="1600" b="1" u="sng" kern="1200" dirty="0">
+                          <a:solidFill>
+                            <a:schemeClr val="dk1"/>
+                          </a:solidFill>
+                          <a:latin typeface="+mn-lt"/>
+                          <a:ea typeface="+mn-ea"/>
+                          <a:cs typeface="+mn-cs"/>
+                        </a:rPr>
+                        <a:t>68.4562</a:t>
+                      </a:r>
+                    </a:p>
+                  </a:txBody>
+                  <a:tcPr/>
+                </a:tc>
+                <a:tc>
+                  <a:txBody>
+                    <a:bodyPr/>
+                    <a:lstStyle/>
+                    <a:p>
+                      <a:pPr algn="ctr">
+                        <a:lnSpc>
+                          <a:spcPct val="100000"/>
+                        </a:lnSpc>
+                      </a:pPr>
+                      <a:r>
+                        <a:rPr lang="en-US" sz="1600" kern="1200" dirty="0">
+                          <a:solidFill>
+                            <a:schemeClr val="dk1"/>
+                          </a:solidFill>
+                          <a:latin typeface="+mn-lt"/>
+                          <a:ea typeface="+mn-ea"/>
+                          <a:cs typeface="+mn-cs"/>
+                        </a:rPr>
+                        <a:t>65.9456</a:t>
+                      </a:r>
+                    </a:p>
+                  </a:txBody>
+                  <a:tcPr/>
+                </a:tc>
+                <a:extLst>
+                  <a:ext uri="{0D108BD9-81ED-4DB2-BD59-A6C34878D82A}">
+                    <a16:rowId xmlns:a16="http://schemas.microsoft.com/office/drawing/2014/main" val="1612389571"/>
+                  </a:ext>
+                </a:extLst>
+              </a:tr>
+              <a:tr h="370840">
+                <a:tc>
+                  <a:txBody>
+                    <a:bodyPr/>
+                    <a:lstStyle/>
+                    <a:p>
+                      <a:pPr marL="0" algn="ctr" defTabSz="914400" rtl="0" eaLnBrk="1" latinLnBrk="0" hangingPunct="1">
+                        <a:lnSpc>
+                          <a:spcPct val="100000"/>
+                        </a:lnSpc>
+                      </a:pPr>
+                      <a:r>
+                        <a:rPr lang="en-US" sz="1600" kern="1200" dirty="0">
+                          <a:solidFill>
+                            <a:schemeClr val="dk1"/>
+                          </a:solidFill>
+                          <a:latin typeface="+mn-lt"/>
+                          <a:ea typeface="+mn-ea"/>
+                          <a:cs typeface="+mn-cs"/>
+                        </a:rPr>
+                        <a:t>Uniform between 65 and 95</a:t>
+                      </a:r>
+                    </a:p>
+                  </a:txBody>
+                  <a:tcPr/>
+                </a:tc>
+                <a:tc>
+                  <a:txBody>
+                    <a:bodyPr/>
+                    <a:lstStyle/>
+                    <a:p>
+                      <a:pPr algn="ctr">
+                        <a:lnSpc>
+                          <a:spcPct val="100000"/>
+                        </a:lnSpc>
+                      </a:pPr>
+                      <a:r>
+                        <a:rPr lang="en-US" sz="1600" b="1" u="sng" kern="1200" dirty="0">
+                          <a:solidFill>
+                            <a:schemeClr val="dk1"/>
+                          </a:solidFill>
+                          <a:latin typeface="+mn-lt"/>
+                          <a:ea typeface="+mn-ea"/>
+                          <a:cs typeface="+mn-cs"/>
+                        </a:rPr>
+                        <a:t>39.8145</a:t>
+                      </a:r>
+                    </a:p>
+                  </a:txBody>
+                  <a:tcPr/>
+                </a:tc>
+                <a:tc>
+                  <a:txBody>
+                    <a:bodyPr/>
+                    <a:lstStyle/>
+                    <a:p>
+                      <a:pPr algn="ctr">
+                        <a:lnSpc>
+                          <a:spcPct val="100000"/>
+                        </a:lnSpc>
+                      </a:pPr>
+                      <a:r>
+                        <a:rPr lang="en-US" sz="1600" kern="1200" dirty="0">
+                          <a:solidFill>
+                            <a:schemeClr val="dk1"/>
+                          </a:solidFill>
+                          <a:latin typeface="+mn-lt"/>
+                          <a:ea typeface="+mn-ea"/>
+                          <a:cs typeface="+mn-cs"/>
+                        </a:rPr>
+                        <a:t>33.6427</a:t>
+                      </a:r>
+                    </a:p>
+                  </a:txBody>
+                  <a:tcPr/>
+                </a:tc>
+                <a:extLst>
+                  <a:ext uri="{0D108BD9-81ED-4DB2-BD59-A6C34878D82A}">
+                    <a16:rowId xmlns:a16="http://schemas.microsoft.com/office/drawing/2014/main" val="3462107402"/>
+                  </a:ext>
+                </a:extLst>
+              </a:tr>
+            </a:tbl>
+          </a:graphicData>
+        </a:graphic>
+      </p:graphicFrame>
+    </p:spTree>
+    <p:extLst>
+      <p:ext uri="{BB962C8B-B14F-4D97-AF65-F5344CB8AC3E}">
+        <p14:creationId xmlns:p14="http://schemas.microsoft.com/office/powerpoint/2010/main" val="827653993"/>
+      </p:ext>
+    </p:extLst>
+  </p:cSld>
+  <p:clrMapOvr>
+    <a:masterClrMapping/>
+  </p:clrMapOvr>
+</p:sld>
+</file>
+
+<file path=ppt/slides/slide7.xml><?xml version="1.0" encoding="utf-8"?>
+<p:sld xmlns:a="http://schemas.openxmlformats.org/drawingml/2006/main" xmlns:r="http://schemas.openxmlformats.org/officeDocument/2006/relationships" xmlns:p="http://schemas.openxmlformats.org/presentationml/2006/main">
+  <p:cSld>
+    <p:spTree>
+      <p:nvGrpSpPr>
+        <p:cNvPr id="1" name=""/>
+        <p:cNvGrpSpPr/>
+        <p:nvPr/>
+      </p:nvGrpSpPr>
+      <p:grpSpPr>
+        <a:xfrm>
+          <a:off x="0" y="0"/>
+          <a:ext cx="0" cy="0"/>
+          <a:chOff x="0" y="0"/>
+          <a:chExt cx="0" cy="0"/>
+        </a:xfrm>
+      </p:grpSpPr>
       <p:pic>
         <p:nvPicPr>
           <p:cNvPr id="19" name="Image 18">
@@ -11565,7 +12127,7 @@
           <a:p>
             <a:r>
               <a:rPr lang="fr-FR" sz="4000" dirty="0"/>
-              <a:t>1-a\ Performance – </a:t>
+              <a:t>2-a\ Performance – </a:t>
             </a:r>
             <a:r>
               <a:rPr lang="fr-FR" sz="4000" dirty="0" err="1"/>
@@ -11771,7 +12333,7 @@
 </p:sld>
 </file>
 
-<file path=ppt/slides/slide5.xml><?xml version="1.0" encoding="utf-8"?>
+<file path=ppt/slides/slide8.xml><?xml version="1.0" encoding="utf-8"?>
 <p:sld xmlns:a="http://schemas.openxmlformats.org/drawingml/2006/main" xmlns:r="http://schemas.openxmlformats.org/officeDocument/2006/relationships" xmlns:p="http://schemas.openxmlformats.org/presentationml/2006/main">
   <p:cSld>
     <p:spTree>
@@ -11811,7 +12373,7 @@
           <a:p>
             <a:r>
               <a:rPr lang="fr-FR" dirty="0"/>
-              <a:t>1-b\ Performance – </a:t>
+              <a:t>2-b\ Performance – </a:t>
             </a:r>
             <a:r>
               <a:rPr lang="fr-FR" dirty="0" err="1"/>
@@ -12051,7 +12613,7 @@
 </p:sld>
 </file>
 
-<file path=ppt/slides/slide6.xml><?xml version="1.0" encoding="utf-8"?>
+<file path=ppt/slides/slide9.xml><?xml version="1.0" encoding="utf-8"?>
 <p:sld xmlns:a="http://schemas.openxmlformats.org/drawingml/2006/main" xmlns:r="http://schemas.openxmlformats.org/officeDocument/2006/relationships" xmlns:p="http://schemas.openxmlformats.org/presentationml/2006/main">
   <p:cSld>
     <p:spTree>
@@ -12091,7 +12653,7 @@
           <a:p>
             <a:r>
               <a:rPr lang="fr-FR" dirty="0"/>
-              <a:t>1-b\ Performance - </a:t>
+              <a:t>2-b\ Performance - </a:t>
             </a:r>
             <a:r>
               <a:rPr lang="fr-FR" dirty="0" err="1"/>
@@ -12215,1009 +12777,6 @@
     <p:extLst>
       <p:ext uri="{BB962C8B-B14F-4D97-AF65-F5344CB8AC3E}">
         <p14:creationId xmlns:p14="http://schemas.microsoft.com/office/powerpoint/2010/main" val="2834736050"/>
-      </p:ext>
-    </p:extLst>
-  </p:cSld>
-  <p:clrMapOvr>
-    <a:masterClrMapping/>
-  </p:clrMapOvr>
-</p:sld>
-</file>
-
-<file path=ppt/slides/slide7.xml><?xml version="1.0" encoding="utf-8"?>
-<p:sld xmlns:a="http://schemas.openxmlformats.org/drawingml/2006/main" xmlns:r="http://schemas.openxmlformats.org/officeDocument/2006/relationships" xmlns:p="http://schemas.openxmlformats.org/presentationml/2006/main">
-  <p:cSld>
-    <p:spTree>
-      <p:nvGrpSpPr>
-        <p:cNvPr id="1" name=""/>
-        <p:cNvGrpSpPr/>
-        <p:nvPr/>
-      </p:nvGrpSpPr>
-      <p:grpSpPr>
-        <a:xfrm>
-          <a:off x="0" y="0"/>
-          <a:ext cx="0" cy="0"/>
-          <a:chOff x="0" y="0"/>
-          <a:chExt cx="0" cy="0"/>
-        </a:xfrm>
-      </p:grpSpPr>
-      <p:sp>
-        <p:nvSpPr>
-          <p:cNvPr id="2" name="Titre 1">
-            <a:extLst>
-              <a:ext uri="{FF2B5EF4-FFF2-40B4-BE49-F238E27FC236}">
-                <a16:creationId xmlns:a16="http://schemas.microsoft.com/office/drawing/2014/main" id="{415E533F-08F3-4D43-829A-E1E6A2F78DCB}"/>
-              </a:ext>
-            </a:extLst>
-          </p:cNvPr>
-          <p:cNvSpPr>
-            <a:spLocks noGrp="1"/>
-          </p:cNvSpPr>
-          <p:nvPr>
-            <p:ph type="title"/>
-          </p:nvPr>
-        </p:nvSpPr>
-        <p:spPr/>
-        <p:txBody>
-          <a:bodyPr/>
-          <a:lstStyle/>
-          <a:p>
-            <a:r>
-              <a:rPr lang="fr-FR" dirty="0"/>
-              <a:t>1-c\ Performance - </a:t>
-            </a:r>
-            <a:r>
-              <a:rPr lang="fr-FR" dirty="0" err="1"/>
-              <a:t>Homothety</a:t>
-            </a:r>
-            <a:endParaRPr lang="fr-FR" dirty="0"/>
-          </a:p>
-        </p:txBody>
-      </p:sp>
-      <p:sp>
-        <p:nvSpPr>
-          <p:cNvPr id="3" name="Espace réservé du contenu 2">
-            <a:extLst>
-              <a:ext uri="{FF2B5EF4-FFF2-40B4-BE49-F238E27FC236}">
-                <a16:creationId xmlns:a16="http://schemas.microsoft.com/office/drawing/2014/main" id="{B8F770AD-FC55-FD4B-B05C-C2B16BC62E93}"/>
-              </a:ext>
-            </a:extLst>
-          </p:cNvPr>
-          <p:cNvSpPr>
-            <a:spLocks noGrp="1"/>
-          </p:cNvSpPr>
-          <p:nvPr>
-            <p:ph idx="1"/>
-          </p:nvPr>
-        </p:nvSpPr>
-        <p:spPr>
-          <a:xfrm>
-            <a:off x="973980" y="1825625"/>
-            <a:ext cx="4614020" cy="4667250"/>
-          </a:xfrm>
-        </p:spPr>
-        <p:txBody>
-          <a:bodyPr/>
-          <a:lstStyle/>
-          <a:p>
-            <a:r>
-              <a:rPr lang="fr-FR" dirty="0" err="1"/>
-              <a:t>Homothety</a:t>
-            </a:r>
-            <a:r>
-              <a:rPr lang="fr-FR" dirty="0"/>
-              <a:t> :</a:t>
-            </a:r>
-          </a:p>
-          <a:p>
-            <a:pPr marL="0" indent="0">
-              <a:buNone/>
-            </a:pPr>
-            <a:endParaRPr lang="fr-FR" dirty="0"/>
-          </a:p>
-          <a:p>
-            <a:pPr marL="0" indent="0">
-              <a:buNone/>
-            </a:pPr>
-            <a:endParaRPr lang="fr-FR" sz="1050" dirty="0"/>
-          </a:p>
-          <a:p>
-            <a:r>
-              <a:rPr lang="fr-FR" dirty="0"/>
-              <a:t>In </a:t>
-            </a:r>
-            <a:r>
-              <a:rPr lang="fr-FR" dirty="0" err="1"/>
-              <a:t>theory</a:t>
-            </a:r>
-            <a:r>
-              <a:rPr lang="fr-FR" dirty="0"/>
-              <a:t>: no change due to the neural network</a:t>
-            </a:r>
-          </a:p>
-          <a:p>
-            <a:pPr marL="0" indent="0">
-              <a:buNone/>
-            </a:pPr>
-            <a:endParaRPr lang="fr-FR" dirty="0"/>
-          </a:p>
-          <a:p>
-            <a:r>
-              <a:rPr lang="fr-FR" dirty="0"/>
-              <a:t>In practice: </a:t>
-            </a:r>
-            <a:r>
-              <a:rPr lang="fr-FR" dirty="0" err="1"/>
-              <a:t>difference</a:t>
-            </a:r>
-            <a:r>
-              <a:rPr lang="fr-FR" dirty="0"/>
-              <a:t> </a:t>
-            </a:r>
-            <a:r>
-              <a:rPr lang="fr-FR" dirty="0" err="1"/>
-              <a:t>since</a:t>
-            </a:r>
-            <a:r>
-              <a:rPr lang="fr-FR" dirty="0"/>
-              <a:t> the signal </a:t>
-            </a:r>
-            <a:r>
-              <a:rPr lang="fr-FR" dirty="0" err="1"/>
-              <a:t>is</a:t>
-            </a:r>
-            <a:r>
-              <a:rPr lang="fr-FR" dirty="0"/>
-              <a:t> harder for the network to </a:t>
-            </a:r>
-            <a:r>
-              <a:rPr lang="fr-FR" dirty="0" err="1"/>
-              <a:t>pick</a:t>
-            </a:r>
-            <a:r>
-              <a:rPr lang="fr-FR" dirty="0"/>
-              <a:t> up information</a:t>
-            </a:r>
-          </a:p>
-        </p:txBody>
-      </p:sp>
-      <p:pic>
-        <p:nvPicPr>
-          <p:cNvPr id="2050" name="Picture 2">
-            <a:extLst>
-              <a:ext uri="{FF2B5EF4-FFF2-40B4-BE49-F238E27FC236}">
-                <a16:creationId xmlns:a16="http://schemas.microsoft.com/office/drawing/2014/main" id="{29686340-BAF8-554A-9076-8B2CFD99BE39}"/>
-              </a:ext>
-            </a:extLst>
-          </p:cNvPr>
-          <p:cNvPicPr>
-            <a:picLocks noChangeAspect="1" noChangeArrowheads="1"/>
-          </p:cNvPicPr>
-          <p:nvPr/>
-        </p:nvPicPr>
-        <p:blipFill>
-          <a:blip r:embed="rId2">
-            <a:extLst>
-              <a:ext uri="{28A0092B-C50C-407E-A947-70E740481C1C}">
-                <a14:useLocalDpi xmlns:a14="http://schemas.microsoft.com/office/drawing/2010/main" val="0"/>
-              </a:ext>
-            </a:extLst>
-          </a:blip>
-          <a:srcRect/>
-          <a:stretch>
-            <a:fillRect/>
-          </a:stretch>
-        </p:blipFill>
-        <p:spPr bwMode="auto">
-          <a:xfrm>
-            <a:off x="1184292" y="2540866"/>
-            <a:ext cx="4258483" cy="330476"/>
-          </a:xfrm>
-          <a:prstGeom prst="rect">
-            <a:avLst/>
-          </a:prstGeom>
-          <a:noFill/>
-          <a:extLst>
-            <a:ext uri="{909E8E84-426E-40DD-AFC4-6F175D3DCCD1}">
-              <a14:hiddenFill xmlns:a14="http://schemas.microsoft.com/office/drawing/2010/main">
-                <a:solidFill>
-                  <a:srgbClr val="FFFFFF"/>
-                </a:solidFill>
-              </a14:hiddenFill>
-            </a:ext>
-          </a:extLst>
-        </p:spPr>
-      </p:pic>
-      <p:pic>
-        <p:nvPicPr>
-          <p:cNvPr id="6" name="Image 5">
-            <a:extLst>
-              <a:ext uri="{FF2B5EF4-FFF2-40B4-BE49-F238E27FC236}">
-                <a16:creationId xmlns:a16="http://schemas.microsoft.com/office/drawing/2014/main" id="{BC343219-8A4B-4148-9C37-7D793E6D0447}"/>
-              </a:ext>
-            </a:extLst>
-          </p:cNvPr>
-          <p:cNvPicPr>
-            <a:picLocks noChangeAspect="1"/>
-          </p:cNvPicPr>
-          <p:nvPr/>
-        </p:nvPicPr>
-        <p:blipFill>
-          <a:blip r:embed="rId3"/>
-          <a:stretch>
-            <a:fillRect/>
-          </a:stretch>
-        </p:blipFill>
-        <p:spPr>
-          <a:xfrm>
-            <a:off x="5994361" y="1426464"/>
-            <a:ext cx="5283239" cy="4926980"/>
-          </a:xfrm>
-          <a:prstGeom prst="rect">
-            <a:avLst/>
-          </a:prstGeom>
-          <a:ln>
-            <a:solidFill>
-              <a:schemeClr val="tx1"/>
-            </a:solidFill>
-          </a:ln>
-        </p:spPr>
-      </p:pic>
-      <p:grpSp>
-        <p:nvGrpSpPr>
-          <p:cNvPr id="16" name="Groupe 15">
-            <a:extLst>
-              <a:ext uri="{FF2B5EF4-FFF2-40B4-BE49-F238E27FC236}">
-                <a16:creationId xmlns:a16="http://schemas.microsoft.com/office/drawing/2014/main" id="{35D8BA4C-4279-1D40-86CE-9820294D1E45}"/>
-              </a:ext>
-            </a:extLst>
-          </p:cNvPr>
-          <p:cNvGrpSpPr/>
-          <p:nvPr/>
-        </p:nvGrpSpPr>
-        <p:grpSpPr>
-          <a:xfrm>
-            <a:off x="8974946" y="1883295"/>
-            <a:ext cx="2133346" cy="822809"/>
-            <a:chOff x="4273550" y="2779269"/>
-            <a:chExt cx="3644900" cy="1337562"/>
-          </a:xfrm>
-        </p:grpSpPr>
-        <p:pic>
-          <p:nvPicPr>
-            <p:cNvPr id="9" name="Image 8" descr="Une image contenant texte&#10;&#10;Description générée automatiquement">
-              <a:extLst>
-                <a:ext uri="{FF2B5EF4-FFF2-40B4-BE49-F238E27FC236}">
-                  <a16:creationId xmlns:a16="http://schemas.microsoft.com/office/drawing/2014/main" id="{3E4FF81C-B72F-1F47-905A-0AE85EFA902E}"/>
-                </a:ext>
-              </a:extLst>
-            </p:cNvPr>
-            <p:cNvPicPr>
-              <a:picLocks noChangeAspect="1"/>
-            </p:cNvPicPr>
-            <p:nvPr/>
-          </p:nvPicPr>
-          <p:blipFill>
-            <a:blip r:embed="rId4"/>
-            <a:stretch>
-              <a:fillRect/>
-            </a:stretch>
-          </p:blipFill>
-          <p:spPr>
-            <a:xfrm>
-              <a:off x="4273550" y="3041650"/>
-              <a:ext cx="3644900" cy="774700"/>
-            </a:xfrm>
-            <a:prstGeom prst="rect">
-              <a:avLst/>
-            </a:prstGeom>
-          </p:spPr>
-        </p:pic>
-        <p:pic>
-          <p:nvPicPr>
-            <p:cNvPr id="11" name="Image 10">
-              <a:extLst>
-                <a:ext uri="{FF2B5EF4-FFF2-40B4-BE49-F238E27FC236}">
-                  <a16:creationId xmlns:a16="http://schemas.microsoft.com/office/drawing/2014/main" id="{B8C283C3-F36A-DD45-87F7-8C6553EB053A}"/>
-                </a:ext>
-              </a:extLst>
-            </p:cNvPr>
-            <p:cNvPicPr>
-              <a:picLocks noChangeAspect="1"/>
-            </p:cNvPicPr>
-            <p:nvPr/>
-          </p:nvPicPr>
-          <p:blipFill>
-            <a:blip r:embed="rId5"/>
-            <a:stretch>
-              <a:fillRect/>
-            </a:stretch>
-          </p:blipFill>
-          <p:spPr>
-            <a:xfrm>
-              <a:off x="4273550" y="3748531"/>
-              <a:ext cx="3644900" cy="368300"/>
-            </a:xfrm>
-            <a:prstGeom prst="rect">
-              <a:avLst/>
-            </a:prstGeom>
-          </p:spPr>
-        </p:pic>
-        <p:pic>
-          <p:nvPicPr>
-            <p:cNvPr id="15" name="Image 14">
-              <a:extLst>
-                <a:ext uri="{FF2B5EF4-FFF2-40B4-BE49-F238E27FC236}">
-                  <a16:creationId xmlns:a16="http://schemas.microsoft.com/office/drawing/2014/main" id="{196FA11F-3A13-694D-9E33-99D88BA3A430}"/>
-                </a:ext>
-              </a:extLst>
-            </p:cNvPr>
-            <p:cNvPicPr>
-              <a:picLocks noChangeAspect="1"/>
-            </p:cNvPicPr>
-            <p:nvPr/>
-          </p:nvPicPr>
-          <p:blipFill>
-            <a:blip r:embed="rId6"/>
-            <a:stretch>
-              <a:fillRect/>
-            </a:stretch>
-          </p:blipFill>
-          <p:spPr>
-            <a:xfrm>
-              <a:off x="4273550" y="2779269"/>
-              <a:ext cx="3644900" cy="330200"/>
-            </a:xfrm>
-            <a:prstGeom prst="rect">
-              <a:avLst/>
-            </a:prstGeom>
-          </p:spPr>
-        </p:pic>
-      </p:grpSp>
-    </p:spTree>
-    <p:extLst>
-      <p:ext uri="{BB962C8B-B14F-4D97-AF65-F5344CB8AC3E}">
-        <p14:creationId xmlns:p14="http://schemas.microsoft.com/office/powerpoint/2010/main" val="3668843723"/>
-      </p:ext>
-    </p:extLst>
-  </p:cSld>
-  <p:clrMapOvr>
-    <a:masterClrMapping/>
-  </p:clrMapOvr>
-</p:sld>
-</file>
-
-<file path=ppt/slides/slide8.xml><?xml version="1.0" encoding="utf-8"?>
-<p:sld xmlns:a="http://schemas.openxmlformats.org/drawingml/2006/main" xmlns:r="http://schemas.openxmlformats.org/officeDocument/2006/relationships" xmlns:p="http://schemas.openxmlformats.org/presentationml/2006/main">
-  <p:cSld>
-    <p:spTree>
-      <p:nvGrpSpPr>
-        <p:cNvPr id="1" name=""/>
-        <p:cNvGrpSpPr/>
-        <p:nvPr/>
-      </p:nvGrpSpPr>
-      <p:grpSpPr>
-        <a:xfrm>
-          <a:off x="0" y="0"/>
-          <a:ext cx="0" cy="0"/>
-          <a:chOff x="0" y="0"/>
-          <a:chExt cx="0" cy="0"/>
-        </a:xfrm>
-      </p:grpSpPr>
-      <p:sp>
-        <p:nvSpPr>
-          <p:cNvPr id="2" name="Titre 1">
-            <a:extLst>
-              <a:ext uri="{FF2B5EF4-FFF2-40B4-BE49-F238E27FC236}">
-                <a16:creationId xmlns:a16="http://schemas.microsoft.com/office/drawing/2014/main" id="{415E533F-08F3-4D43-829A-E1E6A2F78DCB}"/>
-              </a:ext>
-            </a:extLst>
-          </p:cNvPr>
-          <p:cNvSpPr>
-            <a:spLocks noGrp="1"/>
-          </p:cNvSpPr>
-          <p:nvPr>
-            <p:ph type="title"/>
-          </p:nvPr>
-        </p:nvSpPr>
-        <p:spPr/>
-        <p:txBody>
-          <a:bodyPr/>
-          <a:lstStyle/>
-          <a:p>
-            <a:r>
-              <a:rPr lang="fr-FR" dirty="0"/>
-              <a:t>1-d\ Performance - Dimension</a:t>
-            </a:r>
-          </a:p>
-        </p:txBody>
-      </p:sp>
-      <p:sp>
-        <p:nvSpPr>
-          <p:cNvPr id="3" name="Espace réservé du contenu 2">
-            <a:extLst>
-              <a:ext uri="{FF2B5EF4-FFF2-40B4-BE49-F238E27FC236}">
-                <a16:creationId xmlns:a16="http://schemas.microsoft.com/office/drawing/2014/main" id="{B8F770AD-FC55-FD4B-B05C-C2B16BC62E93}"/>
-              </a:ext>
-            </a:extLst>
-          </p:cNvPr>
-          <p:cNvSpPr>
-            <a:spLocks noGrp="1"/>
-          </p:cNvSpPr>
-          <p:nvPr>
-            <p:ph idx="1"/>
-          </p:nvPr>
-        </p:nvSpPr>
-        <p:spPr>
-          <a:xfrm>
-            <a:off x="973980" y="1825625"/>
-            <a:ext cx="4614020" cy="4667250"/>
-          </a:xfrm>
-        </p:spPr>
-        <p:txBody>
-          <a:bodyPr/>
-          <a:lstStyle/>
-          <a:p>
-            <a:r>
-              <a:rPr lang="fr-FR" dirty="0"/>
-              <a:t>The code of the </a:t>
-            </a:r>
-            <a:r>
-              <a:rPr lang="fr-FR" dirty="0" err="1"/>
-              <a:t>paper</a:t>
-            </a:r>
-            <a:r>
-              <a:rPr lang="fr-FR" dirty="0"/>
-              <a:t> uses the k=2 </a:t>
-            </a:r>
-            <a:r>
-              <a:rPr lang="fr-FR" dirty="0" err="1"/>
-              <a:t>smallest</a:t>
-            </a:r>
-            <a:r>
-              <a:rPr lang="fr-FR" dirty="0"/>
-              <a:t> </a:t>
-            </a:r>
-            <a:r>
-              <a:rPr lang="fr-FR" dirty="0" err="1"/>
-              <a:t>eigenvalues</a:t>
-            </a:r>
-            <a:r>
-              <a:rPr lang="fr-FR" dirty="0"/>
-              <a:t> of the </a:t>
-            </a:r>
-            <a:r>
-              <a:rPr lang="fr-FR" dirty="0" err="1"/>
-              <a:t>Laplacian</a:t>
-            </a:r>
-            <a:r>
-              <a:rPr lang="fr-FR" dirty="0"/>
-              <a:t> by default.</a:t>
-            </a:r>
-          </a:p>
-          <a:p>
-            <a:endParaRPr lang="fr-FR" dirty="0"/>
-          </a:p>
-          <a:p>
-            <a:r>
-              <a:rPr lang="fr-FR" dirty="0" err="1"/>
-              <a:t>Better</a:t>
-            </a:r>
-            <a:r>
-              <a:rPr lang="fr-FR" dirty="0"/>
-              <a:t> performances </a:t>
-            </a:r>
-            <a:r>
-              <a:rPr lang="fr-FR" dirty="0" err="1"/>
-              <a:t>can</a:t>
-            </a:r>
-            <a:r>
-              <a:rPr lang="fr-FR" dirty="0"/>
-              <a:t> </a:t>
-            </a:r>
-            <a:r>
-              <a:rPr lang="fr-FR" dirty="0" err="1"/>
-              <a:t>be</a:t>
-            </a:r>
-            <a:r>
-              <a:rPr lang="fr-FR" dirty="0"/>
-              <a:t> </a:t>
-            </a:r>
-            <a:r>
-              <a:rPr lang="fr-FR" dirty="0" err="1"/>
-              <a:t>achieved</a:t>
-            </a:r>
-            <a:r>
-              <a:rPr lang="fr-FR" dirty="0"/>
-              <a:t> </a:t>
-            </a:r>
-            <a:r>
-              <a:rPr lang="fr-FR" dirty="0" err="1"/>
-              <a:t>with</a:t>
-            </a:r>
-            <a:r>
-              <a:rPr lang="fr-FR" dirty="0"/>
-              <a:t> k=5 in the long </a:t>
-            </a:r>
-            <a:r>
-              <a:rPr lang="fr-FR" dirty="0" err="1"/>
-              <a:t>run</a:t>
-            </a:r>
-            <a:r>
-              <a:rPr lang="fr-FR" dirty="0"/>
-              <a:t>. Few changes for k&gt;5.</a:t>
-            </a:r>
-          </a:p>
-        </p:txBody>
-      </p:sp>
-      <p:pic>
-        <p:nvPicPr>
-          <p:cNvPr id="5" name="Image 4">
-            <a:extLst>
-              <a:ext uri="{FF2B5EF4-FFF2-40B4-BE49-F238E27FC236}">
-                <a16:creationId xmlns:a16="http://schemas.microsoft.com/office/drawing/2014/main" id="{EB932358-D6CB-054D-836D-517127CF3D28}"/>
-              </a:ext>
-            </a:extLst>
-          </p:cNvPr>
-          <p:cNvPicPr>
-            <a:picLocks noChangeAspect="1"/>
-          </p:cNvPicPr>
-          <p:nvPr/>
-        </p:nvPicPr>
-        <p:blipFill>
-          <a:blip r:embed="rId2"/>
-          <a:stretch>
-            <a:fillRect/>
-          </a:stretch>
-        </p:blipFill>
-        <p:spPr>
-          <a:xfrm>
-            <a:off x="5759173" y="1460500"/>
-            <a:ext cx="5458847" cy="5032375"/>
-          </a:xfrm>
-          <a:prstGeom prst="rect">
-            <a:avLst/>
-          </a:prstGeom>
-        </p:spPr>
-      </p:pic>
-      <p:grpSp>
-        <p:nvGrpSpPr>
-          <p:cNvPr id="13" name="Groupe 12">
-            <a:extLst>
-              <a:ext uri="{FF2B5EF4-FFF2-40B4-BE49-F238E27FC236}">
-                <a16:creationId xmlns:a16="http://schemas.microsoft.com/office/drawing/2014/main" id="{E87491B3-B824-BB44-A829-10664F43BBE5}"/>
-              </a:ext>
-            </a:extLst>
-          </p:cNvPr>
-          <p:cNvGrpSpPr/>
-          <p:nvPr/>
-        </p:nvGrpSpPr>
-        <p:grpSpPr>
-          <a:xfrm>
-            <a:off x="8847703" y="1825625"/>
-            <a:ext cx="2641877" cy="1325563"/>
-            <a:chOff x="4298950" y="3079750"/>
-            <a:chExt cx="3594100" cy="1803400"/>
-          </a:xfrm>
-        </p:grpSpPr>
-        <p:pic>
-          <p:nvPicPr>
-            <p:cNvPr id="8" name="Image 7" descr="Une image contenant texte&#10;&#10;Description générée automatiquement">
-              <a:extLst>
-                <a:ext uri="{FF2B5EF4-FFF2-40B4-BE49-F238E27FC236}">
-                  <a16:creationId xmlns:a16="http://schemas.microsoft.com/office/drawing/2014/main" id="{B26AD779-0DE1-304F-A793-B69087EE1B58}"/>
-                </a:ext>
-              </a:extLst>
-            </p:cNvPr>
-            <p:cNvPicPr>
-              <a:picLocks noChangeAspect="1"/>
-            </p:cNvPicPr>
-            <p:nvPr/>
-          </p:nvPicPr>
-          <p:blipFill>
-            <a:blip r:embed="rId3"/>
-            <a:stretch>
-              <a:fillRect/>
-            </a:stretch>
-          </p:blipFill>
-          <p:spPr>
-            <a:xfrm>
-              <a:off x="4298950" y="3079750"/>
-              <a:ext cx="3594100" cy="698500"/>
-            </a:xfrm>
-            <a:prstGeom prst="rect">
-              <a:avLst/>
-            </a:prstGeom>
-          </p:spPr>
-        </p:pic>
-        <p:pic>
-          <p:nvPicPr>
-            <p:cNvPr id="12" name="Image 11" descr="Une image contenant texte&#10;&#10;Description générée automatiquement">
-              <a:extLst>
-                <a:ext uri="{FF2B5EF4-FFF2-40B4-BE49-F238E27FC236}">
-                  <a16:creationId xmlns:a16="http://schemas.microsoft.com/office/drawing/2014/main" id="{FB482E98-0B2F-FE4E-BB0C-8BE40F8E838D}"/>
-                </a:ext>
-              </a:extLst>
-            </p:cNvPr>
-            <p:cNvPicPr>
-              <a:picLocks noChangeAspect="1"/>
-            </p:cNvPicPr>
-            <p:nvPr/>
-          </p:nvPicPr>
-          <p:blipFill>
-            <a:blip r:embed="rId4"/>
-            <a:stretch>
-              <a:fillRect/>
-            </a:stretch>
-          </p:blipFill>
-          <p:spPr>
-            <a:xfrm>
-              <a:off x="4298950" y="3778250"/>
-              <a:ext cx="3594100" cy="1104900"/>
-            </a:xfrm>
-            <a:prstGeom prst="rect">
-              <a:avLst/>
-            </a:prstGeom>
-          </p:spPr>
-        </p:pic>
-      </p:grpSp>
-    </p:spTree>
-    <p:extLst>
-      <p:ext uri="{BB962C8B-B14F-4D97-AF65-F5344CB8AC3E}">
-        <p14:creationId xmlns:p14="http://schemas.microsoft.com/office/powerpoint/2010/main" val="310801132"/>
-      </p:ext>
-    </p:extLst>
-  </p:cSld>
-  <p:clrMapOvr>
-    <a:masterClrMapping/>
-  </p:clrMapOvr>
-</p:sld>
-</file>
-
-<file path=ppt/slides/slide9.xml><?xml version="1.0" encoding="utf-8"?>
-<p:sld xmlns:a="http://schemas.openxmlformats.org/drawingml/2006/main" xmlns:r="http://schemas.openxmlformats.org/officeDocument/2006/relationships" xmlns:p="http://schemas.openxmlformats.org/presentationml/2006/main">
-  <p:cSld>
-    <p:spTree>
-      <p:nvGrpSpPr>
-        <p:cNvPr id="1" name=""/>
-        <p:cNvGrpSpPr/>
-        <p:nvPr/>
-      </p:nvGrpSpPr>
-      <p:grpSpPr>
-        <a:xfrm>
-          <a:off x="0" y="0"/>
-          <a:ext cx="0" cy="0"/>
-          <a:chOff x="0" y="0"/>
-          <a:chExt cx="0" cy="0"/>
-        </a:xfrm>
-      </p:grpSpPr>
-      <p:sp>
-        <p:nvSpPr>
-          <p:cNvPr id="2" name="Titre 1">
-            <a:extLst>
-              <a:ext uri="{FF2B5EF4-FFF2-40B4-BE49-F238E27FC236}">
-                <a16:creationId xmlns:a16="http://schemas.microsoft.com/office/drawing/2014/main" id="{7E10E802-CE33-B64F-9D81-609DD55D7CC1}"/>
-              </a:ext>
-            </a:extLst>
-          </p:cNvPr>
-          <p:cNvSpPr>
-            <a:spLocks noGrp="1"/>
-          </p:cNvSpPr>
-          <p:nvPr>
-            <p:ph type="title"/>
-          </p:nvPr>
-        </p:nvSpPr>
-        <p:spPr/>
-        <p:txBody>
-          <a:bodyPr/>
-          <a:lstStyle/>
-          <a:p>
-            <a:r>
-              <a:rPr lang="fr-FR" dirty="0"/>
-              <a:t>2-a\ </a:t>
-            </a:r>
-            <a:r>
-              <a:rPr lang="fr-FR" dirty="0" err="1"/>
-              <a:t>Stability</a:t>
-            </a:r>
-            <a:r>
-              <a:rPr lang="fr-FR" dirty="0"/>
-              <a:t>: the PATTERN dataset</a:t>
-            </a:r>
-          </a:p>
-        </p:txBody>
-      </p:sp>
-      <p:sp>
-        <p:nvSpPr>
-          <p:cNvPr id="3" name="Espace réservé du contenu 2">
-            <a:extLst>
-              <a:ext uri="{FF2B5EF4-FFF2-40B4-BE49-F238E27FC236}">
-                <a16:creationId xmlns:a16="http://schemas.microsoft.com/office/drawing/2014/main" id="{E68498BF-A3EE-4D46-89BA-796AFCFC11A9}"/>
-              </a:ext>
-            </a:extLst>
-          </p:cNvPr>
-          <p:cNvSpPr>
-            <a:spLocks noGrp="1"/>
-          </p:cNvSpPr>
-          <p:nvPr>
-            <p:ph idx="1"/>
-          </p:nvPr>
-        </p:nvSpPr>
-        <p:spPr>
-          <a:xfrm>
-            <a:off x="838200" y="1825626"/>
-            <a:ext cx="6593958" cy="2119054"/>
-          </a:xfrm>
-        </p:spPr>
-        <p:txBody>
-          <a:bodyPr>
-            <a:normAutofit fontScale="77500" lnSpcReduction="20000"/>
-          </a:bodyPr>
-          <a:lstStyle/>
-          <a:p>
-            <a:r>
-              <a:rPr lang="fr-FR" dirty="0"/>
-              <a:t>5 </a:t>
-            </a:r>
-            <a:r>
-              <a:rPr lang="fr-FR" dirty="0" err="1"/>
-              <a:t>communities</a:t>
-            </a:r>
-            <a:r>
-              <a:rPr lang="fr-FR" dirty="0"/>
-              <a:t> are </a:t>
-            </a:r>
-            <a:r>
-              <a:rPr lang="fr-FR" dirty="0" err="1"/>
-              <a:t>generated</a:t>
-            </a:r>
-            <a:r>
-              <a:rPr lang="fr-FR" dirty="0"/>
-              <a:t> </a:t>
-            </a:r>
-            <a:r>
-              <a:rPr lang="fr-FR" dirty="0" err="1"/>
-              <a:t>with</a:t>
-            </a:r>
-            <a:r>
-              <a:rPr lang="fr-FR" dirty="0"/>
-              <a:t> the </a:t>
-            </a:r>
-            <a:r>
-              <a:rPr lang="fr-FR" dirty="0" err="1"/>
-              <a:t>same</a:t>
-            </a:r>
-            <a:r>
-              <a:rPr lang="fr-FR" dirty="0"/>
-              <a:t> </a:t>
-            </a:r>
-            <a:r>
-              <a:rPr lang="fr-FR" dirty="0" err="1"/>
-              <a:t>probabilities</a:t>
-            </a:r>
-            <a:r>
-              <a:rPr lang="fr-FR" dirty="0"/>
-              <a:t> for </a:t>
-            </a:r>
-            <a:r>
-              <a:rPr lang="fr-FR" dirty="0" err="1"/>
-              <a:t>each</a:t>
-            </a:r>
-            <a:r>
-              <a:rPr lang="fr-FR" dirty="0"/>
-              <a:t> block</a:t>
-            </a:r>
-          </a:p>
-          <a:p>
-            <a:r>
-              <a:rPr lang="fr-FR" dirty="0" err="1"/>
-              <a:t>We</a:t>
-            </a:r>
-            <a:r>
-              <a:rPr lang="fr-FR" dirty="0"/>
-              <a:t> </a:t>
-            </a:r>
-            <a:r>
-              <a:rPr lang="fr-FR" dirty="0" err="1"/>
-              <a:t>add</a:t>
-            </a:r>
-            <a:r>
-              <a:rPr lang="fr-FR" dirty="0"/>
-              <a:t> a 6th </a:t>
-            </a:r>
-            <a:r>
-              <a:rPr lang="fr-FR" dirty="0" err="1"/>
-              <a:t>community</a:t>
-            </a:r>
-            <a:r>
-              <a:rPr lang="fr-FR" dirty="0"/>
-              <a:t> </a:t>
-            </a:r>
-            <a:r>
-              <a:rPr lang="fr-FR" dirty="0" err="1"/>
-              <a:t>with</a:t>
-            </a:r>
-            <a:r>
-              <a:rPr lang="fr-FR" dirty="0"/>
-              <a:t> a </a:t>
-            </a:r>
-            <a:r>
-              <a:rPr lang="fr-FR" dirty="0" err="1"/>
-              <a:t>different</a:t>
-            </a:r>
-            <a:r>
-              <a:rPr lang="fr-FR" dirty="0"/>
-              <a:t> extra-</a:t>
-            </a:r>
-            <a:r>
-              <a:rPr lang="fr-FR" dirty="0" err="1"/>
-              <a:t>link</a:t>
-            </a:r>
-            <a:r>
-              <a:rPr lang="fr-FR" dirty="0"/>
-              <a:t> </a:t>
-            </a:r>
-            <a:r>
-              <a:rPr lang="fr-FR" dirty="0" err="1"/>
-              <a:t>probability</a:t>
-            </a:r>
-            <a:endParaRPr lang="fr-FR" dirty="0"/>
-          </a:p>
-          <a:p>
-            <a:r>
-              <a:rPr lang="fr-FR" dirty="0" err="1"/>
-              <a:t>Communities</a:t>
-            </a:r>
-            <a:r>
-              <a:rPr lang="fr-FR" dirty="0"/>
-              <a:t>’ </a:t>
-            </a:r>
-            <a:r>
-              <a:rPr lang="fr-FR" dirty="0" err="1"/>
-              <a:t>average</a:t>
-            </a:r>
-            <a:r>
-              <a:rPr lang="fr-FR" dirty="0"/>
-              <a:t> size </a:t>
-            </a:r>
-            <a:r>
-              <a:rPr lang="fr-FR" dirty="0" err="1"/>
-              <a:t>is</a:t>
-            </a:r>
-            <a:r>
-              <a:rPr lang="fr-FR" dirty="0"/>
-              <a:t> 20</a:t>
-            </a:r>
-          </a:p>
-          <a:p>
-            <a:r>
-              <a:rPr lang="fr-FR" dirty="0"/>
-              <a:t>The goal </a:t>
-            </a:r>
-            <a:r>
-              <a:rPr lang="fr-FR" dirty="0" err="1"/>
-              <a:t>is</a:t>
-            </a:r>
-            <a:r>
-              <a:rPr lang="fr-FR" dirty="0"/>
-              <a:t> to </a:t>
-            </a:r>
-            <a:r>
-              <a:rPr lang="fr-FR" dirty="0" err="1"/>
-              <a:t>classify</a:t>
-            </a:r>
-            <a:r>
-              <a:rPr lang="fr-FR" dirty="0"/>
-              <a:t> the dataset and </a:t>
-            </a:r>
-            <a:r>
-              <a:rPr lang="fr-FR" dirty="0" err="1"/>
-              <a:t>find</a:t>
-            </a:r>
-            <a:r>
-              <a:rPr lang="fr-FR" dirty="0"/>
-              <a:t> </a:t>
-            </a:r>
-            <a:r>
-              <a:rPr lang="fr-FR" dirty="0" err="1"/>
-              <a:t>which</a:t>
-            </a:r>
-            <a:r>
-              <a:rPr lang="fr-FR" dirty="0"/>
-              <a:t> </a:t>
-            </a:r>
-            <a:r>
-              <a:rPr lang="fr-FR" dirty="0" err="1"/>
-              <a:t>individuals</a:t>
-            </a:r>
-            <a:r>
-              <a:rPr lang="fr-FR" dirty="0"/>
-              <a:t> </a:t>
-            </a:r>
-            <a:r>
-              <a:rPr lang="fr-FR" dirty="0" err="1"/>
-              <a:t>belong</a:t>
-            </a:r>
-            <a:r>
-              <a:rPr lang="fr-FR" dirty="0"/>
-              <a:t> to the 6th </a:t>
-            </a:r>
-            <a:r>
-              <a:rPr lang="fr-FR" dirty="0" err="1"/>
-              <a:t>community</a:t>
-            </a:r>
-            <a:endParaRPr lang="fr-FR" dirty="0"/>
-          </a:p>
-          <a:p>
-            <a:endParaRPr lang="fr-FR" dirty="0"/>
-          </a:p>
-          <a:p>
-            <a:endParaRPr lang="fr-FR" dirty="0"/>
-          </a:p>
-        </p:txBody>
-      </p:sp>
-      <p:pic>
-        <p:nvPicPr>
-          <p:cNvPr id="4" name="Image 3">
-            <a:extLst>
-              <a:ext uri="{FF2B5EF4-FFF2-40B4-BE49-F238E27FC236}">
-                <a16:creationId xmlns:a16="http://schemas.microsoft.com/office/drawing/2014/main" id="{F5732586-EF0B-8547-AA5B-0E17EB5BD862}"/>
-              </a:ext>
-            </a:extLst>
-          </p:cNvPr>
-          <p:cNvPicPr/>
-          <p:nvPr/>
-        </p:nvPicPr>
-        <p:blipFill>
-          <a:blip r:embed="rId2"/>
-          <a:stretch/>
-        </p:blipFill>
-        <p:spPr>
-          <a:xfrm>
-            <a:off x="7854142" y="1690688"/>
-            <a:ext cx="3499658" cy="2618509"/>
-          </a:xfrm>
-          <a:prstGeom prst="rect">
-            <a:avLst/>
-          </a:prstGeom>
-          <a:ln>
-            <a:noFill/>
-          </a:ln>
-        </p:spPr>
-      </p:pic>
-      <p:pic>
-        <p:nvPicPr>
-          <p:cNvPr id="5" name="Image 4">
-            <a:extLst>
-              <a:ext uri="{FF2B5EF4-FFF2-40B4-BE49-F238E27FC236}">
-                <a16:creationId xmlns:a16="http://schemas.microsoft.com/office/drawing/2014/main" id="{61164E75-56D9-A840-A10D-DD730AD47270}"/>
-              </a:ext>
-            </a:extLst>
-          </p:cNvPr>
-          <p:cNvPicPr/>
-          <p:nvPr/>
-        </p:nvPicPr>
-        <p:blipFill>
-          <a:blip r:embed="rId3"/>
-          <a:stretch/>
-        </p:blipFill>
-        <p:spPr>
-          <a:xfrm>
-            <a:off x="2783379" y="4572849"/>
-            <a:ext cx="7746075" cy="1791314"/>
-          </a:xfrm>
-          <a:prstGeom prst="rect">
-            <a:avLst/>
-          </a:prstGeom>
-          <a:ln>
-            <a:noFill/>
-          </a:ln>
-        </p:spPr>
-      </p:pic>
-    </p:spTree>
-    <p:extLst>
-      <p:ext uri="{BB962C8B-B14F-4D97-AF65-F5344CB8AC3E}">
-        <p14:creationId xmlns:p14="http://schemas.microsoft.com/office/powerpoint/2010/main" val="4177387410"/>
       </p:ext>
     </p:extLst>
   </p:cSld>

--- a/presentation/Presentation.pptx
+++ b/presentation/Presentation.pptx
@@ -9499,44 +9499,32 @@
           <a:p>
             <a:pPr lvl="1"/>
             <a:r>
+              <a:rPr lang="fr-FR" b="1" dirty="0" err="1"/>
+              <a:t>Stability</a:t>
+            </a:r>
+            <a:r>
               <a:rPr lang="fr-FR" b="1" dirty="0"/>
-              <a:t>Performance :</a:t>
+              <a:t> : </a:t>
             </a:r>
             <a:r>
               <a:rPr lang="fr-FR" dirty="0"/>
-              <a:t> </a:t>
+              <a:t>train a network and test </a:t>
             </a:r>
             <a:r>
               <a:rPr lang="fr-FR" dirty="0" err="1"/>
-              <a:t>modify</a:t>
+              <a:t>it</a:t>
             </a:r>
             <a:r>
               <a:rPr lang="fr-FR" dirty="0"/>
-              <a:t> the </a:t>
+              <a:t> on </a:t>
             </a:r>
             <a:r>
               <a:rPr lang="fr-FR" dirty="0" err="1"/>
-              <a:t>laplacian</a:t>
+              <a:t>another</a:t>
             </a:r>
             <a:r>
               <a:rPr lang="fr-FR" dirty="0"/>
-              <a:t> </a:t>
-            </a:r>
-            <a:r>
-              <a:rPr lang="fr-FR" dirty="0" err="1"/>
-              <a:t>positional</a:t>
-            </a:r>
-            <a:r>
-              <a:rPr lang="fr-FR" dirty="0"/>
-              <a:t> </a:t>
-            </a:r>
-            <a:r>
-              <a:rPr lang="fr-FR" dirty="0" err="1"/>
-              <a:t>embedding</a:t>
-            </a:r>
-            <a:r>
-              <a:rPr lang="fr-FR" dirty="0"/>
-              <a:t> (lap_pos_enc)</a:t>
+              <a:t> dataset</a:t>
             </a:r>
           </a:p>
           <a:p>
@@ -9544,48 +9532,76 @@
               <a:buNone/>
             </a:pPr>
             <a:r>
-              <a:rPr lang="fr-FR" sz="1600" dirty="0"/>
+              <a:rPr lang="fr-FR" sz="1500" dirty="0"/>
               <a:t>	</a:t>
             </a:r>
             <a:r>
-              <a:rPr lang="fr-FR" sz="1600" i="1" dirty="0"/>
-              <a:t>=&gt; Train new networks on </a:t>
-            </a:r>
-            <a:r>
-              <a:rPr lang="fr-FR" sz="1600" i="1" dirty="0" err="1"/>
-              <a:t>GPUs</a:t>
-            </a:r>
-            <a:endParaRPr lang="fr-FR" sz="1600" i="1" dirty="0"/>
+              <a:rPr lang="fr-FR" sz="1500" i="1" dirty="0"/>
+              <a:t>=&gt; </a:t>
+            </a:r>
+            <a:r>
+              <a:rPr lang="fr-FR" sz="1500" i="1" dirty="0" err="1"/>
+              <a:t>Generate</a:t>
+            </a:r>
+            <a:r>
+              <a:rPr lang="fr-FR" sz="1500" i="1" dirty="0"/>
+              <a:t> new datasets on </a:t>
+            </a:r>
+            <a:r>
+              <a:rPr lang="fr-FR" sz="1500" i="1" dirty="0" err="1"/>
+              <a:t>CPUs</a:t>
+            </a:r>
+            <a:endParaRPr lang="fr-FR" sz="1500" i="1" dirty="0"/>
           </a:p>
           <a:p>
             <a:pPr lvl="1"/>
             <a:r>
-              <a:rPr lang="fr-FR" b="1" dirty="0" err="1"/>
-              <a:t>Stability</a:t>
-            </a:r>
-            <a:r>
               <a:rPr lang="fr-FR" b="1" dirty="0"/>
-              <a:t> : </a:t>
+              <a:t>Performance :</a:t>
             </a:r>
             <a:r>
               <a:rPr lang="fr-FR" dirty="0"/>
-              <a:t>train a network and test </a:t>
+              <a:t> </a:t>
             </a:r>
             <a:r>
               <a:rPr lang="fr-FR" dirty="0" err="1"/>
-              <a:t>it</a:t>
+              <a:t>modify</a:t>
             </a:r>
             <a:r>
               <a:rPr lang="fr-FR" dirty="0"/>
-              <a:t> on </a:t>
+              <a:t> the </a:t>
             </a:r>
             <a:r>
               <a:rPr lang="fr-FR" dirty="0" err="1"/>
-              <a:t>another</a:t>
+              <a:t>laplacian</a:t>
             </a:r>
             <a:r>
               <a:rPr lang="fr-FR" dirty="0"/>
-              <a:t> dataset</a:t>
+              <a:t> </a:t>
+            </a:r>
+            <a:r>
+              <a:rPr lang="fr-FR" dirty="0" err="1"/>
+              <a:t>positional</a:t>
+            </a:r>
+            <a:r>
+              <a:rPr lang="fr-FR" dirty="0"/>
+              <a:t> </a:t>
+            </a:r>
+            <a:r>
+              <a:rPr lang="fr-FR" dirty="0" err="1"/>
+              <a:t>embedding</a:t>
+            </a:r>
+            <a:r>
+              <a:rPr lang="fr-FR" dirty="0"/>
+              <a:t> (</a:t>
+            </a:r>
+            <a:r>
+              <a:rPr lang="fr-FR" dirty="0" err="1"/>
+              <a:t>lap_pos_enc</a:t>
+            </a:r>
+            <a:r>
+              <a:rPr lang="fr-FR" dirty="0"/>
+              <a:t>)</a:t>
             </a:r>
           </a:p>
           <a:p>
@@ -9593,25 +9609,23 @@
               <a:buNone/>
             </a:pPr>
             <a:r>
-              <a:rPr lang="fr-FR" sz="1500" dirty="0"/>
+              <a:rPr lang="fr-FR" sz="1600" dirty="0"/>
               <a:t>	</a:t>
             </a:r>
             <a:r>
-              <a:rPr lang="fr-FR" sz="1500" i="1" dirty="0"/>
-              <a:t>=&gt; </a:t>
-            </a:r>
-            <a:r>
-              <a:rPr lang="fr-FR" sz="1500" i="1" dirty="0" err="1"/>
-              <a:t>Generate</a:t>
-            </a:r>
-            <a:r>
-              <a:rPr lang="fr-FR" sz="1500" i="1" dirty="0"/>
-              <a:t> new datasets on </a:t>
-            </a:r>
-            <a:r>
-              <a:rPr lang="fr-FR" sz="1500" i="1" dirty="0" err="1"/>
-              <a:t>CPUs</a:t>
-            </a:r>
+              <a:rPr lang="fr-FR" sz="1600" i="1" dirty="0"/>
+              <a:t>=&gt; Train new networks on </a:t>
+            </a:r>
+            <a:r>
+              <a:rPr lang="fr-FR" sz="1600" i="1" dirty="0" err="1"/>
+              <a:t>GPUs</a:t>
+            </a:r>
+            <a:endParaRPr lang="fr-FR" sz="1600" i="1"/>
+          </a:p>
+          <a:p>
+            <a:pPr marL="457200" lvl="1" indent="0">
+              <a:buNone/>
+            </a:pPr>
             <a:endParaRPr lang="fr-FR" dirty="0"/>
           </a:p>
           <a:p>

--- a/presentation/Presentation.pptx
+++ b/presentation/Presentation.pptx
@@ -9620,7 +9620,7 @@
               <a:rPr lang="fr-FR" sz="1600" i="1" dirty="0" err="1"/>
               <a:t>GPUs</a:t>
             </a:r>
-            <a:endParaRPr lang="fr-FR" sz="1600" i="1"/>
+            <a:endParaRPr lang="fr-FR" sz="1600" i="1" dirty="0"/>
           </a:p>
           <a:p>
             <a:pPr marL="457200" lvl="1" indent="0">
@@ -9629,12 +9629,12 @@
             <a:endParaRPr lang="fr-FR" dirty="0"/>
           </a:p>
           <a:p>
-            <a:endParaRPr lang="fr-FR" dirty="0"/>
-          </a:p>
-          <a:p>
-            <a:endParaRPr lang="fr-FR" dirty="0"/>
-          </a:p>
-          <a:p>
+            <a:endParaRPr lang="fr-FR" sz="4800" dirty="0"/>
+          </a:p>
+          <a:p>
+            <a:pPr marL="0" indent="0">
+              <a:buNone/>
+            </a:pPr>
             <a:endParaRPr lang="fr-FR" dirty="0"/>
           </a:p>
           <a:p>
@@ -9711,13 +9711,13 @@
           <p:nvPr>
             <p:extLst>
               <p:ext uri="{D42A27DB-BD31-4B8C-83A1-F6EECF244321}">
-                <p14:modId xmlns:p14="http://schemas.microsoft.com/office/powerpoint/2010/main" val="2650878527"/>
+                <p14:modId xmlns:p14="http://schemas.microsoft.com/office/powerpoint/2010/main" val="4207231551"/>
               </p:ext>
             </p:extLst>
           </p:nvPr>
         </p:nvGraphicFramePr>
         <p:xfrm>
-          <a:off x="1646275" y="3280607"/>
+          <a:off x="1646275" y="3357062"/>
           <a:ext cx="8899450" cy="1483360"/>
         </p:xfrm>
         <a:graphic>
@@ -10019,13 +10019,13 @@
           <p:nvPr>
             <p:extLst>
               <p:ext uri="{D42A27DB-BD31-4B8C-83A1-F6EECF244321}">
-                <p14:modId xmlns:p14="http://schemas.microsoft.com/office/powerpoint/2010/main" val="310977166"/>
+                <p14:modId xmlns:p14="http://schemas.microsoft.com/office/powerpoint/2010/main" val="2446305113"/>
               </p:ext>
             </p:extLst>
           </p:nvPr>
         </p:nvGraphicFramePr>
         <p:xfrm>
-          <a:off x="1646275" y="5187102"/>
+          <a:off x="1646275" y="5326802"/>
           <a:ext cx="8899450" cy="741680"/>
         </p:xfrm>
         <a:graphic>

--- a/presentation/Presentation.pptx
+++ b/presentation/Presentation.pptx
@@ -10259,8 +10259,8 @@
         </p:nvSpPr>
         <p:spPr>
           <a:xfrm>
-            <a:off x="838200" y="1825626"/>
-            <a:ext cx="6593958" cy="2119054"/>
+            <a:off x="973980" y="1825626"/>
+            <a:ext cx="6458178" cy="2119054"/>
           </a:xfrm>
         </p:spPr>
         <p:txBody>
@@ -10604,8 +10604,8 @@
         </p:nvSpPr>
         <p:spPr>
           <a:xfrm>
-            <a:off x="838200" y="1825625"/>
-            <a:ext cx="5257800" cy="4139240"/>
+            <a:off x="1130300" y="1825625"/>
+            <a:ext cx="4965699" cy="4139240"/>
           </a:xfrm>
         </p:spPr>
         <p:txBody>
@@ -11568,8 +11568,8 @@
         </p:nvSpPr>
         <p:spPr>
           <a:xfrm>
-            <a:off x="838200" y="1825625"/>
-            <a:ext cx="11197856" cy="4139240"/>
+            <a:off x="973980" y="1825625"/>
+            <a:ext cx="11062076" cy="4139240"/>
           </a:xfrm>
         </p:spPr>
         <p:txBody>
